--- a/Compiled Cmdlets/Compiled_Cmdlets.pptx
+++ b/Compiled Cmdlets/Compiled_Cmdlets.pptx
@@ -801,7 +801,7 @@
               <a:rPr lang="en-US" smtClean="0">
                 <a:latin typeface="Segoe UI" pitchFamily="34" charset="0"/>
               </a:rPr>
-              <a:t>1/12/2019 10:20 AM</a:t>
+              <a:t>1/19/2019 11:43 PM</a:t>
             </a:fld>
             <a:endParaRPr lang="en-US" dirty="0">
               <a:latin typeface="Segoe UI" pitchFamily="34" charset="0"/>
@@ -1079,7 +1079,7 @@
           <a:p>
             <a:fld id="{386CE63F-9E7F-4C04-9D0D-FCA25A8E9E86}" type="datetime8">
               <a:rPr lang="en-US" smtClean="0"/>
-              <a:t>1/12/2019 10:20 AM</a:t>
+              <a:t>1/19/2019 11:43 PM</a:t>
             </a:fld>
             <a:endParaRPr lang="en-US" dirty="0"/>
           </a:p>
@@ -1462,7 +1462,7 @@
           <a:p>
             <a:fld id="{386CE63F-9E7F-4C04-9D0D-FCA25A8E9E86}" type="datetime8">
               <a:rPr lang="en-US" smtClean="0"/>
-              <a:t>1/12/2019 10:20 AM</a:t>
+              <a:t>1/19/2019 11:43 PM</a:t>
             </a:fld>
             <a:endParaRPr lang="en-US" dirty="0"/>
           </a:p>
@@ -19185,42 +19185,6 @@
           </a:p>
         </p:txBody>
       </p:sp>
-      <p:pic>
-        <p:nvPicPr>
-          <p:cNvPr id="5" name="Picture 4">
-            <a:extLst>
-              <a:ext uri="{FF2B5EF4-FFF2-40B4-BE49-F238E27FC236}">
-                <a16:creationId xmlns:a16="http://schemas.microsoft.com/office/drawing/2014/main" id="{EABDA7A9-CE4C-4F97-93AE-5839D499FF3A}"/>
-              </a:ext>
-            </a:extLst>
-          </p:cNvPr>
-          <p:cNvPicPr>
-            <a:picLocks noChangeAspect="1"/>
-          </p:cNvPicPr>
-          <p:nvPr/>
-        </p:nvPicPr>
-        <p:blipFill>
-          <a:blip r:embed="rId2">
-            <a:extLst>
-              <a:ext uri="{837473B0-CC2E-450A-ABE3-18F120FF3D39}">
-                <a1611:picAttrSrcUrl xmlns:a1611="http://schemas.microsoft.com/office/drawing/2016/11/main" r:id="rId3"/>
-              </a:ext>
-            </a:extLst>
-          </a:blip>
-          <a:stretch>
-            <a:fillRect/>
-          </a:stretch>
-        </p:blipFill>
-        <p:spPr>
-          <a:xfrm>
-            <a:off x="5904062" y="1136436"/>
-            <a:ext cx="1718838" cy="1712124"/>
-          </a:xfrm>
-          <a:prstGeom prst="rect">
-            <a:avLst/>
-          </a:prstGeom>
-        </p:spPr>
-      </p:pic>
       <p:sp>
         <p:nvSpPr>
           <p:cNvPr id="6" name="TextBox 5">
@@ -19251,7 +19215,7 @@
           <a:p>
             <a:r>
               <a:rPr lang="en-US" sz="900" dirty="0">
-                <a:hlinkClick r:id="rId3" tooltip="https://en.wikipedia.org/wiki/File:Visual_Studio_Code_1.18_icon.svg"/>
+                <a:hlinkClick r:id="rId2" tooltip="https://en.wikipedia.org/wiki/File:Visual_Studio_Code_1.18_icon.svg"/>
               </a:rPr>
               <a:t>This Photo</a:t>
             </a:r>
@@ -19261,7 +19225,7 @@
             </a:r>
             <a:r>
               <a:rPr lang="en-US" sz="900" dirty="0">
-                <a:hlinkClick r:id="rId4" tooltip="https://creativecommons.org/licenses/by-sa/3.0/"/>
+                <a:hlinkClick r:id="rId3" tooltip="https://creativecommons.org/licenses/by-sa/3.0/"/>
               </a:rPr>
               <a:t>CC BY-SA</a:t>
             </a:r>
@@ -19269,42 +19233,6 @@
           </a:p>
         </p:txBody>
       </p:sp>
-      <p:pic>
-        <p:nvPicPr>
-          <p:cNvPr id="8" name="Picture 7">
-            <a:extLst>
-              <a:ext uri="{FF2B5EF4-FFF2-40B4-BE49-F238E27FC236}">
-                <a16:creationId xmlns:a16="http://schemas.microsoft.com/office/drawing/2014/main" id="{9AA07A8A-8DFC-4F82-8BEA-489344D9A6CE}"/>
-              </a:ext>
-            </a:extLst>
-          </p:cNvPr>
-          <p:cNvPicPr>
-            <a:picLocks noChangeAspect="1"/>
-          </p:cNvPicPr>
-          <p:nvPr/>
-        </p:nvPicPr>
-        <p:blipFill>
-          <a:blip r:embed="rId5">
-            <a:extLst>
-              <a:ext uri="{837473B0-CC2E-450A-ABE3-18F120FF3D39}">
-                <a1611:picAttrSrcUrl xmlns:a1611="http://schemas.microsoft.com/office/drawing/2016/11/main" r:id="rId6"/>
-              </a:ext>
-            </a:extLst>
-          </a:blip>
-          <a:stretch>
-            <a:fillRect/>
-          </a:stretch>
-        </p:blipFill>
-        <p:spPr>
-          <a:xfrm>
-            <a:off x="4317158" y="2848560"/>
-            <a:ext cx="1437715" cy="1437715"/>
-          </a:xfrm>
-          <a:prstGeom prst="rect">
-            <a:avLst/>
-          </a:prstGeom>
-        </p:spPr>
-      </p:pic>
       <p:sp>
         <p:nvSpPr>
           <p:cNvPr id="9" name="TextBox 8">
@@ -19335,7 +19263,7 @@
           <a:p>
             <a:r>
               <a:rPr lang="en-US" sz="900" dirty="0">
-                <a:hlinkClick r:id="rId6" tooltip="https://en.wikipedia.org/wiki/.NET_Framework"/>
+                <a:hlinkClick r:id="rId4" tooltip="https://en.wikipedia.org/wiki/.NET_Framework"/>
               </a:rPr>
               <a:t>This Photo</a:t>
             </a:r>
@@ -19345,7 +19273,7 @@
             </a:r>
             <a:r>
               <a:rPr lang="en-US" sz="900" dirty="0">
-                <a:hlinkClick r:id="rId4" tooltip="https://creativecommons.org/licenses/by-sa/3.0/"/>
+                <a:hlinkClick r:id="rId3" tooltip="https://creativecommons.org/licenses/by-sa/3.0/"/>
               </a:rPr>
               <a:t>CC BY-SA</a:t>
             </a:r>
@@ -19353,6 +19281,36 @@
           </a:p>
         </p:txBody>
       </p:sp>
+      <p:pic>
+        <p:nvPicPr>
+          <p:cNvPr id="7" name="Picture 6">
+            <a:extLst>
+              <a:ext uri="{FF2B5EF4-FFF2-40B4-BE49-F238E27FC236}">
+                <a16:creationId xmlns:a16="http://schemas.microsoft.com/office/drawing/2014/main" id="{3BE85E2C-DA0F-46F4-81F7-29D8AF4C2386}"/>
+              </a:ext>
+            </a:extLst>
+          </p:cNvPr>
+          <p:cNvPicPr>
+            <a:picLocks noChangeAspect="1"/>
+          </p:cNvPicPr>
+          <p:nvPr/>
+        </p:nvPicPr>
+        <p:blipFill>
+          <a:blip r:embed="rId5"/>
+          <a:stretch>
+            <a:fillRect/>
+          </a:stretch>
+        </p:blipFill>
+        <p:spPr>
+          <a:xfrm>
+            <a:off x="5783249" y="734199"/>
+            <a:ext cx="6096000" cy="5238750"/>
+          </a:xfrm>
+          <a:prstGeom prst="rect">
+            <a:avLst/>
+          </a:prstGeom>
+        </p:spPr>
+      </p:pic>
     </p:spTree>
     <p:extLst>
       <p:ext uri="{BB962C8B-B14F-4D97-AF65-F5344CB8AC3E}">
@@ -21425,20 +21383,20 @@
 </file>
 
 <file path=customXml/item1.xml><?xml version="1.0" encoding="utf-8"?>
-<p:properties xmlns:p="http://schemas.microsoft.com/office/2006/metadata/properties" xmlns:xsi="http://www.w3.org/2001/XMLSchema-instance" xmlns:pc="http://schemas.microsoft.com/office/infopath/2007/PartnerControls">
-  <documentManagement>
-    <MetaData xmlns="a666da93-78c4-4b7e-aa17-0268193e6a1c" xsi:nil="true"/>
-  </documentManagement>
-</p:properties>
-</file>
-
-<file path=customXml/item2.xml><?xml version="1.0" encoding="utf-8"?>
 <?mso-contentType ?>
 <FormTemplates xmlns="http://schemas.microsoft.com/sharepoint/v3/contenttype/forms">
   <Display>DocumentLibraryForm</Display>
   <Edit>DocumentLibraryForm</Edit>
   <New>DocumentLibraryForm</New>
 </FormTemplates>
+</file>
+
+<file path=customXml/item2.xml><?xml version="1.0" encoding="utf-8"?>
+<p:properties xmlns:p="http://schemas.microsoft.com/office/2006/metadata/properties" xmlns:xsi="http://www.w3.org/2001/XMLSchema-instance" xmlns:pc="http://schemas.microsoft.com/office/infopath/2007/PartnerControls">
+  <documentManagement>
+    <MetaData xmlns="a666da93-78c4-4b7e-aa17-0268193e6a1c" xsi:nil="true"/>
+  </documentManagement>
+</p:properties>
 </file>
 
 <file path=customXml/item3.xml><?xml version="1.0" encoding="utf-8"?>
@@ -21600,6 +21558,14 @@
 </file>
 
 <file path=customXml/itemProps1.xml><?xml version="1.0" encoding="utf-8"?>
+<ds:datastoreItem xmlns:ds="http://schemas.openxmlformats.org/officeDocument/2006/customXml" ds:itemID="{758FDAC0-319D-4A54-8D8E-1D42CB1F8004}">
+  <ds:schemaRefs>
+    <ds:schemaRef ds:uri="http://schemas.microsoft.com/sharepoint/v3/contenttype/forms"/>
+  </ds:schemaRefs>
+</ds:datastoreItem>
+</file>
+
+<file path=customXml/itemProps2.xml><?xml version="1.0" encoding="utf-8"?>
 <ds:datastoreItem xmlns:ds="http://schemas.openxmlformats.org/officeDocument/2006/customXml" ds:itemID="{F990F116-B58F-4255-B05B-DA3808E0E5C6}">
   <ds:schemaRefs>
     <ds:schemaRef ds:uri="a666da93-78c4-4b7e-aa17-0268193e6a1c"/>
@@ -21611,14 +21577,6 @@
     <ds:schemaRef ds:uri="http://purl.org/dc/dcmitype/"/>
     <ds:schemaRef ds:uri="http://purl.org/dc/elements/1.1/"/>
     <ds:schemaRef ds:uri="http://schemas.openxmlformats.org/package/2006/metadata/core-properties"/>
-  </ds:schemaRefs>
-</ds:datastoreItem>
-</file>
-
-<file path=customXml/itemProps2.xml><?xml version="1.0" encoding="utf-8"?>
-<ds:datastoreItem xmlns:ds="http://schemas.openxmlformats.org/officeDocument/2006/customXml" ds:itemID="{758FDAC0-319D-4A54-8D8E-1D42CB1F8004}">
-  <ds:schemaRefs>
-    <ds:schemaRef ds:uri="http://schemas.microsoft.com/sharepoint/v3/contenttype/forms"/>
   </ds:schemaRefs>
 </ds:datastoreItem>
 </file>

--- a/Compiled Cmdlets/Compiled_Cmdlets.pptx
+++ b/Compiled Cmdlets/Compiled_Cmdlets.pptx
@@ -4,6 +4,7 @@
   <p:sldMasterIdLst>
     <p:sldMasterId id="2147484229" r:id="rId4"/>
     <p:sldMasterId id="2147484642" r:id="rId5"/>
+    <p:sldMasterId id="2147484742" r:id="rId6"/>
   </p:sldMasterIdLst>
   <p:notesMasterIdLst>
     <p:notesMasterId r:id="rId22"/>
@@ -12,22 +13,21 @@
     <p:handoutMasterId r:id="rId23"/>
   </p:handoutMasterIdLst>
   <p:sldIdLst>
-    <p:sldId id="1843" r:id="rId6"/>
-    <p:sldId id="1844" r:id="rId7"/>
-    <p:sldId id="1845" r:id="rId8"/>
-    <p:sldId id="1847" r:id="rId9"/>
-    <p:sldId id="1850" r:id="rId10"/>
-    <p:sldId id="1849" r:id="rId11"/>
-    <p:sldId id="1848" r:id="rId12"/>
-    <p:sldId id="1851" r:id="rId13"/>
-    <p:sldId id="1852" r:id="rId14"/>
-    <p:sldId id="1853" r:id="rId15"/>
-    <p:sldId id="1854" r:id="rId16"/>
-    <p:sldId id="1855" r:id="rId17"/>
-    <p:sldId id="1858" r:id="rId18"/>
-    <p:sldId id="1859" r:id="rId19"/>
-    <p:sldId id="1856" r:id="rId20"/>
-    <p:sldId id="1857" r:id="rId21"/>
+    <p:sldId id="1843" r:id="rId7"/>
+    <p:sldId id="1844" r:id="rId8"/>
+    <p:sldId id="1845" r:id="rId9"/>
+    <p:sldId id="1847" r:id="rId10"/>
+    <p:sldId id="1850" r:id="rId11"/>
+    <p:sldId id="1849" r:id="rId12"/>
+    <p:sldId id="1848" r:id="rId13"/>
+    <p:sldId id="1851" r:id="rId14"/>
+    <p:sldId id="1852" r:id="rId15"/>
+    <p:sldId id="1853" r:id="rId16"/>
+    <p:sldId id="1854" r:id="rId17"/>
+    <p:sldId id="1855" r:id="rId18"/>
+    <p:sldId id="1858" r:id="rId19"/>
+    <p:sldId id="1859" r:id="rId20"/>
+    <p:sldId id="1856" r:id="rId21"/>
   </p:sldIdLst>
   <p:sldSz cx="12192000" cy="6858000"/>
   <p:notesSz cx="6858000" cy="9144000"/>
@@ -146,7 +146,6 @@
             <p14:sldId id="1858"/>
             <p14:sldId id="1859"/>
             <p14:sldId id="1856"/>
-            <p14:sldId id="1857"/>
           </p14:sldIdLst>
         </p14:section>
       </p14:sectionLst>
@@ -801,7 +800,7 @@
               <a:rPr lang="en-US" smtClean="0">
                 <a:latin typeface="Segoe UI" pitchFamily="34" charset="0"/>
               </a:rPr>
-              <a:t>1/19/2019 11:43 PM</a:t>
+              <a:t>3/16/2019 9:05 PM</a:t>
             </a:fld>
             <a:endParaRPr lang="en-US" dirty="0">
               <a:latin typeface="Segoe UI" pitchFamily="34" charset="0"/>
@@ -1079,7 +1078,7 @@
           <a:p>
             <a:fld id="{386CE63F-9E7F-4C04-9D0D-FCA25A8E9E86}" type="datetime8">
               <a:rPr lang="en-US" smtClean="0"/>
-              <a:t>1/19/2019 11:43 PM</a:t>
+              <a:t>3/16/2019 9:02 PM</a:t>
             </a:fld>
             <a:endParaRPr lang="en-US" dirty="0"/>
           </a:p>
@@ -1462,7 +1461,7 @@
           <a:p>
             <a:fld id="{386CE63F-9E7F-4C04-9D0D-FCA25A8E9E86}" type="datetime8">
               <a:rPr lang="en-US" smtClean="0"/>
-              <a:t>1/19/2019 11:43 PM</a:t>
+              <a:t>3/16/2019 9:02 PM</a:t>
             </a:fld>
             <a:endParaRPr lang="en-US" dirty="0"/>
           </a:p>
@@ -10205,6 +10204,2897 @@
 </p:sldLayout>
 </file>
 
+<file path=ppt/slideLayouts/slideLayout51.xml><?xml version="1.0" encoding="utf-8"?>
+<p:sldLayout xmlns:a="http://schemas.openxmlformats.org/drawingml/2006/main" xmlns:r="http://schemas.openxmlformats.org/officeDocument/2006/relationships" xmlns:p="http://schemas.openxmlformats.org/presentationml/2006/main" showMasterSp="0" type="title" preserve="1">
+  <p:cSld name="Title Slide">
+    <p:spTree>
+      <p:nvGrpSpPr>
+        <p:cNvPr id="1" name=""/>
+        <p:cNvGrpSpPr/>
+        <p:nvPr/>
+      </p:nvGrpSpPr>
+      <p:grpSpPr>
+        <a:xfrm>
+          <a:off x="0" y="0"/>
+          <a:ext cx="0" cy="0"/>
+          <a:chOff x="0" y="0"/>
+          <a:chExt cx="0" cy="0"/>
+        </a:xfrm>
+      </p:grpSpPr>
+      <p:sp>
+        <p:nvSpPr>
+          <p:cNvPr id="7" name="Rectangle 6"/>
+          <p:cNvSpPr/>
+          <p:nvPr/>
+        </p:nvSpPr>
+        <p:spPr>
+          <a:xfrm>
+            <a:off x="920834" y="1346946"/>
+            <a:ext cx="10222992" cy="80683"/>
+          </a:xfrm>
+          <a:prstGeom prst="rect">
+            <a:avLst/>
+          </a:prstGeom>
+          <a:blipFill dpi="0" rotWithShape="1">
+            <a:blip r:embed="rId2">
+              <a:alphaModFix amt="85000"/>
+              <a:lum bright="70000" contrast="-70000"/>
+              <a:extLst>
+                <a:ext uri="{BEBA8EAE-BF5A-486C-A8C5-ECC9F3942E4B}">
+                  <a14:imgProps xmlns:a14="http://schemas.microsoft.com/office/drawing/2010/main">
+                    <a14:imgLayer r:embed="rId3">
+                      <a14:imgEffect>
+                        <a14:sharpenSoften amount="61000"/>
+                      </a14:imgEffect>
+                    </a14:imgLayer>
+                  </a14:imgProps>
+                </a:ext>
+                <a:ext uri="{28A0092B-C50C-407E-A947-70E740481C1C}">
+                  <a14:useLocalDpi xmlns:a14="http://schemas.microsoft.com/office/drawing/2010/main" val="0"/>
+                </a:ext>
+              </a:extLst>
+            </a:blip>
+            <a:srcRect/>
+            <a:tile tx="0" ty="-762000" sx="92000" sy="89000" flip="xy" algn="ctr"/>
+          </a:blipFill>
+          <a:ln>
+            <a:noFill/>
+          </a:ln>
+        </p:spPr>
+        <p:style>
+          <a:lnRef idx="2">
+            <a:schemeClr val="accent1">
+              <a:shade val="50000"/>
+            </a:schemeClr>
+          </a:lnRef>
+          <a:fillRef idx="1">
+            <a:schemeClr val="accent1"/>
+          </a:fillRef>
+          <a:effectRef idx="0">
+            <a:schemeClr val="accent1"/>
+          </a:effectRef>
+          <a:fontRef idx="minor">
+            <a:schemeClr val="lt1"/>
+          </a:fontRef>
+        </p:style>
+      </p:sp>
+      <p:sp>
+        <p:nvSpPr>
+          <p:cNvPr id="8" name="Rectangle 7"/>
+          <p:cNvSpPr/>
+          <p:nvPr/>
+        </p:nvSpPr>
+        <p:spPr>
+          <a:xfrm>
+            <a:off x="920834" y="4299696"/>
+            <a:ext cx="10222992" cy="80683"/>
+          </a:xfrm>
+          <a:prstGeom prst="rect">
+            <a:avLst/>
+          </a:prstGeom>
+          <a:blipFill dpi="0" rotWithShape="1">
+            <a:blip r:embed="rId2">
+              <a:alphaModFix amt="85000"/>
+              <a:lum bright="70000" contrast="-70000"/>
+              <a:extLst>
+                <a:ext uri="{BEBA8EAE-BF5A-486C-A8C5-ECC9F3942E4B}">
+                  <a14:imgProps xmlns:a14="http://schemas.microsoft.com/office/drawing/2010/main">
+                    <a14:imgLayer r:embed="rId3">
+                      <a14:imgEffect>
+                        <a14:sharpenSoften amount="61000"/>
+                      </a14:imgEffect>
+                    </a14:imgLayer>
+                  </a14:imgProps>
+                </a:ext>
+                <a:ext uri="{28A0092B-C50C-407E-A947-70E740481C1C}">
+                  <a14:useLocalDpi xmlns:a14="http://schemas.microsoft.com/office/drawing/2010/main" val="0"/>
+                </a:ext>
+              </a:extLst>
+            </a:blip>
+            <a:srcRect/>
+            <a:tile tx="0" ty="-717550" sx="92000" sy="89000" flip="xy" algn="ctr"/>
+          </a:blipFill>
+          <a:ln>
+            <a:noFill/>
+          </a:ln>
+        </p:spPr>
+        <p:style>
+          <a:lnRef idx="2">
+            <a:schemeClr val="accent1">
+              <a:shade val="50000"/>
+            </a:schemeClr>
+          </a:lnRef>
+          <a:fillRef idx="1">
+            <a:schemeClr val="accent1"/>
+          </a:fillRef>
+          <a:effectRef idx="0">
+            <a:schemeClr val="accent1"/>
+          </a:effectRef>
+          <a:fontRef idx="minor">
+            <a:schemeClr val="lt1"/>
+          </a:fontRef>
+        </p:style>
+      </p:sp>
+      <p:sp>
+        <p:nvSpPr>
+          <p:cNvPr id="9" name="Rectangle 8"/>
+          <p:cNvSpPr/>
+          <p:nvPr/>
+        </p:nvSpPr>
+        <p:spPr>
+          <a:xfrm>
+            <a:off x="920834" y="1484779"/>
+            <a:ext cx="10222992" cy="2743200"/>
+          </a:xfrm>
+          <a:prstGeom prst="rect">
+            <a:avLst/>
+          </a:prstGeom>
+          <a:blipFill dpi="0" rotWithShape="1">
+            <a:blip r:embed="rId2">
+              <a:alphaModFix amt="85000"/>
+              <a:lum bright="70000" contrast="-70000"/>
+              <a:extLst>
+                <a:ext uri="{BEBA8EAE-BF5A-486C-A8C5-ECC9F3942E4B}">
+                  <a14:imgProps xmlns:a14="http://schemas.microsoft.com/office/drawing/2010/main">
+                    <a14:imgLayer r:embed="rId3">
+                      <a14:imgEffect>
+                        <a14:sharpenSoften amount="61000"/>
+                      </a14:imgEffect>
+                    </a14:imgLayer>
+                  </a14:imgProps>
+                </a:ext>
+                <a:ext uri="{28A0092B-C50C-407E-A947-70E740481C1C}">
+                  <a14:useLocalDpi xmlns:a14="http://schemas.microsoft.com/office/drawing/2010/main" val="0"/>
+                </a:ext>
+              </a:extLst>
+            </a:blip>
+            <a:srcRect/>
+            <a:tile tx="0" ty="-704850" sx="92000" sy="89000" flip="xy" algn="ctr"/>
+          </a:blipFill>
+          <a:ln>
+            <a:noFill/>
+          </a:ln>
+        </p:spPr>
+        <p:style>
+          <a:lnRef idx="2">
+            <a:schemeClr val="accent1">
+              <a:shade val="50000"/>
+            </a:schemeClr>
+          </a:lnRef>
+          <a:fillRef idx="1">
+            <a:schemeClr val="accent1"/>
+          </a:fillRef>
+          <a:effectRef idx="0">
+            <a:schemeClr val="accent1"/>
+          </a:effectRef>
+          <a:fontRef idx="minor">
+            <a:schemeClr val="lt1"/>
+          </a:fontRef>
+        </p:style>
+      </p:sp>
+      <p:grpSp>
+        <p:nvGrpSpPr>
+          <p:cNvPr id="10" name="Group 9"/>
+          <p:cNvGrpSpPr/>
+          <p:nvPr/>
+        </p:nvGrpSpPr>
+        <p:grpSpPr>
+          <a:xfrm>
+            <a:off x="9649215" y="4068923"/>
+            <a:ext cx="1080904" cy="1080902"/>
+            <a:chOff x="9685338" y="4460675"/>
+            <a:chExt cx="1080904" cy="1080902"/>
+          </a:xfrm>
+        </p:grpSpPr>
+        <p:sp>
+          <p:nvSpPr>
+            <p:cNvPr id="11" name="Oval 10"/>
+            <p:cNvSpPr/>
+            <p:nvPr/>
+          </p:nvSpPr>
+          <p:spPr>
+            <a:xfrm>
+              <a:off x="9685338" y="4460675"/>
+              <a:ext cx="1080904" cy="1080902"/>
+            </a:xfrm>
+            <a:prstGeom prst="ellipse">
+              <a:avLst/>
+            </a:prstGeom>
+            <a:blipFill dpi="0" rotWithShape="1">
+              <a:blip r:embed="rId4">
+                <a:duotone>
+                  <a:schemeClr val="accent1">
+                    <a:shade val="45000"/>
+                    <a:satMod val="135000"/>
+                  </a:schemeClr>
+                  <a:prstClr val="white"/>
+                </a:duotone>
+                <a:extLst>
+                  <a:ext uri="{BEBA8EAE-BF5A-486C-A8C5-ECC9F3942E4B}">
+                    <a14:imgProps xmlns:a14="http://schemas.microsoft.com/office/drawing/2010/main">
+                      <a14:imgLayer r:embed="rId5">
+                        <a14:imgEffect>
+                          <a14:saturation sat="95000"/>
+                        </a14:imgEffect>
+                      </a14:imgLayer>
+                    </a14:imgProps>
+                  </a:ext>
+                </a:extLst>
+              </a:blip>
+              <a:srcRect/>
+              <a:tile tx="0" ty="0" sx="85000" sy="85000" flip="none" algn="tl"/>
+            </a:blipFill>
+            <a:ln w="25400" cap="flat" cmpd="sng" algn="ctr">
+              <a:noFill/>
+              <a:prstDash val="solid"/>
+            </a:ln>
+            <a:effectLst/>
+          </p:spPr>
+        </p:sp>
+        <p:sp>
+          <p:nvSpPr>
+            <p:cNvPr id="12" name="Oval 11"/>
+            <p:cNvSpPr/>
+            <p:nvPr/>
+          </p:nvSpPr>
+          <p:spPr>
+            <a:xfrm>
+              <a:off x="9793429" y="4568765"/>
+              <a:ext cx="864723" cy="864722"/>
+            </a:xfrm>
+            <a:prstGeom prst="ellipse">
+              <a:avLst/>
+            </a:prstGeom>
+            <a:noFill/>
+            <a:ln w="25400" cap="flat" cmpd="sng" algn="ctr">
+              <a:solidFill>
+                <a:sysClr val="window" lastClr="FFFFFF"/>
+              </a:solidFill>
+              <a:prstDash val="solid"/>
+            </a:ln>
+            <a:effectLst/>
+          </p:spPr>
+        </p:sp>
+      </p:grpSp>
+      <p:sp>
+        <p:nvSpPr>
+          <p:cNvPr id="2" name="Title 1"/>
+          <p:cNvSpPr>
+            <a:spLocks noGrp="1"/>
+          </p:cNvSpPr>
+          <p:nvPr>
+            <p:ph type="ctrTitle"/>
+          </p:nvPr>
+        </p:nvSpPr>
+        <p:spPr>
+          <a:xfrm>
+            <a:off x="1051560" y="1432223"/>
+            <a:ext cx="9966960" cy="3035808"/>
+          </a:xfrm>
+        </p:spPr>
+        <p:txBody>
+          <a:bodyPr anchor="ctr">
+            <a:noAutofit/>
+          </a:bodyPr>
+          <a:lstStyle>
+            <a:lvl1pPr algn="l">
+              <a:lnSpc>
+                <a:spcPct val="80000"/>
+              </a:lnSpc>
+              <a:defRPr sz="9600" cap="all" baseline="0">
+                <a:blipFill dpi="0" rotWithShape="1">
+                  <a:blip r:embed="rId4"/>
+                  <a:srcRect/>
+                  <a:tile tx="6350" ty="-127000" sx="65000" sy="64000" flip="none" algn="tl"/>
+                </a:blipFill>
+              </a:defRPr>
+            </a:lvl1pPr>
+          </a:lstStyle>
+          <a:p>
+            <a:r>
+              <a:rPr lang="en-US"/>
+              <a:t>Click to edit Master title style</a:t>
+            </a:r>
+            <a:endParaRPr lang="en-US" dirty="0"/>
+          </a:p>
+        </p:txBody>
+      </p:sp>
+      <p:sp>
+        <p:nvSpPr>
+          <p:cNvPr id="3" name="Subtitle 2"/>
+          <p:cNvSpPr>
+            <a:spLocks noGrp="1"/>
+          </p:cNvSpPr>
+          <p:nvPr>
+            <p:ph type="subTitle" idx="1"/>
+          </p:nvPr>
+        </p:nvSpPr>
+        <p:spPr>
+          <a:xfrm>
+            <a:off x="1069848" y="4389120"/>
+            <a:ext cx="7891272" cy="1069848"/>
+          </a:xfrm>
+        </p:spPr>
+        <p:txBody>
+          <a:bodyPr>
+            <a:normAutofit/>
+          </a:bodyPr>
+          <a:lstStyle>
+            <a:lvl1pPr marL="0" indent="0" algn="l">
+              <a:buNone/>
+              <a:defRPr sz="2200">
+                <a:solidFill>
+                  <a:schemeClr val="tx1"/>
+                </a:solidFill>
+              </a:defRPr>
+            </a:lvl1pPr>
+            <a:lvl2pPr marL="457200" indent="0" algn="ctr">
+              <a:buNone/>
+              <a:defRPr sz="2200"/>
+            </a:lvl2pPr>
+            <a:lvl3pPr marL="914400" indent="0" algn="ctr">
+              <a:buNone/>
+              <a:defRPr sz="2200"/>
+            </a:lvl3pPr>
+            <a:lvl4pPr marL="1371600" indent="0" algn="ctr">
+              <a:buNone/>
+              <a:defRPr sz="2000"/>
+            </a:lvl4pPr>
+            <a:lvl5pPr marL="1828800" indent="0" algn="ctr">
+              <a:buNone/>
+              <a:defRPr sz="2000"/>
+            </a:lvl5pPr>
+            <a:lvl6pPr marL="2286000" indent="0" algn="ctr">
+              <a:buNone/>
+              <a:defRPr sz="2000"/>
+            </a:lvl6pPr>
+            <a:lvl7pPr marL="2743200" indent="0" algn="ctr">
+              <a:buNone/>
+              <a:defRPr sz="2000"/>
+            </a:lvl7pPr>
+            <a:lvl8pPr marL="3200400" indent="0" algn="ctr">
+              <a:buNone/>
+              <a:defRPr sz="2000"/>
+            </a:lvl8pPr>
+            <a:lvl9pPr marL="3657600" indent="0" algn="ctr">
+              <a:buNone/>
+              <a:defRPr sz="2000"/>
+            </a:lvl9pPr>
+          </a:lstStyle>
+          <a:p>
+            <a:r>
+              <a:rPr lang="en-US"/>
+              <a:t>Click to edit Master subtitle style</a:t>
+            </a:r>
+            <a:endParaRPr lang="en-US" dirty="0"/>
+          </a:p>
+        </p:txBody>
+      </p:sp>
+      <p:sp>
+        <p:nvSpPr>
+          <p:cNvPr id="4" name="Date Placeholder 3"/>
+          <p:cNvSpPr>
+            <a:spLocks noGrp="1"/>
+          </p:cNvSpPr>
+          <p:nvPr>
+            <p:ph type="dt" sz="half" idx="10"/>
+          </p:nvPr>
+        </p:nvSpPr>
+        <p:spPr/>
+        <p:txBody>
+          <a:bodyPr/>
+          <a:lstStyle/>
+          <a:p>
+            <a:fld id="{83284890-85D2-4D7B-8EF5-15A9C1DB8F42}" type="datetimeFigureOut">
+              <a:rPr lang="en-US" dirty="0"/>
+              <a:t>3/16/2019</a:t>
+            </a:fld>
+            <a:endParaRPr lang="en-US" dirty="0"/>
+          </a:p>
+        </p:txBody>
+      </p:sp>
+      <p:sp>
+        <p:nvSpPr>
+          <p:cNvPr id="5" name="Footer Placeholder 4"/>
+          <p:cNvSpPr>
+            <a:spLocks noGrp="1"/>
+          </p:cNvSpPr>
+          <p:nvPr>
+            <p:ph type="ftr" sz="quarter" idx="11"/>
+          </p:nvPr>
+        </p:nvSpPr>
+        <p:spPr/>
+        <p:txBody>
+          <a:bodyPr/>
+          <a:lstStyle/>
+          <a:p>
+            <a:endParaRPr lang="en-US" dirty="0"/>
+          </a:p>
+        </p:txBody>
+      </p:sp>
+      <p:sp>
+        <p:nvSpPr>
+          <p:cNvPr id="6" name="Slide Number Placeholder 5"/>
+          <p:cNvSpPr>
+            <a:spLocks noGrp="1"/>
+          </p:cNvSpPr>
+          <p:nvPr>
+            <p:ph type="sldNum" sz="quarter" idx="12"/>
+          </p:nvPr>
+        </p:nvSpPr>
+        <p:spPr>
+          <a:xfrm>
+            <a:off x="9592733" y="4289334"/>
+            <a:ext cx="1193868" cy="640080"/>
+          </a:xfrm>
+        </p:spPr>
+        <p:txBody>
+          <a:bodyPr/>
+          <a:lstStyle>
+            <a:lvl1pPr>
+              <a:defRPr sz="2800"/>
+            </a:lvl1pPr>
+          </a:lstStyle>
+          <a:p>
+            <a:fld id="{4FAB73BC-B049-4115-A692-8D63A059BFB8}" type="slidenum">
+              <a:rPr lang="en-US" dirty="0"/>
+              <a:pPr/>
+              <a:t>‹#›</a:t>
+            </a:fld>
+            <a:endParaRPr lang="en-US" dirty="0"/>
+          </a:p>
+        </p:txBody>
+      </p:sp>
+    </p:spTree>
+    <p:extLst>
+      <p:ext uri="{BB962C8B-B14F-4D97-AF65-F5344CB8AC3E}">
+        <p14:creationId xmlns:p14="http://schemas.microsoft.com/office/powerpoint/2010/main" val="2549172856"/>
+      </p:ext>
+    </p:extLst>
+  </p:cSld>
+  <p:clrMapOvr>
+    <a:masterClrMapping/>
+  </p:clrMapOvr>
+  <p:hf sldNum="0" hdr="0" ftr="0" dt="0"/>
+</p:sldLayout>
+</file>
+
+<file path=ppt/slideLayouts/slideLayout52.xml><?xml version="1.0" encoding="utf-8"?>
+<p:sldLayout xmlns:a="http://schemas.openxmlformats.org/drawingml/2006/main" xmlns:r="http://schemas.openxmlformats.org/officeDocument/2006/relationships" xmlns:p="http://schemas.openxmlformats.org/presentationml/2006/main" type="obj" preserve="1">
+  <p:cSld name="Title and Content">
+    <p:spTree>
+      <p:nvGrpSpPr>
+        <p:cNvPr id="1" name=""/>
+        <p:cNvGrpSpPr/>
+        <p:nvPr/>
+      </p:nvGrpSpPr>
+      <p:grpSpPr>
+        <a:xfrm>
+          <a:off x="0" y="0"/>
+          <a:ext cx="0" cy="0"/>
+          <a:chOff x="0" y="0"/>
+          <a:chExt cx="0" cy="0"/>
+        </a:xfrm>
+      </p:grpSpPr>
+      <p:sp>
+        <p:nvSpPr>
+          <p:cNvPr id="2" name="Title 1"/>
+          <p:cNvSpPr>
+            <a:spLocks noGrp="1"/>
+          </p:cNvSpPr>
+          <p:nvPr>
+            <p:ph type="title"/>
+          </p:nvPr>
+        </p:nvSpPr>
+        <p:spPr/>
+        <p:txBody>
+          <a:bodyPr/>
+          <a:lstStyle/>
+          <a:p>
+            <a:r>
+              <a:rPr lang="en-US"/>
+              <a:t>Click to edit Master title style</a:t>
+            </a:r>
+            <a:endParaRPr lang="en-US" dirty="0"/>
+          </a:p>
+        </p:txBody>
+      </p:sp>
+      <p:sp>
+        <p:nvSpPr>
+          <p:cNvPr id="3" name="Content Placeholder 2"/>
+          <p:cNvSpPr>
+            <a:spLocks noGrp="1"/>
+          </p:cNvSpPr>
+          <p:nvPr>
+            <p:ph idx="1"/>
+          </p:nvPr>
+        </p:nvSpPr>
+        <p:spPr/>
+        <p:txBody>
+          <a:bodyPr/>
+          <a:lstStyle/>
+          <a:p>
+            <a:pPr lvl="0"/>
+            <a:r>
+              <a:rPr lang="en-US"/>
+              <a:t>Click to edit Master text styles</a:t>
+            </a:r>
+          </a:p>
+          <a:p>
+            <a:pPr lvl="1"/>
+            <a:r>
+              <a:rPr lang="en-US"/>
+              <a:t>Second level</a:t>
+            </a:r>
+          </a:p>
+          <a:p>
+            <a:pPr lvl="2"/>
+            <a:r>
+              <a:rPr lang="en-US"/>
+              <a:t>Third level</a:t>
+            </a:r>
+          </a:p>
+          <a:p>
+            <a:pPr lvl="3"/>
+            <a:r>
+              <a:rPr lang="en-US"/>
+              <a:t>Fourth level</a:t>
+            </a:r>
+          </a:p>
+          <a:p>
+            <a:pPr lvl="4"/>
+            <a:r>
+              <a:rPr lang="en-US"/>
+              <a:t>Fifth level</a:t>
+            </a:r>
+            <a:endParaRPr lang="en-US" dirty="0"/>
+          </a:p>
+        </p:txBody>
+      </p:sp>
+      <p:sp>
+        <p:nvSpPr>
+          <p:cNvPr id="4" name="Date Placeholder 3"/>
+          <p:cNvSpPr>
+            <a:spLocks noGrp="1"/>
+          </p:cNvSpPr>
+          <p:nvPr>
+            <p:ph type="dt" sz="half" idx="10"/>
+          </p:nvPr>
+        </p:nvSpPr>
+        <p:spPr/>
+        <p:txBody>
+          <a:bodyPr/>
+          <a:lstStyle/>
+          <a:p>
+            <a:fld id="{82F5661D-6934-4B32-B92C-470368BF1EC6}" type="datetimeFigureOut">
+              <a:rPr lang="en-US" dirty="0"/>
+              <a:t>3/16/2019</a:t>
+            </a:fld>
+            <a:endParaRPr lang="en-US" dirty="0"/>
+          </a:p>
+        </p:txBody>
+      </p:sp>
+      <p:sp>
+        <p:nvSpPr>
+          <p:cNvPr id="5" name="Footer Placeholder 4"/>
+          <p:cNvSpPr>
+            <a:spLocks noGrp="1"/>
+          </p:cNvSpPr>
+          <p:nvPr>
+            <p:ph type="ftr" sz="quarter" idx="11"/>
+          </p:nvPr>
+        </p:nvSpPr>
+        <p:spPr/>
+        <p:txBody>
+          <a:bodyPr/>
+          <a:lstStyle/>
+          <a:p>
+            <a:endParaRPr lang="en-US" dirty="0"/>
+          </a:p>
+        </p:txBody>
+      </p:sp>
+      <p:sp>
+        <p:nvSpPr>
+          <p:cNvPr id="6" name="Slide Number Placeholder 5"/>
+          <p:cNvSpPr>
+            <a:spLocks noGrp="1"/>
+          </p:cNvSpPr>
+          <p:nvPr>
+            <p:ph type="sldNum" sz="quarter" idx="12"/>
+          </p:nvPr>
+        </p:nvSpPr>
+        <p:spPr/>
+        <p:txBody>
+          <a:bodyPr/>
+          <a:lstStyle/>
+          <a:p>
+            <a:fld id="{4FAB73BC-B049-4115-A692-8D63A059BFB8}" type="slidenum">
+              <a:rPr lang="en-US" dirty="0"/>
+              <a:t>‹#›</a:t>
+            </a:fld>
+            <a:endParaRPr lang="en-US" dirty="0"/>
+          </a:p>
+        </p:txBody>
+      </p:sp>
+    </p:spTree>
+    <p:extLst>
+      <p:ext uri="{BB962C8B-B14F-4D97-AF65-F5344CB8AC3E}">
+        <p14:creationId xmlns:p14="http://schemas.microsoft.com/office/powerpoint/2010/main" val="1880967193"/>
+      </p:ext>
+    </p:extLst>
+  </p:cSld>
+  <p:clrMapOvr>
+    <a:masterClrMapping/>
+  </p:clrMapOvr>
+  <p:hf sldNum="0" hdr="0" ftr="0" dt="0"/>
+</p:sldLayout>
+</file>
+
+<file path=ppt/slideLayouts/slideLayout53.xml><?xml version="1.0" encoding="utf-8"?>
+<p:sldLayout xmlns:a="http://schemas.openxmlformats.org/drawingml/2006/main" xmlns:r="http://schemas.openxmlformats.org/officeDocument/2006/relationships" xmlns:p="http://schemas.openxmlformats.org/presentationml/2006/main" showMasterSp="0" type="secHead" preserve="1">
+  <p:cSld name="Section Header">
+    <p:spTree>
+      <p:nvGrpSpPr>
+        <p:cNvPr id="1" name=""/>
+        <p:cNvGrpSpPr/>
+        <p:nvPr/>
+      </p:nvGrpSpPr>
+      <p:grpSpPr>
+        <a:xfrm>
+          <a:off x="0" y="0"/>
+          <a:ext cx="0" cy="0"/>
+          <a:chOff x="0" y="0"/>
+          <a:chExt cx="0" cy="0"/>
+        </a:xfrm>
+      </p:grpSpPr>
+      <p:sp>
+        <p:nvSpPr>
+          <p:cNvPr id="7" name="Rectangle 6"/>
+          <p:cNvSpPr/>
+          <p:nvPr/>
+        </p:nvSpPr>
+        <p:spPr>
+          <a:xfrm>
+            <a:off x="0" y="4917989"/>
+            <a:ext cx="12192000" cy="1940010"/>
+          </a:xfrm>
+          <a:prstGeom prst="rect">
+            <a:avLst/>
+          </a:prstGeom>
+          <a:blipFill dpi="0" rotWithShape="1">
+            <a:blip r:embed="rId2">
+              <a:alphaModFix amt="85000"/>
+              <a:lum bright="70000" contrast="-70000"/>
+              <a:extLst>
+                <a:ext uri="{BEBA8EAE-BF5A-486C-A8C5-ECC9F3942E4B}">
+                  <a14:imgProps xmlns:a14="http://schemas.microsoft.com/office/drawing/2010/main">
+                    <a14:imgLayer r:embed="rId3">
+                      <a14:imgEffect>
+                        <a14:sharpenSoften amount="61000"/>
+                      </a14:imgEffect>
+                    </a14:imgLayer>
+                  </a14:imgProps>
+                </a:ext>
+                <a:ext uri="{28A0092B-C50C-407E-A947-70E740481C1C}">
+                  <a14:useLocalDpi xmlns:a14="http://schemas.microsoft.com/office/drawing/2010/main" val="0"/>
+                </a:ext>
+              </a:extLst>
+            </a:blip>
+            <a:srcRect/>
+            <a:tile tx="0" ty="-704850" sx="92000" sy="89000" flip="xy" algn="ctr"/>
+          </a:blipFill>
+          <a:ln>
+            <a:noFill/>
+          </a:ln>
+        </p:spPr>
+        <p:style>
+          <a:lnRef idx="2">
+            <a:schemeClr val="accent1">
+              <a:shade val="50000"/>
+            </a:schemeClr>
+          </a:lnRef>
+          <a:fillRef idx="1">
+            <a:schemeClr val="accent1"/>
+          </a:fillRef>
+          <a:effectRef idx="0">
+            <a:schemeClr val="accent1"/>
+          </a:effectRef>
+          <a:fontRef idx="minor">
+            <a:schemeClr val="lt1"/>
+          </a:fontRef>
+        </p:style>
+      </p:sp>
+      <p:sp>
+        <p:nvSpPr>
+          <p:cNvPr id="2" name="Title 1"/>
+          <p:cNvSpPr>
+            <a:spLocks noGrp="1"/>
+          </p:cNvSpPr>
+          <p:nvPr>
+            <p:ph type="title"/>
+          </p:nvPr>
+        </p:nvSpPr>
+        <p:spPr>
+          <a:xfrm>
+            <a:off x="2167128" y="1225296"/>
+            <a:ext cx="9281160" cy="3520440"/>
+          </a:xfrm>
+        </p:spPr>
+        <p:txBody>
+          <a:bodyPr anchor="ctr">
+            <a:normAutofit/>
+          </a:bodyPr>
+          <a:lstStyle>
+            <a:lvl1pPr>
+              <a:lnSpc>
+                <a:spcPct val="80000"/>
+              </a:lnSpc>
+              <a:defRPr sz="8000" b="0"/>
+            </a:lvl1pPr>
+          </a:lstStyle>
+          <a:p>
+            <a:r>
+              <a:rPr lang="en-US"/>
+              <a:t>Click to edit Master title style</a:t>
+            </a:r>
+            <a:endParaRPr lang="en-US" dirty="0"/>
+          </a:p>
+        </p:txBody>
+      </p:sp>
+      <p:sp>
+        <p:nvSpPr>
+          <p:cNvPr id="3" name="Text Placeholder 2"/>
+          <p:cNvSpPr>
+            <a:spLocks noGrp="1"/>
+          </p:cNvSpPr>
+          <p:nvPr>
+            <p:ph type="body" idx="1"/>
+          </p:nvPr>
+        </p:nvSpPr>
+        <p:spPr>
+          <a:xfrm>
+            <a:off x="2165774" y="5020056"/>
+            <a:ext cx="9052560" cy="1066800"/>
+          </a:xfrm>
+        </p:spPr>
+        <p:txBody>
+          <a:bodyPr anchor="t">
+            <a:normAutofit/>
+          </a:bodyPr>
+          <a:lstStyle>
+            <a:lvl1pPr marL="0" indent="0">
+              <a:buNone/>
+              <a:defRPr sz="2000">
+                <a:solidFill>
+                  <a:schemeClr val="tx1"/>
+                </a:solidFill>
+              </a:defRPr>
+            </a:lvl1pPr>
+            <a:lvl2pPr marL="457200" indent="0">
+              <a:buNone/>
+              <a:defRPr sz="1800">
+                <a:solidFill>
+                  <a:schemeClr val="tx1">
+                    <a:tint val="75000"/>
+                  </a:schemeClr>
+                </a:solidFill>
+              </a:defRPr>
+            </a:lvl2pPr>
+            <a:lvl3pPr marL="914400" indent="0">
+              <a:buNone/>
+              <a:defRPr sz="1600">
+                <a:solidFill>
+                  <a:schemeClr val="tx1">
+                    <a:tint val="75000"/>
+                  </a:schemeClr>
+                </a:solidFill>
+              </a:defRPr>
+            </a:lvl3pPr>
+            <a:lvl4pPr marL="1371600" indent="0">
+              <a:buNone/>
+              <a:defRPr sz="1400">
+                <a:solidFill>
+                  <a:schemeClr val="tx1">
+                    <a:tint val="75000"/>
+                  </a:schemeClr>
+                </a:solidFill>
+              </a:defRPr>
+            </a:lvl4pPr>
+            <a:lvl5pPr marL="1828800" indent="0">
+              <a:buNone/>
+              <a:defRPr sz="1400">
+                <a:solidFill>
+                  <a:schemeClr val="tx1">
+                    <a:tint val="75000"/>
+                  </a:schemeClr>
+                </a:solidFill>
+              </a:defRPr>
+            </a:lvl5pPr>
+            <a:lvl6pPr marL="2286000" indent="0">
+              <a:buNone/>
+              <a:defRPr sz="1400">
+                <a:solidFill>
+                  <a:schemeClr val="tx1">
+                    <a:tint val="75000"/>
+                  </a:schemeClr>
+                </a:solidFill>
+              </a:defRPr>
+            </a:lvl6pPr>
+            <a:lvl7pPr marL="2743200" indent="0">
+              <a:buNone/>
+              <a:defRPr sz="1400">
+                <a:solidFill>
+                  <a:schemeClr val="tx1">
+                    <a:tint val="75000"/>
+                  </a:schemeClr>
+                </a:solidFill>
+              </a:defRPr>
+            </a:lvl7pPr>
+            <a:lvl8pPr marL="3200400" indent="0">
+              <a:buNone/>
+              <a:defRPr sz="1400">
+                <a:solidFill>
+                  <a:schemeClr val="tx1">
+                    <a:tint val="75000"/>
+                  </a:schemeClr>
+                </a:solidFill>
+              </a:defRPr>
+            </a:lvl8pPr>
+            <a:lvl9pPr marL="3657600" indent="0">
+              <a:buNone/>
+              <a:defRPr sz="1400">
+                <a:solidFill>
+                  <a:schemeClr val="tx1">
+                    <a:tint val="75000"/>
+                  </a:schemeClr>
+                </a:solidFill>
+              </a:defRPr>
+            </a:lvl9pPr>
+          </a:lstStyle>
+          <a:p>
+            <a:pPr lvl="0"/>
+            <a:r>
+              <a:rPr lang="en-US"/>
+              <a:t>Click to edit Master text styles</a:t>
+            </a:r>
+          </a:p>
+        </p:txBody>
+      </p:sp>
+      <p:sp>
+        <p:nvSpPr>
+          <p:cNvPr id="4" name="Date Placeholder 3"/>
+          <p:cNvSpPr>
+            <a:spLocks noGrp="1"/>
+          </p:cNvSpPr>
+          <p:nvPr>
+            <p:ph type="dt" sz="half" idx="10"/>
+          </p:nvPr>
+        </p:nvSpPr>
+        <p:spPr>
+          <a:xfrm>
+            <a:off x="8593667" y="6272784"/>
+            <a:ext cx="2644309" cy="365125"/>
+          </a:xfrm>
+        </p:spPr>
+        <p:txBody>
+          <a:bodyPr/>
+          <a:lstStyle/>
+          <a:p>
+            <a:fld id="{C6F822A4-8DA6-4447-9B1F-C5DB58435268}" type="datetimeFigureOut">
+              <a:rPr lang="en-US" dirty="0"/>
+              <a:t>3/16/2019</a:t>
+            </a:fld>
+            <a:endParaRPr lang="en-US" dirty="0"/>
+          </a:p>
+        </p:txBody>
+      </p:sp>
+      <p:sp>
+        <p:nvSpPr>
+          <p:cNvPr id="5" name="Footer Placeholder 4"/>
+          <p:cNvSpPr>
+            <a:spLocks noGrp="1"/>
+          </p:cNvSpPr>
+          <p:nvPr>
+            <p:ph type="ftr" sz="quarter" idx="11"/>
+          </p:nvPr>
+        </p:nvSpPr>
+        <p:spPr>
+          <a:xfrm>
+            <a:off x="2182708" y="6272784"/>
+            <a:ext cx="6327648" cy="365125"/>
+          </a:xfrm>
+        </p:spPr>
+        <p:txBody>
+          <a:bodyPr/>
+          <a:lstStyle/>
+          <a:p>
+            <a:endParaRPr lang="en-US" dirty="0"/>
+          </a:p>
+        </p:txBody>
+      </p:sp>
+      <p:grpSp>
+        <p:nvGrpSpPr>
+          <p:cNvPr id="8" name="Group 7"/>
+          <p:cNvGrpSpPr/>
+          <p:nvPr/>
+        </p:nvGrpSpPr>
+        <p:grpSpPr>
+          <a:xfrm>
+            <a:off x="897399" y="2325848"/>
+            <a:ext cx="1080904" cy="1080902"/>
+            <a:chOff x="9685338" y="4460675"/>
+            <a:chExt cx="1080904" cy="1080902"/>
+          </a:xfrm>
+        </p:grpSpPr>
+        <p:sp>
+          <p:nvSpPr>
+            <p:cNvPr id="9" name="Oval 8"/>
+            <p:cNvSpPr/>
+            <p:nvPr/>
+          </p:nvSpPr>
+          <p:spPr>
+            <a:xfrm>
+              <a:off x="9685338" y="4460675"/>
+              <a:ext cx="1080904" cy="1080902"/>
+            </a:xfrm>
+            <a:prstGeom prst="ellipse">
+              <a:avLst/>
+            </a:prstGeom>
+            <a:blipFill dpi="0" rotWithShape="1">
+              <a:blip r:embed="rId4">
+                <a:duotone>
+                  <a:schemeClr val="accent1">
+                    <a:shade val="45000"/>
+                    <a:satMod val="135000"/>
+                  </a:schemeClr>
+                  <a:prstClr val="white"/>
+                </a:duotone>
+                <a:extLst>
+                  <a:ext uri="{BEBA8EAE-BF5A-486C-A8C5-ECC9F3942E4B}">
+                    <a14:imgProps xmlns:a14="http://schemas.microsoft.com/office/drawing/2010/main">
+                      <a14:imgLayer r:embed="rId5">
+                        <a14:imgEffect>
+                          <a14:saturation sat="95000"/>
+                        </a14:imgEffect>
+                      </a14:imgLayer>
+                    </a14:imgProps>
+                  </a:ext>
+                </a:extLst>
+              </a:blip>
+              <a:srcRect/>
+              <a:tile tx="0" ty="0" sx="85000" sy="85000" flip="none" algn="tl"/>
+            </a:blipFill>
+            <a:ln w="25400" cap="flat" cmpd="sng" algn="ctr">
+              <a:noFill/>
+              <a:prstDash val="solid"/>
+            </a:ln>
+            <a:effectLst/>
+          </p:spPr>
+        </p:sp>
+        <p:sp>
+          <p:nvSpPr>
+            <p:cNvPr id="10" name="Oval 9"/>
+            <p:cNvSpPr/>
+            <p:nvPr/>
+          </p:nvSpPr>
+          <p:spPr>
+            <a:xfrm>
+              <a:off x="9793429" y="4568765"/>
+              <a:ext cx="864723" cy="864722"/>
+            </a:xfrm>
+            <a:prstGeom prst="ellipse">
+              <a:avLst/>
+            </a:prstGeom>
+            <a:noFill/>
+            <a:ln w="25400" cap="flat" cmpd="sng" algn="ctr">
+              <a:solidFill>
+                <a:sysClr val="window" lastClr="FFFFFF"/>
+              </a:solidFill>
+              <a:prstDash val="solid"/>
+            </a:ln>
+            <a:effectLst/>
+          </p:spPr>
+        </p:sp>
+      </p:grpSp>
+      <p:sp>
+        <p:nvSpPr>
+          <p:cNvPr id="6" name="Slide Number Placeholder 5"/>
+          <p:cNvSpPr>
+            <a:spLocks noGrp="1"/>
+          </p:cNvSpPr>
+          <p:nvPr>
+            <p:ph type="sldNum" sz="quarter" idx="12"/>
+          </p:nvPr>
+        </p:nvSpPr>
+        <p:spPr>
+          <a:xfrm>
+            <a:off x="843702" y="2506133"/>
+            <a:ext cx="1188298" cy="720332"/>
+          </a:xfrm>
+        </p:spPr>
+        <p:txBody>
+          <a:bodyPr/>
+          <a:lstStyle>
+            <a:lvl1pPr>
+              <a:defRPr sz="2800"/>
+            </a:lvl1pPr>
+          </a:lstStyle>
+          <a:p>
+            <a:fld id="{4FAB73BC-B049-4115-A692-8D63A059BFB8}" type="slidenum">
+              <a:rPr lang="en-US" dirty="0"/>
+              <a:pPr/>
+              <a:t>‹#›</a:t>
+            </a:fld>
+            <a:endParaRPr lang="en-US" dirty="0"/>
+          </a:p>
+        </p:txBody>
+      </p:sp>
+    </p:spTree>
+    <p:extLst>
+      <p:ext uri="{BB962C8B-B14F-4D97-AF65-F5344CB8AC3E}">
+        <p14:creationId xmlns:p14="http://schemas.microsoft.com/office/powerpoint/2010/main" val="426816493"/>
+      </p:ext>
+    </p:extLst>
+  </p:cSld>
+  <p:clrMapOvr>
+    <a:masterClrMapping/>
+  </p:clrMapOvr>
+  <p:hf sldNum="0" hdr="0" ftr="0" dt="0"/>
+</p:sldLayout>
+</file>
+
+<file path=ppt/slideLayouts/slideLayout54.xml><?xml version="1.0" encoding="utf-8"?>
+<p:sldLayout xmlns:a="http://schemas.openxmlformats.org/drawingml/2006/main" xmlns:r="http://schemas.openxmlformats.org/officeDocument/2006/relationships" xmlns:p="http://schemas.openxmlformats.org/presentationml/2006/main" type="twoObj" preserve="1">
+  <p:cSld name="Two Content">
+    <p:spTree>
+      <p:nvGrpSpPr>
+        <p:cNvPr id="1" name=""/>
+        <p:cNvGrpSpPr/>
+        <p:nvPr/>
+      </p:nvGrpSpPr>
+      <p:grpSpPr>
+        <a:xfrm>
+          <a:off x="0" y="0"/>
+          <a:ext cx="0" cy="0"/>
+          <a:chOff x="0" y="0"/>
+          <a:chExt cx="0" cy="0"/>
+        </a:xfrm>
+      </p:grpSpPr>
+      <p:sp>
+        <p:nvSpPr>
+          <p:cNvPr id="2" name="Title 1"/>
+          <p:cNvSpPr>
+            <a:spLocks noGrp="1"/>
+          </p:cNvSpPr>
+          <p:nvPr>
+            <p:ph type="title"/>
+          </p:nvPr>
+        </p:nvSpPr>
+        <p:spPr/>
+        <p:txBody>
+          <a:bodyPr/>
+          <a:lstStyle/>
+          <a:p>
+            <a:r>
+              <a:rPr lang="en-US"/>
+              <a:t>Click to edit Master title style</a:t>
+            </a:r>
+            <a:endParaRPr lang="en-US" dirty="0"/>
+          </a:p>
+        </p:txBody>
+      </p:sp>
+      <p:sp>
+        <p:nvSpPr>
+          <p:cNvPr id="3" name="Content Placeholder 2"/>
+          <p:cNvSpPr>
+            <a:spLocks noGrp="1"/>
+          </p:cNvSpPr>
+          <p:nvPr>
+            <p:ph sz="half" idx="1"/>
+          </p:nvPr>
+        </p:nvSpPr>
+        <p:spPr>
+          <a:xfrm>
+            <a:off x="1069848" y="2194560"/>
+            <a:ext cx="4754880" cy="3977640"/>
+          </a:xfrm>
+        </p:spPr>
+        <p:txBody>
+          <a:bodyPr/>
+          <a:lstStyle>
+            <a:lvl1pPr>
+              <a:defRPr sz="2000"/>
+            </a:lvl1pPr>
+            <a:lvl2pPr>
+              <a:defRPr sz="1800"/>
+            </a:lvl2pPr>
+            <a:lvl3pPr>
+              <a:defRPr sz="1600"/>
+            </a:lvl3pPr>
+            <a:lvl4pPr>
+              <a:defRPr sz="1600"/>
+            </a:lvl4pPr>
+            <a:lvl5pPr>
+              <a:defRPr sz="1600"/>
+            </a:lvl5pPr>
+            <a:lvl6pPr>
+              <a:defRPr sz="1600"/>
+            </a:lvl6pPr>
+            <a:lvl7pPr>
+              <a:defRPr sz="1600"/>
+            </a:lvl7pPr>
+            <a:lvl8pPr>
+              <a:defRPr sz="1600"/>
+            </a:lvl8pPr>
+            <a:lvl9pPr>
+              <a:defRPr sz="1600"/>
+            </a:lvl9pPr>
+          </a:lstStyle>
+          <a:p>
+            <a:pPr lvl="0"/>
+            <a:r>
+              <a:rPr lang="en-US"/>
+              <a:t>Click to edit Master text styles</a:t>
+            </a:r>
+          </a:p>
+          <a:p>
+            <a:pPr lvl="1"/>
+            <a:r>
+              <a:rPr lang="en-US"/>
+              <a:t>Second level</a:t>
+            </a:r>
+          </a:p>
+          <a:p>
+            <a:pPr lvl="2"/>
+            <a:r>
+              <a:rPr lang="en-US"/>
+              <a:t>Third level</a:t>
+            </a:r>
+          </a:p>
+          <a:p>
+            <a:pPr lvl="3"/>
+            <a:r>
+              <a:rPr lang="en-US"/>
+              <a:t>Fourth level</a:t>
+            </a:r>
+          </a:p>
+          <a:p>
+            <a:pPr lvl="4"/>
+            <a:r>
+              <a:rPr lang="en-US"/>
+              <a:t>Fifth level</a:t>
+            </a:r>
+            <a:endParaRPr lang="en-US" dirty="0"/>
+          </a:p>
+        </p:txBody>
+      </p:sp>
+      <p:sp>
+        <p:nvSpPr>
+          <p:cNvPr id="4" name="Content Placeholder 3"/>
+          <p:cNvSpPr>
+            <a:spLocks noGrp="1"/>
+          </p:cNvSpPr>
+          <p:nvPr>
+            <p:ph sz="half" idx="2"/>
+          </p:nvPr>
+        </p:nvSpPr>
+        <p:spPr>
+          <a:xfrm>
+            <a:off x="6364224" y="2194560"/>
+            <a:ext cx="4754880" cy="3977640"/>
+          </a:xfrm>
+        </p:spPr>
+        <p:txBody>
+          <a:bodyPr/>
+          <a:lstStyle>
+            <a:lvl1pPr>
+              <a:defRPr sz="2000"/>
+            </a:lvl1pPr>
+            <a:lvl2pPr>
+              <a:defRPr sz="1800"/>
+            </a:lvl2pPr>
+            <a:lvl3pPr>
+              <a:defRPr sz="1600"/>
+            </a:lvl3pPr>
+            <a:lvl4pPr>
+              <a:defRPr sz="1600"/>
+            </a:lvl4pPr>
+            <a:lvl5pPr>
+              <a:defRPr sz="1600"/>
+            </a:lvl5pPr>
+            <a:lvl6pPr>
+              <a:defRPr sz="1600"/>
+            </a:lvl6pPr>
+            <a:lvl7pPr>
+              <a:defRPr sz="1600"/>
+            </a:lvl7pPr>
+            <a:lvl8pPr>
+              <a:defRPr sz="1600"/>
+            </a:lvl8pPr>
+            <a:lvl9pPr>
+              <a:defRPr sz="1600"/>
+            </a:lvl9pPr>
+          </a:lstStyle>
+          <a:p>
+            <a:pPr lvl="0"/>
+            <a:r>
+              <a:rPr lang="en-US"/>
+              <a:t>Click to edit Master text styles</a:t>
+            </a:r>
+          </a:p>
+          <a:p>
+            <a:pPr lvl="1"/>
+            <a:r>
+              <a:rPr lang="en-US"/>
+              <a:t>Second level</a:t>
+            </a:r>
+          </a:p>
+          <a:p>
+            <a:pPr lvl="2"/>
+            <a:r>
+              <a:rPr lang="en-US"/>
+              <a:t>Third level</a:t>
+            </a:r>
+          </a:p>
+          <a:p>
+            <a:pPr lvl="3"/>
+            <a:r>
+              <a:rPr lang="en-US"/>
+              <a:t>Fourth level</a:t>
+            </a:r>
+          </a:p>
+          <a:p>
+            <a:pPr lvl="4"/>
+            <a:r>
+              <a:rPr lang="en-US"/>
+              <a:t>Fifth level</a:t>
+            </a:r>
+            <a:endParaRPr lang="en-US" dirty="0"/>
+          </a:p>
+        </p:txBody>
+      </p:sp>
+      <p:sp>
+        <p:nvSpPr>
+          <p:cNvPr id="5" name="Date Placeholder 4"/>
+          <p:cNvSpPr>
+            <a:spLocks noGrp="1"/>
+          </p:cNvSpPr>
+          <p:nvPr>
+            <p:ph type="dt" sz="half" idx="10"/>
+          </p:nvPr>
+        </p:nvSpPr>
+        <p:spPr/>
+        <p:txBody>
+          <a:bodyPr/>
+          <a:lstStyle/>
+          <a:p>
+            <a:fld id="{E548D31E-DCDA-41A7-9C67-C4B11B94D21D}" type="datetimeFigureOut">
+              <a:rPr lang="en-US" dirty="0"/>
+              <a:t>3/16/2019</a:t>
+            </a:fld>
+            <a:endParaRPr lang="en-US" dirty="0"/>
+          </a:p>
+        </p:txBody>
+      </p:sp>
+      <p:sp>
+        <p:nvSpPr>
+          <p:cNvPr id="6" name="Footer Placeholder 5"/>
+          <p:cNvSpPr>
+            <a:spLocks noGrp="1"/>
+          </p:cNvSpPr>
+          <p:nvPr>
+            <p:ph type="ftr" sz="quarter" idx="11"/>
+          </p:nvPr>
+        </p:nvSpPr>
+        <p:spPr/>
+        <p:txBody>
+          <a:bodyPr/>
+          <a:lstStyle/>
+          <a:p>
+            <a:endParaRPr lang="en-US" dirty="0"/>
+          </a:p>
+        </p:txBody>
+      </p:sp>
+      <p:sp>
+        <p:nvSpPr>
+          <p:cNvPr id="7" name="Slide Number Placeholder 6"/>
+          <p:cNvSpPr>
+            <a:spLocks noGrp="1"/>
+          </p:cNvSpPr>
+          <p:nvPr>
+            <p:ph type="sldNum" sz="quarter" idx="12"/>
+          </p:nvPr>
+        </p:nvSpPr>
+        <p:spPr/>
+        <p:txBody>
+          <a:bodyPr/>
+          <a:lstStyle/>
+          <a:p>
+            <a:fld id="{4FAB73BC-B049-4115-A692-8D63A059BFB8}" type="slidenum">
+              <a:rPr lang="en-US" dirty="0"/>
+              <a:t>‹#›</a:t>
+            </a:fld>
+            <a:endParaRPr lang="en-US" dirty="0"/>
+          </a:p>
+        </p:txBody>
+      </p:sp>
+    </p:spTree>
+    <p:extLst>
+      <p:ext uri="{BB962C8B-B14F-4D97-AF65-F5344CB8AC3E}">
+        <p14:creationId xmlns:p14="http://schemas.microsoft.com/office/powerpoint/2010/main" val="1854044301"/>
+      </p:ext>
+    </p:extLst>
+  </p:cSld>
+  <p:clrMapOvr>
+    <a:masterClrMapping/>
+  </p:clrMapOvr>
+  <p:hf sldNum="0" hdr="0" ftr="0" dt="0"/>
+</p:sldLayout>
+</file>
+
+<file path=ppt/slideLayouts/slideLayout55.xml><?xml version="1.0" encoding="utf-8"?>
+<p:sldLayout xmlns:a="http://schemas.openxmlformats.org/drawingml/2006/main" xmlns:r="http://schemas.openxmlformats.org/officeDocument/2006/relationships" xmlns:p="http://schemas.openxmlformats.org/presentationml/2006/main" type="twoTxTwoObj" preserve="1">
+  <p:cSld name="Comparison">
+    <p:spTree>
+      <p:nvGrpSpPr>
+        <p:cNvPr id="1" name=""/>
+        <p:cNvGrpSpPr/>
+        <p:nvPr/>
+      </p:nvGrpSpPr>
+      <p:grpSpPr>
+        <a:xfrm>
+          <a:off x="0" y="0"/>
+          <a:ext cx="0" cy="0"/>
+          <a:chOff x="0" y="0"/>
+          <a:chExt cx="0" cy="0"/>
+        </a:xfrm>
+      </p:grpSpPr>
+      <p:sp>
+        <p:nvSpPr>
+          <p:cNvPr id="10" name="Title 9"/>
+          <p:cNvSpPr>
+            <a:spLocks noGrp="1"/>
+          </p:cNvSpPr>
+          <p:nvPr>
+            <p:ph type="title"/>
+          </p:nvPr>
+        </p:nvSpPr>
+        <p:spPr/>
+        <p:txBody>
+          <a:bodyPr/>
+          <a:lstStyle/>
+          <a:p>
+            <a:r>
+              <a:rPr lang="en-US"/>
+              <a:t>Click to edit Master title style</a:t>
+            </a:r>
+            <a:endParaRPr lang="en-US" dirty="0"/>
+          </a:p>
+        </p:txBody>
+      </p:sp>
+      <p:sp>
+        <p:nvSpPr>
+          <p:cNvPr id="3" name="Text Placeholder 2"/>
+          <p:cNvSpPr>
+            <a:spLocks noGrp="1"/>
+          </p:cNvSpPr>
+          <p:nvPr>
+            <p:ph type="body" idx="1"/>
+          </p:nvPr>
+        </p:nvSpPr>
+        <p:spPr>
+          <a:xfrm>
+            <a:off x="1066800" y="2048256"/>
+            <a:ext cx="4754880" cy="640080"/>
+          </a:xfrm>
+        </p:spPr>
+        <p:txBody>
+          <a:bodyPr anchor="ctr">
+            <a:normAutofit/>
+          </a:bodyPr>
+          <a:lstStyle>
+            <a:lvl1pPr marL="0" indent="0">
+              <a:buNone/>
+              <a:defRPr sz="2000" b="1">
+                <a:solidFill>
+                  <a:schemeClr val="accent1">
+                    <a:lumMod val="75000"/>
+                  </a:schemeClr>
+                </a:solidFill>
+              </a:defRPr>
+            </a:lvl1pPr>
+            <a:lvl2pPr marL="457200" indent="0">
+              <a:buNone/>
+              <a:defRPr sz="2000" b="1"/>
+            </a:lvl2pPr>
+            <a:lvl3pPr marL="914400" indent="0">
+              <a:buNone/>
+              <a:defRPr sz="1800" b="1"/>
+            </a:lvl3pPr>
+            <a:lvl4pPr marL="1371600" indent="0">
+              <a:buNone/>
+              <a:defRPr sz="1600" b="1"/>
+            </a:lvl4pPr>
+            <a:lvl5pPr marL="1828800" indent="0">
+              <a:buNone/>
+              <a:defRPr sz="1600" b="1"/>
+            </a:lvl5pPr>
+            <a:lvl6pPr marL="2286000" indent="0">
+              <a:buNone/>
+              <a:defRPr sz="1600" b="1"/>
+            </a:lvl6pPr>
+            <a:lvl7pPr marL="2743200" indent="0">
+              <a:buNone/>
+              <a:defRPr sz="1600" b="1"/>
+            </a:lvl7pPr>
+            <a:lvl8pPr marL="3200400" indent="0">
+              <a:buNone/>
+              <a:defRPr sz="1600" b="1"/>
+            </a:lvl8pPr>
+            <a:lvl9pPr marL="3657600" indent="0">
+              <a:buNone/>
+              <a:defRPr sz="1600" b="1"/>
+            </a:lvl9pPr>
+          </a:lstStyle>
+          <a:p>
+            <a:pPr lvl="0"/>
+            <a:r>
+              <a:rPr lang="en-US"/>
+              <a:t>Click to edit Master text styles</a:t>
+            </a:r>
+          </a:p>
+        </p:txBody>
+      </p:sp>
+      <p:sp>
+        <p:nvSpPr>
+          <p:cNvPr id="4" name="Content Placeholder 3"/>
+          <p:cNvSpPr>
+            <a:spLocks noGrp="1"/>
+          </p:cNvSpPr>
+          <p:nvPr>
+            <p:ph sz="half" idx="2"/>
+          </p:nvPr>
+        </p:nvSpPr>
+        <p:spPr>
+          <a:xfrm>
+            <a:off x="1069848" y="2743200"/>
+            <a:ext cx="4754880" cy="3291840"/>
+          </a:xfrm>
+        </p:spPr>
+        <p:txBody>
+          <a:bodyPr/>
+          <a:lstStyle>
+            <a:lvl1pPr>
+              <a:defRPr sz="2000"/>
+            </a:lvl1pPr>
+            <a:lvl2pPr>
+              <a:defRPr sz="1800"/>
+            </a:lvl2pPr>
+            <a:lvl3pPr>
+              <a:defRPr sz="1600"/>
+            </a:lvl3pPr>
+            <a:lvl4pPr>
+              <a:defRPr sz="1600"/>
+            </a:lvl4pPr>
+            <a:lvl5pPr>
+              <a:defRPr sz="1600"/>
+            </a:lvl5pPr>
+            <a:lvl6pPr>
+              <a:defRPr sz="1600"/>
+            </a:lvl6pPr>
+            <a:lvl7pPr>
+              <a:defRPr sz="1600"/>
+            </a:lvl7pPr>
+            <a:lvl8pPr>
+              <a:defRPr sz="1600"/>
+            </a:lvl8pPr>
+            <a:lvl9pPr>
+              <a:defRPr sz="1600"/>
+            </a:lvl9pPr>
+          </a:lstStyle>
+          <a:p>
+            <a:pPr lvl="0"/>
+            <a:r>
+              <a:rPr lang="en-US"/>
+              <a:t>Click to edit Master text styles</a:t>
+            </a:r>
+          </a:p>
+          <a:p>
+            <a:pPr lvl="1"/>
+            <a:r>
+              <a:rPr lang="en-US"/>
+              <a:t>Second level</a:t>
+            </a:r>
+          </a:p>
+          <a:p>
+            <a:pPr lvl="2"/>
+            <a:r>
+              <a:rPr lang="en-US"/>
+              <a:t>Third level</a:t>
+            </a:r>
+          </a:p>
+          <a:p>
+            <a:pPr lvl="3"/>
+            <a:r>
+              <a:rPr lang="en-US"/>
+              <a:t>Fourth level</a:t>
+            </a:r>
+          </a:p>
+          <a:p>
+            <a:pPr lvl="4"/>
+            <a:r>
+              <a:rPr lang="en-US"/>
+              <a:t>Fifth level</a:t>
+            </a:r>
+            <a:endParaRPr lang="en-US" dirty="0"/>
+          </a:p>
+        </p:txBody>
+      </p:sp>
+      <p:sp>
+        <p:nvSpPr>
+          <p:cNvPr id="5" name="Text Placeholder 4"/>
+          <p:cNvSpPr>
+            <a:spLocks noGrp="1"/>
+          </p:cNvSpPr>
+          <p:nvPr>
+            <p:ph type="body" sz="quarter" idx="3"/>
+          </p:nvPr>
+        </p:nvSpPr>
+        <p:spPr>
+          <a:xfrm>
+            <a:off x="6364224" y="2048256"/>
+            <a:ext cx="4754880" cy="640080"/>
+          </a:xfrm>
+        </p:spPr>
+        <p:txBody>
+          <a:bodyPr anchor="ctr">
+            <a:normAutofit/>
+          </a:bodyPr>
+          <a:lstStyle>
+            <a:lvl1pPr marL="0" indent="0">
+              <a:buNone/>
+              <a:defRPr sz="2000" b="1">
+                <a:solidFill>
+                  <a:schemeClr val="accent1">
+                    <a:lumMod val="75000"/>
+                  </a:schemeClr>
+                </a:solidFill>
+              </a:defRPr>
+            </a:lvl1pPr>
+            <a:lvl2pPr marL="457200" indent="0">
+              <a:buNone/>
+              <a:defRPr sz="2000" b="1"/>
+            </a:lvl2pPr>
+            <a:lvl3pPr marL="914400" indent="0">
+              <a:buNone/>
+              <a:defRPr sz="1800" b="1"/>
+            </a:lvl3pPr>
+            <a:lvl4pPr marL="1371600" indent="0">
+              <a:buNone/>
+              <a:defRPr sz="1600" b="1"/>
+            </a:lvl4pPr>
+            <a:lvl5pPr marL="1828800" indent="0">
+              <a:buNone/>
+              <a:defRPr sz="1600" b="1"/>
+            </a:lvl5pPr>
+            <a:lvl6pPr marL="2286000" indent="0">
+              <a:buNone/>
+              <a:defRPr sz="1600" b="1"/>
+            </a:lvl6pPr>
+            <a:lvl7pPr marL="2743200" indent="0">
+              <a:buNone/>
+              <a:defRPr sz="1600" b="1"/>
+            </a:lvl7pPr>
+            <a:lvl8pPr marL="3200400" indent="0">
+              <a:buNone/>
+              <a:defRPr sz="1600" b="1"/>
+            </a:lvl8pPr>
+            <a:lvl9pPr marL="3657600" indent="0">
+              <a:buNone/>
+              <a:defRPr sz="1600" b="1"/>
+            </a:lvl9pPr>
+          </a:lstStyle>
+          <a:p>
+            <a:pPr lvl="0"/>
+            <a:r>
+              <a:rPr lang="en-US"/>
+              <a:t>Click to edit Master text styles</a:t>
+            </a:r>
+          </a:p>
+        </p:txBody>
+      </p:sp>
+      <p:sp>
+        <p:nvSpPr>
+          <p:cNvPr id="6" name="Content Placeholder 5"/>
+          <p:cNvSpPr>
+            <a:spLocks noGrp="1"/>
+          </p:cNvSpPr>
+          <p:nvPr>
+            <p:ph sz="quarter" idx="4"/>
+          </p:nvPr>
+        </p:nvSpPr>
+        <p:spPr>
+          <a:xfrm>
+            <a:off x="6364224" y="2743200"/>
+            <a:ext cx="4754880" cy="3291840"/>
+          </a:xfrm>
+        </p:spPr>
+        <p:txBody>
+          <a:bodyPr/>
+          <a:lstStyle>
+            <a:lvl1pPr>
+              <a:defRPr sz="2000"/>
+            </a:lvl1pPr>
+            <a:lvl2pPr>
+              <a:defRPr sz="1800"/>
+            </a:lvl2pPr>
+            <a:lvl3pPr>
+              <a:defRPr sz="1600"/>
+            </a:lvl3pPr>
+            <a:lvl4pPr>
+              <a:defRPr sz="1600"/>
+            </a:lvl4pPr>
+            <a:lvl5pPr>
+              <a:defRPr sz="1600"/>
+            </a:lvl5pPr>
+            <a:lvl6pPr>
+              <a:defRPr sz="1600"/>
+            </a:lvl6pPr>
+            <a:lvl7pPr>
+              <a:defRPr sz="1600"/>
+            </a:lvl7pPr>
+            <a:lvl8pPr>
+              <a:defRPr sz="1600"/>
+            </a:lvl8pPr>
+            <a:lvl9pPr>
+              <a:defRPr sz="1600"/>
+            </a:lvl9pPr>
+          </a:lstStyle>
+          <a:p>
+            <a:pPr lvl="0"/>
+            <a:r>
+              <a:rPr lang="en-US"/>
+              <a:t>Click to edit Master text styles</a:t>
+            </a:r>
+          </a:p>
+          <a:p>
+            <a:pPr lvl="1"/>
+            <a:r>
+              <a:rPr lang="en-US"/>
+              <a:t>Second level</a:t>
+            </a:r>
+          </a:p>
+          <a:p>
+            <a:pPr lvl="2"/>
+            <a:r>
+              <a:rPr lang="en-US"/>
+              <a:t>Third level</a:t>
+            </a:r>
+          </a:p>
+          <a:p>
+            <a:pPr lvl="3"/>
+            <a:r>
+              <a:rPr lang="en-US"/>
+              <a:t>Fourth level</a:t>
+            </a:r>
+          </a:p>
+          <a:p>
+            <a:pPr lvl="4"/>
+            <a:r>
+              <a:rPr lang="en-US"/>
+              <a:t>Fifth level</a:t>
+            </a:r>
+            <a:endParaRPr lang="en-US" dirty="0"/>
+          </a:p>
+        </p:txBody>
+      </p:sp>
+      <p:sp>
+        <p:nvSpPr>
+          <p:cNvPr id="7" name="Date Placeholder 6"/>
+          <p:cNvSpPr>
+            <a:spLocks noGrp="1"/>
+          </p:cNvSpPr>
+          <p:nvPr>
+            <p:ph type="dt" sz="half" idx="10"/>
+          </p:nvPr>
+        </p:nvSpPr>
+        <p:spPr/>
+        <p:txBody>
+          <a:bodyPr/>
+          <a:lstStyle/>
+          <a:p>
+            <a:fld id="{9B3762C0-B258-48F1-ADE6-176B4174CCDD}" type="datetimeFigureOut">
+              <a:rPr lang="en-US" dirty="0"/>
+              <a:t>3/16/2019</a:t>
+            </a:fld>
+            <a:endParaRPr lang="en-US" dirty="0"/>
+          </a:p>
+        </p:txBody>
+      </p:sp>
+      <p:sp>
+        <p:nvSpPr>
+          <p:cNvPr id="8" name="Footer Placeholder 7"/>
+          <p:cNvSpPr>
+            <a:spLocks noGrp="1"/>
+          </p:cNvSpPr>
+          <p:nvPr>
+            <p:ph type="ftr" sz="quarter" idx="11"/>
+          </p:nvPr>
+        </p:nvSpPr>
+        <p:spPr/>
+        <p:txBody>
+          <a:bodyPr/>
+          <a:lstStyle/>
+          <a:p>
+            <a:endParaRPr lang="en-US" dirty="0"/>
+          </a:p>
+        </p:txBody>
+      </p:sp>
+      <p:sp>
+        <p:nvSpPr>
+          <p:cNvPr id="9" name="Slide Number Placeholder 8"/>
+          <p:cNvSpPr>
+            <a:spLocks noGrp="1"/>
+          </p:cNvSpPr>
+          <p:nvPr>
+            <p:ph type="sldNum" sz="quarter" idx="12"/>
+          </p:nvPr>
+        </p:nvSpPr>
+        <p:spPr/>
+        <p:txBody>
+          <a:bodyPr/>
+          <a:lstStyle/>
+          <a:p>
+            <a:fld id="{4FAB73BC-B049-4115-A692-8D63A059BFB8}" type="slidenum">
+              <a:rPr lang="en-US" dirty="0"/>
+              <a:t>‹#›</a:t>
+            </a:fld>
+            <a:endParaRPr lang="en-US" dirty="0"/>
+          </a:p>
+        </p:txBody>
+      </p:sp>
+    </p:spTree>
+    <p:extLst>
+      <p:ext uri="{BB962C8B-B14F-4D97-AF65-F5344CB8AC3E}">
+        <p14:creationId xmlns:p14="http://schemas.microsoft.com/office/powerpoint/2010/main" val="1240728157"/>
+      </p:ext>
+    </p:extLst>
+  </p:cSld>
+  <p:clrMapOvr>
+    <a:masterClrMapping/>
+  </p:clrMapOvr>
+  <p:hf sldNum="0" hdr="0" ftr="0" dt="0"/>
+</p:sldLayout>
+</file>
+
+<file path=ppt/slideLayouts/slideLayout56.xml><?xml version="1.0" encoding="utf-8"?>
+<p:sldLayout xmlns:a="http://schemas.openxmlformats.org/drawingml/2006/main" xmlns:r="http://schemas.openxmlformats.org/officeDocument/2006/relationships" xmlns:p="http://schemas.openxmlformats.org/presentationml/2006/main" type="titleOnly" preserve="1">
+  <p:cSld name="Title Only">
+    <p:spTree>
+      <p:nvGrpSpPr>
+        <p:cNvPr id="1" name=""/>
+        <p:cNvGrpSpPr/>
+        <p:nvPr/>
+      </p:nvGrpSpPr>
+      <p:grpSpPr>
+        <a:xfrm>
+          <a:off x="0" y="0"/>
+          <a:ext cx="0" cy="0"/>
+          <a:chOff x="0" y="0"/>
+          <a:chExt cx="0" cy="0"/>
+        </a:xfrm>
+      </p:grpSpPr>
+      <p:sp>
+        <p:nvSpPr>
+          <p:cNvPr id="6" name="Title 5"/>
+          <p:cNvSpPr>
+            <a:spLocks noGrp="1"/>
+          </p:cNvSpPr>
+          <p:nvPr>
+            <p:ph type="title"/>
+          </p:nvPr>
+        </p:nvSpPr>
+        <p:spPr/>
+        <p:txBody>
+          <a:bodyPr/>
+          <a:lstStyle/>
+          <a:p>
+            <a:r>
+              <a:rPr lang="en-US"/>
+              <a:t>Click to edit Master title style</a:t>
+            </a:r>
+            <a:endParaRPr lang="en-US" dirty="0"/>
+          </a:p>
+        </p:txBody>
+      </p:sp>
+      <p:sp>
+        <p:nvSpPr>
+          <p:cNvPr id="3" name="Date Placeholder 2"/>
+          <p:cNvSpPr>
+            <a:spLocks noGrp="1"/>
+          </p:cNvSpPr>
+          <p:nvPr>
+            <p:ph type="dt" sz="half" idx="10"/>
+          </p:nvPr>
+        </p:nvSpPr>
+        <p:spPr/>
+        <p:txBody>
+          <a:bodyPr/>
+          <a:lstStyle/>
+          <a:p>
+            <a:fld id="{677919A6-33EB-49BD-A62F-1FA56B9F9712}" type="datetimeFigureOut">
+              <a:rPr lang="en-US" dirty="0"/>
+              <a:t>3/16/2019</a:t>
+            </a:fld>
+            <a:endParaRPr lang="en-US" dirty="0"/>
+          </a:p>
+        </p:txBody>
+      </p:sp>
+      <p:sp>
+        <p:nvSpPr>
+          <p:cNvPr id="4" name="Footer Placeholder 3"/>
+          <p:cNvSpPr>
+            <a:spLocks noGrp="1"/>
+          </p:cNvSpPr>
+          <p:nvPr>
+            <p:ph type="ftr" sz="quarter" idx="11"/>
+          </p:nvPr>
+        </p:nvSpPr>
+        <p:spPr/>
+        <p:txBody>
+          <a:bodyPr/>
+          <a:lstStyle/>
+          <a:p>
+            <a:endParaRPr lang="en-US" dirty="0"/>
+          </a:p>
+        </p:txBody>
+      </p:sp>
+      <p:sp>
+        <p:nvSpPr>
+          <p:cNvPr id="5" name="Slide Number Placeholder 4"/>
+          <p:cNvSpPr>
+            <a:spLocks noGrp="1"/>
+          </p:cNvSpPr>
+          <p:nvPr>
+            <p:ph type="sldNum" sz="quarter" idx="12"/>
+          </p:nvPr>
+        </p:nvSpPr>
+        <p:spPr/>
+        <p:txBody>
+          <a:bodyPr/>
+          <a:lstStyle/>
+          <a:p>
+            <a:fld id="{4FAB73BC-B049-4115-A692-8D63A059BFB8}" type="slidenum">
+              <a:rPr lang="en-US" dirty="0"/>
+              <a:t>‹#›</a:t>
+            </a:fld>
+            <a:endParaRPr lang="en-US" dirty="0"/>
+          </a:p>
+        </p:txBody>
+      </p:sp>
+    </p:spTree>
+    <p:extLst>
+      <p:ext uri="{BB962C8B-B14F-4D97-AF65-F5344CB8AC3E}">
+        <p14:creationId xmlns:p14="http://schemas.microsoft.com/office/powerpoint/2010/main" val="2245073816"/>
+      </p:ext>
+    </p:extLst>
+  </p:cSld>
+  <p:clrMapOvr>
+    <a:masterClrMapping/>
+  </p:clrMapOvr>
+  <p:transition>
+    <p:fade/>
+  </p:transition>
+  <p:extLst>
+    <p:ext uri="{DCECCB84-F9BA-43D5-87BE-67443E8EF086}">
+      <p15:sldGuideLst xmlns:p15="http://schemas.microsoft.com/office/powerpoint/2012/main">
+        <p15:guide id="1" orient="horz" pos="900" userDrawn="1">
+          <p15:clr>
+            <a:srgbClr val="5ACBF0"/>
+          </p15:clr>
+        </p15:guide>
+        <p15:guide id="2" orient="horz" pos="1276" userDrawn="1">
+          <p15:clr>
+            <a:srgbClr val="5ACBF0"/>
+          </p15:clr>
+        </p15:guide>
+        <p15:guide id="3" orient="horz" pos="288" userDrawn="1">
+          <p15:clr>
+            <a:srgbClr val="5ACBF0"/>
+          </p15:clr>
+        </p15:guide>
+      </p15:sldGuideLst>
+    </p:ext>
+  </p:extLst>
+</p:sldLayout>
+</file>
+
+<file path=ppt/slideLayouts/slideLayout57.xml><?xml version="1.0" encoding="utf-8"?>
+<p:sldLayout xmlns:a="http://schemas.openxmlformats.org/drawingml/2006/main" xmlns:r="http://schemas.openxmlformats.org/officeDocument/2006/relationships" xmlns:p="http://schemas.openxmlformats.org/presentationml/2006/main" type="blank" preserve="1">
+  <p:cSld name="Blank">
+    <p:spTree>
+      <p:nvGrpSpPr>
+        <p:cNvPr id="1" name=""/>
+        <p:cNvGrpSpPr/>
+        <p:nvPr/>
+      </p:nvGrpSpPr>
+      <p:grpSpPr>
+        <a:xfrm>
+          <a:off x="0" y="0"/>
+          <a:ext cx="0" cy="0"/>
+          <a:chOff x="0" y="0"/>
+          <a:chExt cx="0" cy="0"/>
+        </a:xfrm>
+      </p:grpSpPr>
+      <p:sp>
+        <p:nvSpPr>
+          <p:cNvPr id="2" name="Date Placeholder 1"/>
+          <p:cNvSpPr>
+            <a:spLocks noGrp="1"/>
+          </p:cNvSpPr>
+          <p:nvPr>
+            <p:ph type="dt" sz="half" idx="10"/>
+          </p:nvPr>
+        </p:nvSpPr>
+        <p:spPr/>
+        <p:txBody>
+          <a:bodyPr/>
+          <a:lstStyle/>
+          <a:p>
+            <a:fld id="{CA4E7D1B-D673-4CF6-8672-009D42ABD2A0}" type="datetimeFigureOut">
+              <a:rPr lang="en-US" dirty="0"/>
+              <a:t>3/16/2019</a:t>
+            </a:fld>
+            <a:endParaRPr lang="en-US" dirty="0"/>
+          </a:p>
+        </p:txBody>
+      </p:sp>
+      <p:sp>
+        <p:nvSpPr>
+          <p:cNvPr id="3" name="Footer Placeholder 2"/>
+          <p:cNvSpPr>
+            <a:spLocks noGrp="1"/>
+          </p:cNvSpPr>
+          <p:nvPr>
+            <p:ph type="ftr" sz="quarter" idx="11"/>
+          </p:nvPr>
+        </p:nvSpPr>
+        <p:spPr/>
+        <p:txBody>
+          <a:bodyPr/>
+          <a:lstStyle/>
+          <a:p>
+            <a:endParaRPr lang="en-US" dirty="0"/>
+          </a:p>
+        </p:txBody>
+      </p:sp>
+      <p:sp>
+        <p:nvSpPr>
+          <p:cNvPr id="4" name="Slide Number Placeholder 3"/>
+          <p:cNvSpPr>
+            <a:spLocks noGrp="1"/>
+          </p:cNvSpPr>
+          <p:nvPr>
+            <p:ph type="sldNum" sz="quarter" idx="12"/>
+          </p:nvPr>
+        </p:nvSpPr>
+        <p:spPr/>
+        <p:txBody>
+          <a:bodyPr/>
+          <a:lstStyle/>
+          <a:p>
+            <a:fld id="{4FAB73BC-B049-4115-A692-8D63A059BFB8}" type="slidenum">
+              <a:rPr lang="en-US" dirty="0"/>
+              <a:t>‹#›</a:t>
+            </a:fld>
+            <a:endParaRPr lang="en-US" dirty="0"/>
+          </a:p>
+        </p:txBody>
+      </p:sp>
+    </p:spTree>
+    <p:extLst>
+      <p:ext uri="{BB962C8B-B14F-4D97-AF65-F5344CB8AC3E}">
+        <p14:creationId xmlns:p14="http://schemas.microsoft.com/office/powerpoint/2010/main" val="1210305743"/>
+      </p:ext>
+    </p:extLst>
+  </p:cSld>
+  <p:clrMapOvr>
+    <a:masterClrMapping/>
+  </p:clrMapOvr>
+  <p:transition>
+    <p:fade/>
+  </p:transition>
+  <p:extLst>
+    <p:ext uri="{DCECCB84-F9BA-43D5-87BE-67443E8EF086}">
+      <p15:sldGuideLst xmlns:p15="http://schemas.microsoft.com/office/powerpoint/2012/main">
+        <p15:guide id="1" orient="horz" pos="1272" userDrawn="1">
+          <p15:clr>
+            <a:srgbClr val="5ACBF0"/>
+          </p15:clr>
+        </p15:guide>
+        <p15:guide id="2" orient="horz" pos="904" userDrawn="1">
+          <p15:clr>
+            <a:srgbClr val="5ACBF0"/>
+          </p15:clr>
+        </p15:guide>
+        <p15:guide id="3" orient="horz" pos="288" userDrawn="1">
+          <p15:clr>
+            <a:srgbClr val="5ACBF0"/>
+          </p15:clr>
+        </p15:guide>
+      </p15:sldGuideLst>
+    </p:ext>
+  </p:extLst>
+</p:sldLayout>
+</file>
+
+<file path=ppt/slideLayouts/slideLayout58.xml><?xml version="1.0" encoding="utf-8"?>
+<p:sldLayout xmlns:a="http://schemas.openxmlformats.org/drawingml/2006/main" xmlns:r="http://schemas.openxmlformats.org/officeDocument/2006/relationships" xmlns:p="http://schemas.openxmlformats.org/presentationml/2006/main" showMasterSp="0" type="objTx" preserve="1">
+  <p:cSld name="Content with Caption">
+    <p:spTree>
+      <p:nvGrpSpPr>
+        <p:cNvPr id="1" name=""/>
+        <p:cNvGrpSpPr/>
+        <p:nvPr/>
+      </p:nvGrpSpPr>
+      <p:grpSpPr>
+        <a:xfrm>
+          <a:off x="0" y="0"/>
+          <a:ext cx="0" cy="0"/>
+          <a:chOff x="0" y="0"/>
+          <a:chExt cx="0" cy="0"/>
+        </a:xfrm>
+      </p:grpSpPr>
+      <p:sp>
+        <p:nvSpPr>
+          <p:cNvPr id="8" name="Rectangle 7"/>
+          <p:cNvSpPr/>
+          <p:nvPr/>
+        </p:nvSpPr>
+        <p:spPr>
+          <a:xfrm>
+            <a:off x="8303740" y="0"/>
+            <a:ext cx="3888259" cy="6857999"/>
+          </a:xfrm>
+          <a:prstGeom prst="rect">
+            <a:avLst/>
+          </a:prstGeom>
+          <a:blipFill dpi="0" rotWithShape="1">
+            <a:blip r:embed="rId2">
+              <a:alphaModFix amt="60000"/>
+              <a:lum bright="70000" contrast="-70000"/>
+              <a:extLst>
+                <a:ext uri="{BEBA8EAE-BF5A-486C-A8C5-ECC9F3942E4B}">
+                  <a14:imgProps xmlns:a14="http://schemas.microsoft.com/office/drawing/2010/main">
+                    <a14:imgLayer r:embed="rId3">
+                      <a14:imgEffect>
+                        <a14:sharpenSoften amount="61000"/>
+                      </a14:imgEffect>
+                    </a14:imgLayer>
+                  </a14:imgProps>
+                </a:ext>
+                <a:ext uri="{28A0092B-C50C-407E-A947-70E740481C1C}">
+                  <a14:useLocalDpi xmlns:a14="http://schemas.microsoft.com/office/drawing/2010/main" val="0"/>
+                </a:ext>
+              </a:extLst>
+            </a:blip>
+            <a:srcRect/>
+            <a:tile tx="0" ty="-704850" sx="92000" sy="89000" flip="xy" algn="ctr"/>
+          </a:blipFill>
+          <a:ln>
+            <a:noFill/>
+          </a:ln>
+        </p:spPr>
+        <p:style>
+          <a:lnRef idx="2">
+            <a:schemeClr val="accent1">
+              <a:shade val="50000"/>
+            </a:schemeClr>
+          </a:lnRef>
+          <a:fillRef idx="1">
+            <a:schemeClr val="accent1"/>
+          </a:fillRef>
+          <a:effectRef idx="0">
+            <a:schemeClr val="accent1"/>
+          </a:effectRef>
+          <a:fontRef idx="minor">
+            <a:schemeClr val="lt1"/>
+          </a:fontRef>
+        </p:style>
+      </p:sp>
+      <p:sp>
+        <p:nvSpPr>
+          <p:cNvPr id="2" name="Title 1"/>
+          <p:cNvSpPr>
+            <a:spLocks noGrp="1"/>
+          </p:cNvSpPr>
+          <p:nvPr>
+            <p:ph type="title"/>
+          </p:nvPr>
+        </p:nvSpPr>
+        <p:spPr>
+          <a:xfrm>
+            <a:off x="8549640" y="685800"/>
+            <a:ext cx="3200400" cy="1737360"/>
+          </a:xfrm>
+        </p:spPr>
+        <p:txBody>
+          <a:bodyPr anchor="b">
+            <a:normAutofit/>
+          </a:bodyPr>
+          <a:lstStyle>
+            <a:lvl1pPr>
+              <a:defRPr sz="3200" b="1"/>
+            </a:lvl1pPr>
+          </a:lstStyle>
+          <a:p>
+            <a:r>
+              <a:rPr lang="en-US"/>
+              <a:t>Click to edit Master title style</a:t>
+            </a:r>
+            <a:endParaRPr lang="en-US" dirty="0"/>
+          </a:p>
+        </p:txBody>
+      </p:sp>
+      <p:sp>
+        <p:nvSpPr>
+          <p:cNvPr id="3" name="Content Placeholder 2"/>
+          <p:cNvSpPr>
+            <a:spLocks noGrp="1"/>
+          </p:cNvSpPr>
+          <p:nvPr>
+            <p:ph idx="1"/>
+          </p:nvPr>
+        </p:nvSpPr>
+        <p:spPr>
+          <a:xfrm>
+            <a:off x="838200" y="685800"/>
+            <a:ext cx="6711696" cy="5020056"/>
+          </a:xfrm>
+        </p:spPr>
+        <p:txBody>
+          <a:bodyPr/>
+          <a:lstStyle>
+            <a:lvl1pPr>
+              <a:defRPr sz="2000"/>
+            </a:lvl1pPr>
+            <a:lvl2pPr>
+              <a:defRPr sz="1800"/>
+            </a:lvl2pPr>
+            <a:lvl3pPr>
+              <a:defRPr sz="1600"/>
+            </a:lvl3pPr>
+            <a:lvl4pPr>
+              <a:defRPr sz="1600"/>
+            </a:lvl4pPr>
+            <a:lvl5pPr>
+              <a:defRPr sz="1600"/>
+            </a:lvl5pPr>
+            <a:lvl6pPr>
+              <a:defRPr sz="1600"/>
+            </a:lvl6pPr>
+            <a:lvl7pPr>
+              <a:defRPr sz="1600"/>
+            </a:lvl7pPr>
+            <a:lvl8pPr>
+              <a:defRPr sz="1600"/>
+            </a:lvl8pPr>
+            <a:lvl9pPr>
+              <a:defRPr sz="1600"/>
+            </a:lvl9pPr>
+          </a:lstStyle>
+          <a:p>
+            <a:pPr lvl="0"/>
+            <a:r>
+              <a:rPr lang="en-US"/>
+              <a:t>Click to edit Master text styles</a:t>
+            </a:r>
+          </a:p>
+          <a:p>
+            <a:pPr lvl="1"/>
+            <a:r>
+              <a:rPr lang="en-US"/>
+              <a:t>Second level</a:t>
+            </a:r>
+          </a:p>
+          <a:p>
+            <a:pPr lvl="2"/>
+            <a:r>
+              <a:rPr lang="en-US"/>
+              <a:t>Third level</a:t>
+            </a:r>
+          </a:p>
+          <a:p>
+            <a:pPr lvl="3"/>
+            <a:r>
+              <a:rPr lang="en-US"/>
+              <a:t>Fourth level</a:t>
+            </a:r>
+          </a:p>
+          <a:p>
+            <a:pPr lvl="4"/>
+            <a:r>
+              <a:rPr lang="en-US"/>
+              <a:t>Fifth level</a:t>
+            </a:r>
+            <a:endParaRPr lang="en-US" dirty="0"/>
+          </a:p>
+        </p:txBody>
+      </p:sp>
+      <p:sp>
+        <p:nvSpPr>
+          <p:cNvPr id="4" name="Text Placeholder 3"/>
+          <p:cNvSpPr>
+            <a:spLocks noGrp="1"/>
+          </p:cNvSpPr>
+          <p:nvPr>
+            <p:ph type="body" sz="half" idx="2"/>
+          </p:nvPr>
+        </p:nvSpPr>
+        <p:spPr>
+          <a:xfrm>
+            <a:off x="8549640" y="2423160"/>
+            <a:ext cx="3200400" cy="3291840"/>
+          </a:xfrm>
+        </p:spPr>
+        <p:txBody>
+          <a:bodyPr>
+            <a:normAutofit/>
+          </a:bodyPr>
+          <a:lstStyle>
+            <a:lvl1pPr marL="0" indent="0">
+              <a:lnSpc>
+                <a:spcPct val="100000"/>
+              </a:lnSpc>
+              <a:spcBef>
+                <a:spcPts val="1000"/>
+              </a:spcBef>
+              <a:buNone/>
+              <a:defRPr sz="1400">
+                <a:solidFill>
+                  <a:schemeClr val="accent1">
+                    <a:lumMod val="75000"/>
+                  </a:schemeClr>
+                </a:solidFill>
+              </a:defRPr>
+            </a:lvl1pPr>
+            <a:lvl2pPr marL="457200" indent="0">
+              <a:buNone/>
+              <a:defRPr sz="1200"/>
+            </a:lvl2pPr>
+            <a:lvl3pPr marL="914400" indent="0">
+              <a:buNone/>
+              <a:defRPr sz="1000"/>
+            </a:lvl3pPr>
+            <a:lvl4pPr marL="1371600" indent="0">
+              <a:buNone/>
+              <a:defRPr sz="900"/>
+            </a:lvl4pPr>
+            <a:lvl5pPr marL="1828800" indent="0">
+              <a:buNone/>
+              <a:defRPr sz="900"/>
+            </a:lvl5pPr>
+            <a:lvl6pPr marL="2286000" indent="0">
+              <a:buNone/>
+              <a:defRPr sz="900"/>
+            </a:lvl6pPr>
+            <a:lvl7pPr marL="2743200" indent="0">
+              <a:buNone/>
+              <a:defRPr sz="900"/>
+            </a:lvl7pPr>
+            <a:lvl8pPr marL="3200400" indent="0">
+              <a:buNone/>
+              <a:defRPr sz="900"/>
+            </a:lvl8pPr>
+            <a:lvl9pPr marL="3657600" indent="0">
+              <a:buNone/>
+              <a:defRPr sz="900"/>
+            </a:lvl9pPr>
+          </a:lstStyle>
+          <a:p>
+            <a:pPr lvl="0"/>
+            <a:r>
+              <a:rPr lang="en-US"/>
+              <a:t>Click to edit Master text styles</a:t>
+            </a:r>
+          </a:p>
+        </p:txBody>
+      </p:sp>
+      <p:sp>
+        <p:nvSpPr>
+          <p:cNvPr id="5" name="Date Placeholder 4"/>
+          <p:cNvSpPr>
+            <a:spLocks noGrp="1"/>
+          </p:cNvSpPr>
+          <p:nvPr>
+            <p:ph type="dt" sz="half" idx="10"/>
+          </p:nvPr>
+        </p:nvSpPr>
+        <p:spPr/>
+        <p:txBody>
+          <a:bodyPr/>
+          <a:lstStyle/>
+          <a:p>
+            <a:fld id="{DA16AA21-1863-4931-97CB-99D0A168701B}" type="datetimeFigureOut">
+              <a:rPr lang="en-US" dirty="0"/>
+              <a:t>3/16/2019</a:t>
+            </a:fld>
+            <a:endParaRPr lang="en-US" dirty="0"/>
+          </a:p>
+        </p:txBody>
+      </p:sp>
+      <p:sp>
+        <p:nvSpPr>
+          <p:cNvPr id="6" name="Footer Placeholder 5"/>
+          <p:cNvSpPr>
+            <a:spLocks noGrp="1"/>
+          </p:cNvSpPr>
+          <p:nvPr>
+            <p:ph type="ftr" sz="quarter" idx="11"/>
+          </p:nvPr>
+        </p:nvSpPr>
+        <p:spPr/>
+        <p:txBody>
+          <a:bodyPr/>
+          <a:lstStyle/>
+          <a:p>
+            <a:endParaRPr lang="en-US" dirty="0"/>
+          </a:p>
+        </p:txBody>
+      </p:sp>
+      <p:grpSp>
+        <p:nvGrpSpPr>
+          <p:cNvPr id="9" name="Group 8"/>
+          <p:cNvGrpSpPr>
+            <a:grpSpLocks noChangeAspect="1"/>
+          </p:cNvGrpSpPr>
+          <p:nvPr/>
+        </p:nvGrpSpPr>
+        <p:grpSpPr>
+          <a:xfrm>
+            <a:off x="11401725" y="6229681"/>
+            <a:ext cx="457200" cy="457200"/>
+            <a:chOff x="11361456" y="6195813"/>
+            <a:chExt cx="548640" cy="548640"/>
+          </a:xfrm>
+        </p:grpSpPr>
+        <p:sp>
+          <p:nvSpPr>
+            <p:cNvPr id="10" name="Oval 9"/>
+            <p:cNvSpPr/>
+            <p:nvPr/>
+          </p:nvSpPr>
+          <p:spPr>
+            <a:xfrm>
+              <a:off x="11361456" y="6195813"/>
+              <a:ext cx="548640" cy="548640"/>
+            </a:xfrm>
+            <a:prstGeom prst="ellipse">
+              <a:avLst/>
+            </a:prstGeom>
+            <a:blipFill dpi="0" rotWithShape="1">
+              <a:blip r:embed="rId4">
+                <a:duotone>
+                  <a:schemeClr val="accent1">
+                    <a:shade val="45000"/>
+                    <a:satMod val="135000"/>
+                  </a:schemeClr>
+                  <a:prstClr val="white"/>
+                </a:duotone>
+                <a:extLst>
+                  <a:ext uri="{BEBA8EAE-BF5A-486C-A8C5-ECC9F3942E4B}">
+                    <a14:imgProps xmlns:a14="http://schemas.microsoft.com/office/drawing/2010/main">
+                      <a14:imgLayer r:embed="rId5">
+                        <a14:imgEffect>
+                          <a14:saturation sat="95000"/>
+                        </a14:imgEffect>
+                        <a14:imgEffect>
+                          <a14:brightnessContrast bright="-40000" contrast="20000"/>
+                        </a14:imgEffect>
+                      </a14:imgLayer>
+                    </a14:imgProps>
+                  </a:ext>
+                </a:extLst>
+              </a:blip>
+              <a:srcRect/>
+              <a:tile tx="50800" ty="0" sx="85000" sy="85000" flip="none" algn="tl"/>
+            </a:blipFill>
+            <a:ln w="25400" cap="flat" cmpd="sng" algn="ctr">
+              <a:noFill/>
+              <a:prstDash val="solid"/>
+            </a:ln>
+            <a:effectLst/>
+          </p:spPr>
+        </p:sp>
+        <p:sp>
+          <p:nvSpPr>
+            <p:cNvPr id="11" name="Oval 10"/>
+            <p:cNvSpPr/>
+            <p:nvPr/>
+          </p:nvSpPr>
+          <p:spPr>
+            <a:xfrm>
+              <a:off x="11396488" y="6230844"/>
+              <a:ext cx="478576" cy="478578"/>
+            </a:xfrm>
+            <a:prstGeom prst="ellipse">
+              <a:avLst/>
+            </a:prstGeom>
+            <a:noFill/>
+            <a:ln w="12700" cap="flat" cmpd="sng" algn="ctr">
+              <a:solidFill>
+                <a:sysClr val="window" lastClr="FFFFFF"/>
+              </a:solidFill>
+              <a:prstDash val="solid"/>
+            </a:ln>
+            <a:effectLst/>
+          </p:spPr>
+        </p:sp>
+      </p:grpSp>
+      <p:sp>
+        <p:nvSpPr>
+          <p:cNvPr id="7" name="Slide Number Placeholder 6"/>
+          <p:cNvSpPr>
+            <a:spLocks noGrp="1"/>
+          </p:cNvSpPr>
+          <p:nvPr>
+            <p:ph type="sldNum" sz="quarter" idx="12"/>
+          </p:nvPr>
+        </p:nvSpPr>
+        <p:spPr/>
+        <p:txBody>
+          <a:bodyPr/>
+          <a:lstStyle/>
+          <a:p>
+            <a:fld id="{4FAB73BC-B049-4115-A692-8D63A059BFB8}" type="slidenum">
+              <a:rPr lang="en-US" dirty="0"/>
+              <a:t>‹#›</a:t>
+            </a:fld>
+            <a:endParaRPr lang="en-US" dirty="0"/>
+          </a:p>
+        </p:txBody>
+      </p:sp>
+    </p:spTree>
+    <p:extLst>
+      <p:ext uri="{BB962C8B-B14F-4D97-AF65-F5344CB8AC3E}">
+        <p14:creationId xmlns:p14="http://schemas.microsoft.com/office/powerpoint/2010/main" val="1022821019"/>
+      </p:ext>
+    </p:extLst>
+  </p:cSld>
+  <p:clrMapOvr>
+    <a:masterClrMapping/>
+  </p:clrMapOvr>
+  <p:hf sldNum="0" hdr="0" ftr="0" dt="0"/>
+</p:sldLayout>
+</file>
+
+<file path=ppt/slideLayouts/slideLayout59.xml><?xml version="1.0" encoding="utf-8"?>
+<p:sldLayout xmlns:a="http://schemas.openxmlformats.org/drawingml/2006/main" xmlns:r="http://schemas.openxmlformats.org/officeDocument/2006/relationships" xmlns:p="http://schemas.openxmlformats.org/presentationml/2006/main" showMasterSp="0" type="picTx" preserve="1">
+  <p:cSld name="Picture with Caption">
+    <p:spTree>
+      <p:nvGrpSpPr>
+        <p:cNvPr id="1" name=""/>
+        <p:cNvGrpSpPr/>
+        <p:nvPr/>
+      </p:nvGrpSpPr>
+      <p:grpSpPr>
+        <a:xfrm>
+          <a:off x="0" y="0"/>
+          <a:ext cx="0" cy="0"/>
+          <a:chOff x="0" y="0"/>
+          <a:chExt cx="0" cy="0"/>
+        </a:xfrm>
+      </p:grpSpPr>
+      <p:sp>
+        <p:nvSpPr>
+          <p:cNvPr id="11" name="Rectangle 10"/>
+          <p:cNvSpPr/>
+          <p:nvPr/>
+        </p:nvSpPr>
+        <p:spPr>
+          <a:xfrm>
+            <a:off x="8303740" y="0"/>
+            <a:ext cx="3888259" cy="6857999"/>
+          </a:xfrm>
+          <a:prstGeom prst="rect">
+            <a:avLst/>
+          </a:prstGeom>
+          <a:blipFill dpi="0" rotWithShape="1">
+            <a:blip r:embed="rId2">
+              <a:alphaModFix amt="60000"/>
+              <a:lum bright="70000" contrast="-70000"/>
+              <a:extLst>
+                <a:ext uri="{BEBA8EAE-BF5A-486C-A8C5-ECC9F3942E4B}">
+                  <a14:imgProps xmlns:a14="http://schemas.microsoft.com/office/drawing/2010/main">
+                    <a14:imgLayer r:embed="rId3">
+                      <a14:imgEffect>
+                        <a14:sharpenSoften amount="61000"/>
+                      </a14:imgEffect>
+                    </a14:imgLayer>
+                  </a14:imgProps>
+                </a:ext>
+                <a:ext uri="{28A0092B-C50C-407E-A947-70E740481C1C}">
+                  <a14:useLocalDpi xmlns:a14="http://schemas.microsoft.com/office/drawing/2010/main" val="0"/>
+                </a:ext>
+              </a:extLst>
+            </a:blip>
+            <a:srcRect/>
+            <a:tile tx="0" ty="-704850" sx="92000" sy="89000" flip="xy" algn="ctr"/>
+          </a:blipFill>
+          <a:ln>
+            <a:noFill/>
+          </a:ln>
+        </p:spPr>
+        <p:style>
+          <a:lnRef idx="2">
+            <a:schemeClr val="accent1">
+              <a:shade val="50000"/>
+            </a:schemeClr>
+          </a:lnRef>
+          <a:fillRef idx="1">
+            <a:schemeClr val="accent1"/>
+          </a:fillRef>
+          <a:effectRef idx="0">
+            <a:schemeClr val="accent1"/>
+          </a:effectRef>
+          <a:fontRef idx="minor">
+            <a:schemeClr val="lt1"/>
+          </a:fontRef>
+        </p:style>
+      </p:sp>
+      <p:sp>
+        <p:nvSpPr>
+          <p:cNvPr id="2" name="Title 1"/>
+          <p:cNvSpPr>
+            <a:spLocks noGrp="1"/>
+          </p:cNvSpPr>
+          <p:nvPr>
+            <p:ph type="title"/>
+          </p:nvPr>
+        </p:nvSpPr>
+        <p:spPr>
+          <a:xfrm>
+            <a:off x="8549640" y="685800"/>
+            <a:ext cx="3200400" cy="1737360"/>
+          </a:xfrm>
+        </p:spPr>
+        <p:txBody>
+          <a:bodyPr anchor="b">
+            <a:normAutofit/>
+          </a:bodyPr>
+          <a:lstStyle>
+            <a:lvl1pPr>
+              <a:defRPr sz="3200" b="1"/>
+            </a:lvl1pPr>
+          </a:lstStyle>
+          <a:p>
+            <a:r>
+              <a:rPr lang="en-US"/>
+              <a:t>Click to edit Master title style</a:t>
+            </a:r>
+            <a:endParaRPr lang="en-US" dirty="0"/>
+          </a:p>
+        </p:txBody>
+      </p:sp>
+      <p:sp>
+        <p:nvSpPr>
+          <p:cNvPr id="3" name="Picture Placeholder 2"/>
+          <p:cNvSpPr>
+            <a:spLocks noGrp="1" noChangeAspect="1"/>
+          </p:cNvSpPr>
+          <p:nvPr>
+            <p:ph type="pic" idx="1"/>
+          </p:nvPr>
+        </p:nvSpPr>
+        <p:spPr>
+          <a:xfrm>
+            <a:off x="0" y="0"/>
+            <a:ext cx="8303740" cy="6858000"/>
+          </a:xfrm>
+          <a:solidFill>
+            <a:schemeClr val="tx2">
+              <a:lumMod val="20000"/>
+              <a:lumOff val="80000"/>
+            </a:schemeClr>
+          </a:solidFill>
+        </p:spPr>
+        <p:txBody>
+          <a:bodyPr anchor="t"/>
+          <a:lstStyle>
+            <a:lvl1pPr marL="0" indent="0">
+              <a:buNone/>
+              <a:defRPr sz="3200"/>
+            </a:lvl1pPr>
+            <a:lvl2pPr marL="457200" indent="0">
+              <a:buNone/>
+              <a:defRPr sz="2800"/>
+            </a:lvl2pPr>
+            <a:lvl3pPr marL="914400" indent="0">
+              <a:buNone/>
+              <a:defRPr sz="2400"/>
+            </a:lvl3pPr>
+            <a:lvl4pPr marL="1371600" indent="0">
+              <a:buNone/>
+              <a:defRPr sz="2000"/>
+            </a:lvl4pPr>
+            <a:lvl5pPr marL="1828800" indent="0">
+              <a:buNone/>
+              <a:defRPr sz="2000"/>
+            </a:lvl5pPr>
+            <a:lvl6pPr marL="2286000" indent="0">
+              <a:buNone/>
+              <a:defRPr sz="2000"/>
+            </a:lvl6pPr>
+            <a:lvl7pPr marL="2743200" indent="0">
+              <a:buNone/>
+              <a:defRPr sz="2000"/>
+            </a:lvl7pPr>
+            <a:lvl8pPr marL="3200400" indent="0">
+              <a:buNone/>
+              <a:defRPr sz="2000"/>
+            </a:lvl8pPr>
+            <a:lvl9pPr marL="3657600" indent="0">
+              <a:buNone/>
+              <a:defRPr sz="2000"/>
+            </a:lvl9pPr>
+          </a:lstStyle>
+          <a:p>
+            <a:r>
+              <a:rPr lang="en-US"/>
+              <a:t>Click icon to add picture</a:t>
+            </a:r>
+            <a:endParaRPr lang="en-US" dirty="0"/>
+          </a:p>
+        </p:txBody>
+      </p:sp>
+      <p:sp>
+        <p:nvSpPr>
+          <p:cNvPr id="4" name="Text Placeholder 3"/>
+          <p:cNvSpPr>
+            <a:spLocks noGrp="1"/>
+          </p:cNvSpPr>
+          <p:nvPr>
+            <p:ph type="body" sz="half" idx="2"/>
+          </p:nvPr>
+        </p:nvSpPr>
+        <p:spPr>
+          <a:xfrm>
+            <a:off x="8549640" y="2423160"/>
+            <a:ext cx="3200400" cy="3291840"/>
+          </a:xfrm>
+        </p:spPr>
+        <p:txBody>
+          <a:bodyPr>
+            <a:normAutofit/>
+          </a:bodyPr>
+          <a:lstStyle>
+            <a:lvl1pPr marL="0" indent="0">
+              <a:lnSpc>
+                <a:spcPct val="100000"/>
+              </a:lnSpc>
+              <a:spcBef>
+                <a:spcPts val="1000"/>
+              </a:spcBef>
+              <a:buNone/>
+              <a:defRPr sz="1400">
+                <a:solidFill>
+                  <a:schemeClr val="accent1">
+                    <a:lumMod val="75000"/>
+                  </a:schemeClr>
+                </a:solidFill>
+              </a:defRPr>
+            </a:lvl1pPr>
+            <a:lvl2pPr marL="457200" indent="0">
+              <a:buNone/>
+              <a:defRPr sz="1200"/>
+            </a:lvl2pPr>
+            <a:lvl3pPr marL="914400" indent="0">
+              <a:buNone/>
+              <a:defRPr sz="1000"/>
+            </a:lvl3pPr>
+            <a:lvl4pPr marL="1371600" indent="0">
+              <a:buNone/>
+              <a:defRPr sz="900"/>
+            </a:lvl4pPr>
+            <a:lvl5pPr marL="1828800" indent="0">
+              <a:buNone/>
+              <a:defRPr sz="900"/>
+            </a:lvl5pPr>
+            <a:lvl6pPr marL="2286000" indent="0">
+              <a:buNone/>
+              <a:defRPr sz="900"/>
+            </a:lvl6pPr>
+            <a:lvl7pPr marL="2743200" indent="0">
+              <a:buNone/>
+              <a:defRPr sz="900"/>
+            </a:lvl7pPr>
+            <a:lvl8pPr marL="3200400" indent="0">
+              <a:buNone/>
+              <a:defRPr sz="900"/>
+            </a:lvl8pPr>
+            <a:lvl9pPr marL="3657600" indent="0">
+              <a:buNone/>
+              <a:defRPr sz="900"/>
+            </a:lvl9pPr>
+          </a:lstStyle>
+          <a:p>
+            <a:pPr lvl="0"/>
+            <a:r>
+              <a:rPr lang="en-US"/>
+              <a:t>Click to edit Master text styles</a:t>
+            </a:r>
+          </a:p>
+        </p:txBody>
+      </p:sp>
+      <p:sp>
+        <p:nvSpPr>
+          <p:cNvPr id="5" name="Date Placeholder 4"/>
+          <p:cNvSpPr>
+            <a:spLocks noGrp="1"/>
+          </p:cNvSpPr>
+          <p:nvPr>
+            <p:ph type="dt" sz="half" idx="10"/>
+          </p:nvPr>
+        </p:nvSpPr>
+        <p:spPr/>
+        <p:txBody>
+          <a:bodyPr/>
+          <a:lstStyle/>
+          <a:p>
+            <a:fld id="{3772C379-9A7C-4C87-A116-CBE9F58B04C5}" type="datetimeFigureOut">
+              <a:rPr lang="en-US" dirty="0"/>
+              <a:t>3/16/2019</a:t>
+            </a:fld>
+            <a:endParaRPr lang="en-US" dirty="0"/>
+          </a:p>
+        </p:txBody>
+      </p:sp>
+      <p:grpSp>
+        <p:nvGrpSpPr>
+          <p:cNvPr id="8" name="Group 7"/>
+          <p:cNvGrpSpPr>
+            <a:grpSpLocks noChangeAspect="1"/>
+          </p:cNvGrpSpPr>
+          <p:nvPr/>
+        </p:nvGrpSpPr>
+        <p:grpSpPr>
+          <a:xfrm>
+            <a:off x="11401725" y="6229681"/>
+            <a:ext cx="457200" cy="457200"/>
+            <a:chOff x="11361456" y="6195813"/>
+            <a:chExt cx="548640" cy="548640"/>
+          </a:xfrm>
+        </p:grpSpPr>
+        <p:sp>
+          <p:nvSpPr>
+            <p:cNvPr id="9" name="Oval 8"/>
+            <p:cNvSpPr/>
+            <p:nvPr/>
+          </p:nvSpPr>
+          <p:spPr>
+            <a:xfrm>
+              <a:off x="11361456" y="6195813"/>
+              <a:ext cx="548640" cy="548640"/>
+            </a:xfrm>
+            <a:prstGeom prst="ellipse">
+              <a:avLst/>
+            </a:prstGeom>
+            <a:blipFill dpi="0" rotWithShape="1">
+              <a:blip r:embed="rId4">
+                <a:duotone>
+                  <a:schemeClr val="accent1">
+                    <a:shade val="45000"/>
+                    <a:satMod val="135000"/>
+                  </a:schemeClr>
+                  <a:prstClr val="white"/>
+                </a:duotone>
+                <a:extLst>
+                  <a:ext uri="{BEBA8EAE-BF5A-486C-A8C5-ECC9F3942E4B}">
+                    <a14:imgProps xmlns:a14="http://schemas.microsoft.com/office/drawing/2010/main">
+                      <a14:imgLayer r:embed="rId5">
+                        <a14:imgEffect>
+                          <a14:saturation sat="95000"/>
+                        </a14:imgEffect>
+                        <a14:imgEffect>
+                          <a14:brightnessContrast bright="-40000" contrast="20000"/>
+                        </a14:imgEffect>
+                      </a14:imgLayer>
+                    </a14:imgProps>
+                  </a:ext>
+                </a:extLst>
+              </a:blip>
+              <a:srcRect/>
+              <a:tile tx="50800" ty="0" sx="85000" sy="85000" flip="none" algn="tl"/>
+            </a:blipFill>
+            <a:ln w="25400" cap="flat" cmpd="sng" algn="ctr">
+              <a:noFill/>
+              <a:prstDash val="solid"/>
+            </a:ln>
+            <a:effectLst/>
+          </p:spPr>
+        </p:sp>
+        <p:sp>
+          <p:nvSpPr>
+            <p:cNvPr id="10" name="Oval 9"/>
+            <p:cNvSpPr/>
+            <p:nvPr/>
+          </p:nvSpPr>
+          <p:spPr>
+            <a:xfrm>
+              <a:off x="11396488" y="6230844"/>
+              <a:ext cx="478576" cy="478578"/>
+            </a:xfrm>
+            <a:prstGeom prst="ellipse">
+              <a:avLst/>
+            </a:prstGeom>
+            <a:noFill/>
+            <a:ln w="12700" cap="flat" cmpd="sng" algn="ctr">
+              <a:solidFill>
+                <a:sysClr val="window" lastClr="FFFFFF"/>
+              </a:solidFill>
+              <a:prstDash val="solid"/>
+            </a:ln>
+            <a:effectLst/>
+          </p:spPr>
+        </p:sp>
+      </p:grpSp>
+      <p:sp>
+        <p:nvSpPr>
+          <p:cNvPr id="7" name="Slide Number Placeholder 6"/>
+          <p:cNvSpPr>
+            <a:spLocks noGrp="1"/>
+          </p:cNvSpPr>
+          <p:nvPr>
+            <p:ph type="sldNum" sz="quarter" idx="12"/>
+          </p:nvPr>
+        </p:nvSpPr>
+        <p:spPr/>
+        <p:txBody>
+          <a:bodyPr/>
+          <a:lstStyle/>
+          <a:p>
+            <a:fld id="{4FAB73BC-B049-4115-A692-8D63A059BFB8}" type="slidenum">
+              <a:rPr lang="en-US" dirty="0"/>
+              <a:t>‹#›</a:t>
+            </a:fld>
+            <a:endParaRPr lang="en-US" dirty="0"/>
+          </a:p>
+        </p:txBody>
+      </p:sp>
+    </p:spTree>
+    <p:extLst>
+      <p:ext uri="{BB962C8B-B14F-4D97-AF65-F5344CB8AC3E}">
+        <p14:creationId xmlns:p14="http://schemas.microsoft.com/office/powerpoint/2010/main" val="1534739985"/>
+      </p:ext>
+    </p:extLst>
+  </p:cSld>
+  <p:clrMapOvr>
+    <a:masterClrMapping/>
+  </p:clrMapOvr>
+  <p:hf sldNum="0" hdr="0" ftr="0" dt="0"/>
+</p:sldLayout>
+</file>
+
 <file path=ppt/slideLayouts/slideLayout6.xml><?xml version="1.0" encoding="utf-8"?>
 <p:sldLayout xmlns:a="http://schemas.openxmlformats.org/drawingml/2006/main" xmlns:r="http://schemas.openxmlformats.org/officeDocument/2006/relationships" xmlns:p="http://schemas.openxmlformats.org/presentationml/2006/main" preserve="1" userDrawn="1">
   <p:cSld name="Title and Content">
@@ -10337,6 +13227,594 @@
         <p15:guide id="5" orient="horz" pos="904" userDrawn="1">
           <p15:clr>
             <a:srgbClr val="5ACBF0"/>
+          </p15:clr>
+        </p15:guide>
+      </p15:sldGuideLst>
+    </p:ext>
+  </p:extLst>
+</p:sldLayout>
+</file>
+
+<file path=ppt/slideLayouts/slideLayout60.xml><?xml version="1.0" encoding="utf-8"?>
+<p:sldLayout xmlns:a="http://schemas.openxmlformats.org/drawingml/2006/main" xmlns:r="http://schemas.openxmlformats.org/officeDocument/2006/relationships" xmlns:p="http://schemas.openxmlformats.org/presentationml/2006/main" type="vertTx" preserve="1">
+  <p:cSld name="Title and Vertical Text">
+    <p:spTree>
+      <p:nvGrpSpPr>
+        <p:cNvPr id="1" name=""/>
+        <p:cNvGrpSpPr/>
+        <p:nvPr/>
+      </p:nvGrpSpPr>
+      <p:grpSpPr>
+        <a:xfrm>
+          <a:off x="0" y="0"/>
+          <a:ext cx="0" cy="0"/>
+          <a:chOff x="0" y="0"/>
+          <a:chExt cx="0" cy="0"/>
+        </a:xfrm>
+      </p:grpSpPr>
+      <p:sp>
+        <p:nvSpPr>
+          <p:cNvPr id="2" name="Title 1"/>
+          <p:cNvSpPr>
+            <a:spLocks noGrp="1"/>
+          </p:cNvSpPr>
+          <p:nvPr>
+            <p:ph type="title"/>
+          </p:nvPr>
+        </p:nvSpPr>
+        <p:spPr/>
+        <p:txBody>
+          <a:bodyPr/>
+          <a:lstStyle/>
+          <a:p>
+            <a:r>
+              <a:rPr lang="en-US"/>
+              <a:t>Click to edit Master title style</a:t>
+            </a:r>
+            <a:endParaRPr lang="en-US" dirty="0"/>
+          </a:p>
+        </p:txBody>
+      </p:sp>
+      <p:sp>
+        <p:nvSpPr>
+          <p:cNvPr id="3" name="Vertical Text Placeholder 2"/>
+          <p:cNvSpPr>
+            <a:spLocks noGrp="1"/>
+          </p:cNvSpPr>
+          <p:nvPr>
+            <p:ph type="body" orient="vert" idx="1"/>
+          </p:nvPr>
+        </p:nvSpPr>
+        <p:spPr/>
+        <p:txBody>
+          <a:bodyPr vert="eaVert"/>
+          <a:lstStyle/>
+          <a:p>
+            <a:pPr lvl="0"/>
+            <a:r>
+              <a:rPr lang="en-US"/>
+              <a:t>Click to edit Master text styles</a:t>
+            </a:r>
+          </a:p>
+          <a:p>
+            <a:pPr lvl="1"/>
+            <a:r>
+              <a:rPr lang="en-US"/>
+              <a:t>Second level</a:t>
+            </a:r>
+          </a:p>
+          <a:p>
+            <a:pPr lvl="2"/>
+            <a:r>
+              <a:rPr lang="en-US"/>
+              <a:t>Third level</a:t>
+            </a:r>
+          </a:p>
+          <a:p>
+            <a:pPr lvl="3"/>
+            <a:r>
+              <a:rPr lang="en-US"/>
+              <a:t>Fourth level</a:t>
+            </a:r>
+          </a:p>
+          <a:p>
+            <a:pPr lvl="4"/>
+            <a:r>
+              <a:rPr lang="en-US"/>
+              <a:t>Fifth level</a:t>
+            </a:r>
+            <a:endParaRPr lang="en-US" dirty="0"/>
+          </a:p>
+        </p:txBody>
+      </p:sp>
+      <p:sp>
+        <p:nvSpPr>
+          <p:cNvPr id="4" name="Date Placeholder 3"/>
+          <p:cNvSpPr>
+            <a:spLocks noGrp="1"/>
+          </p:cNvSpPr>
+          <p:nvPr>
+            <p:ph type="dt" sz="half" idx="10"/>
+          </p:nvPr>
+        </p:nvSpPr>
+        <p:spPr/>
+        <p:txBody>
+          <a:bodyPr/>
+          <a:lstStyle/>
+          <a:p>
+            <a:fld id="{87157CC2-0FC8-4686-B024-99790E0F5162}" type="datetimeFigureOut">
+              <a:rPr lang="en-US" dirty="0"/>
+              <a:t>3/16/2019</a:t>
+            </a:fld>
+            <a:endParaRPr lang="en-US" dirty="0"/>
+          </a:p>
+        </p:txBody>
+      </p:sp>
+      <p:sp>
+        <p:nvSpPr>
+          <p:cNvPr id="5" name="Footer Placeholder 4"/>
+          <p:cNvSpPr>
+            <a:spLocks noGrp="1"/>
+          </p:cNvSpPr>
+          <p:nvPr>
+            <p:ph type="ftr" sz="quarter" idx="11"/>
+          </p:nvPr>
+        </p:nvSpPr>
+        <p:spPr/>
+        <p:txBody>
+          <a:bodyPr/>
+          <a:lstStyle/>
+          <a:p>
+            <a:endParaRPr lang="en-US" dirty="0"/>
+          </a:p>
+        </p:txBody>
+      </p:sp>
+      <p:sp>
+        <p:nvSpPr>
+          <p:cNvPr id="6" name="Slide Number Placeholder 5"/>
+          <p:cNvSpPr>
+            <a:spLocks noGrp="1"/>
+          </p:cNvSpPr>
+          <p:nvPr>
+            <p:ph type="sldNum" sz="quarter" idx="12"/>
+          </p:nvPr>
+        </p:nvSpPr>
+        <p:spPr/>
+        <p:txBody>
+          <a:bodyPr/>
+          <a:lstStyle/>
+          <a:p>
+            <a:fld id="{4FAB73BC-B049-4115-A692-8D63A059BFB8}" type="slidenum">
+              <a:rPr lang="en-US" dirty="0"/>
+              <a:t>‹#›</a:t>
+            </a:fld>
+            <a:endParaRPr lang="en-US" dirty="0"/>
+          </a:p>
+        </p:txBody>
+      </p:sp>
+    </p:spTree>
+    <p:extLst>
+      <p:ext uri="{BB962C8B-B14F-4D97-AF65-F5344CB8AC3E}">
+        <p14:creationId xmlns:p14="http://schemas.microsoft.com/office/powerpoint/2010/main" val="553069478"/>
+      </p:ext>
+    </p:extLst>
+  </p:cSld>
+  <p:clrMapOvr>
+    <a:masterClrMapping/>
+  </p:clrMapOvr>
+  <p:hf sldNum="0" hdr="0" ftr="0" dt="0"/>
+</p:sldLayout>
+</file>
+
+<file path=ppt/slideLayouts/slideLayout61.xml><?xml version="1.0" encoding="utf-8"?>
+<p:sldLayout xmlns:a="http://schemas.openxmlformats.org/drawingml/2006/main" xmlns:r="http://schemas.openxmlformats.org/officeDocument/2006/relationships" xmlns:p="http://schemas.openxmlformats.org/presentationml/2006/main" type="vertTitleAndTx" preserve="1">
+  <p:cSld name="Vertical Title and Text">
+    <p:spTree>
+      <p:nvGrpSpPr>
+        <p:cNvPr id="1" name=""/>
+        <p:cNvGrpSpPr/>
+        <p:nvPr/>
+      </p:nvGrpSpPr>
+      <p:grpSpPr>
+        <a:xfrm>
+          <a:off x="0" y="0"/>
+          <a:ext cx="0" cy="0"/>
+          <a:chOff x="0" y="0"/>
+          <a:chExt cx="0" cy="0"/>
+        </a:xfrm>
+      </p:grpSpPr>
+      <p:sp>
+        <p:nvSpPr>
+          <p:cNvPr id="2" name="Vertical Title 1"/>
+          <p:cNvSpPr>
+            <a:spLocks noGrp="1"/>
+          </p:cNvSpPr>
+          <p:nvPr>
+            <p:ph type="title" orient="vert"/>
+          </p:nvPr>
+        </p:nvSpPr>
+        <p:spPr>
+          <a:xfrm>
+            <a:off x="8724900" y="533400"/>
+            <a:ext cx="2552700" cy="5638800"/>
+          </a:xfrm>
+        </p:spPr>
+        <p:txBody>
+          <a:bodyPr vert="eaVert"/>
+          <a:lstStyle/>
+          <a:p>
+            <a:r>
+              <a:rPr lang="en-US"/>
+              <a:t>Click to edit Master title style</a:t>
+            </a:r>
+            <a:endParaRPr lang="en-US" dirty="0"/>
+          </a:p>
+        </p:txBody>
+      </p:sp>
+      <p:sp>
+        <p:nvSpPr>
+          <p:cNvPr id="3" name="Vertical Text Placeholder 2"/>
+          <p:cNvSpPr>
+            <a:spLocks noGrp="1"/>
+          </p:cNvSpPr>
+          <p:nvPr>
+            <p:ph type="body" orient="vert" idx="1"/>
+          </p:nvPr>
+        </p:nvSpPr>
+        <p:spPr>
+          <a:xfrm>
+            <a:off x="1066800" y="533400"/>
+            <a:ext cx="7505700" cy="5638800"/>
+          </a:xfrm>
+        </p:spPr>
+        <p:txBody>
+          <a:bodyPr vert="eaVert"/>
+          <a:lstStyle/>
+          <a:p>
+            <a:pPr lvl="0"/>
+            <a:r>
+              <a:rPr lang="en-US"/>
+              <a:t>Click to edit Master text styles</a:t>
+            </a:r>
+          </a:p>
+          <a:p>
+            <a:pPr lvl="1"/>
+            <a:r>
+              <a:rPr lang="en-US"/>
+              <a:t>Second level</a:t>
+            </a:r>
+          </a:p>
+          <a:p>
+            <a:pPr lvl="2"/>
+            <a:r>
+              <a:rPr lang="en-US"/>
+              <a:t>Third level</a:t>
+            </a:r>
+          </a:p>
+          <a:p>
+            <a:pPr lvl="3"/>
+            <a:r>
+              <a:rPr lang="en-US"/>
+              <a:t>Fourth level</a:t>
+            </a:r>
+          </a:p>
+          <a:p>
+            <a:pPr lvl="4"/>
+            <a:r>
+              <a:rPr lang="en-US"/>
+              <a:t>Fifth level</a:t>
+            </a:r>
+            <a:endParaRPr lang="en-US" dirty="0"/>
+          </a:p>
+        </p:txBody>
+      </p:sp>
+      <p:sp>
+        <p:nvSpPr>
+          <p:cNvPr id="4" name="Date Placeholder 3"/>
+          <p:cNvSpPr>
+            <a:spLocks noGrp="1"/>
+          </p:cNvSpPr>
+          <p:nvPr>
+            <p:ph type="dt" sz="half" idx="10"/>
+          </p:nvPr>
+        </p:nvSpPr>
+        <p:spPr/>
+        <p:txBody>
+          <a:bodyPr/>
+          <a:lstStyle/>
+          <a:p>
+            <a:fld id="{F6764DA5-CD3D-4590-A511-FCD3BC7A793E}" type="datetimeFigureOut">
+              <a:rPr lang="en-US" dirty="0"/>
+              <a:t>3/16/2019</a:t>
+            </a:fld>
+            <a:endParaRPr lang="en-US" dirty="0"/>
+          </a:p>
+        </p:txBody>
+      </p:sp>
+      <p:sp>
+        <p:nvSpPr>
+          <p:cNvPr id="5" name="Footer Placeholder 4"/>
+          <p:cNvSpPr>
+            <a:spLocks noGrp="1"/>
+          </p:cNvSpPr>
+          <p:nvPr>
+            <p:ph type="ftr" sz="quarter" idx="11"/>
+          </p:nvPr>
+        </p:nvSpPr>
+        <p:spPr/>
+        <p:txBody>
+          <a:bodyPr/>
+          <a:lstStyle/>
+          <a:p>
+            <a:endParaRPr lang="en-US" dirty="0"/>
+          </a:p>
+        </p:txBody>
+      </p:sp>
+      <p:sp>
+        <p:nvSpPr>
+          <p:cNvPr id="6" name="Slide Number Placeholder 5"/>
+          <p:cNvSpPr>
+            <a:spLocks noGrp="1"/>
+          </p:cNvSpPr>
+          <p:nvPr>
+            <p:ph type="sldNum" sz="quarter" idx="12"/>
+          </p:nvPr>
+        </p:nvSpPr>
+        <p:spPr/>
+        <p:txBody>
+          <a:bodyPr/>
+          <a:lstStyle/>
+          <a:p>
+            <a:fld id="{4FAB73BC-B049-4115-A692-8D63A059BFB8}" type="slidenum">
+              <a:rPr lang="en-US" dirty="0"/>
+              <a:t>‹#›</a:t>
+            </a:fld>
+            <a:endParaRPr lang="en-US" dirty="0"/>
+          </a:p>
+        </p:txBody>
+      </p:sp>
+    </p:spTree>
+    <p:extLst>
+      <p:ext uri="{BB962C8B-B14F-4D97-AF65-F5344CB8AC3E}">
+        <p14:creationId xmlns:p14="http://schemas.microsoft.com/office/powerpoint/2010/main" val="646797014"/>
+      </p:ext>
+    </p:extLst>
+  </p:cSld>
+  <p:clrMapOvr>
+    <a:masterClrMapping/>
+  </p:clrMapOvr>
+  <p:hf sldNum="0" hdr="0" ftr="0" dt="0"/>
+</p:sldLayout>
+</file>
+
+<file path=ppt/slideLayouts/slideLayout62.xml><?xml version="1.0" encoding="utf-8"?>
+<p:sldLayout xmlns:a="http://schemas.openxmlformats.org/drawingml/2006/main" xmlns:r="http://schemas.openxmlformats.org/officeDocument/2006/relationships" xmlns:p="http://schemas.openxmlformats.org/presentationml/2006/main" userDrawn="1">
+  <p:cSld name="1_Title Slide">
+    <p:bg>
+      <p:bgPr>
+        <a:solidFill>
+          <a:srgbClr val="D2D2D2"/>
+        </a:solidFill>
+        <a:effectLst/>
+      </p:bgPr>
+    </p:bg>
+    <p:spTree>
+      <p:nvGrpSpPr>
+        <p:cNvPr id="1" name=""/>
+        <p:cNvGrpSpPr/>
+        <p:nvPr/>
+      </p:nvGrpSpPr>
+      <p:grpSpPr>
+        <a:xfrm>
+          <a:off x="0" y="0"/>
+          <a:ext cx="0" cy="0"/>
+          <a:chOff x="0" y="0"/>
+          <a:chExt cx="0" cy="0"/>
+        </a:xfrm>
+      </p:grpSpPr>
+      <p:sp>
+        <p:nvSpPr>
+          <p:cNvPr id="9" name="Title 1"/>
+          <p:cNvSpPr>
+            <a:spLocks noGrp="1"/>
+          </p:cNvSpPr>
+          <p:nvPr>
+            <p:ph type="title" hasCustomPrompt="1"/>
+          </p:nvPr>
+        </p:nvSpPr>
+        <p:spPr>
+          <a:xfrm>
+            <a:off x="584200" y="2979778"/>
+            <a:ext cx="4572000" cy="553998"/>
+          </a:xfrm>
+          <a:noFill/>
+        </p:spPr>
+        <p:txBody>
+          <a:bodyPr lIns="0" tIns="0" rIns="0" bIns="0" anchor="b" anchorCtr="0">
+            <a:spAutoFit/>
+          </a:bodyPr>
+          <a:lstStyle>
+            <a:lvl1pPr>
+              <a:defRPr sz="3600" spc="-50" baseline="0">
+                <a:gradFill>
+                  <a:gsLst>
+                    <a:gs pos="62564">
+                      <a:schemeClr val="tx1"/>
+                    </a:gs>
+                    <a:gs pos="55000">
+                      <a:schemeClr val="tx1"/>
+                    </a:gs>
+                  </a:gsLst>
+                  <a:lin ang="5400000" scaled="0"/>
+                </a:gradFill>
+                <a:latin typeface="+mj-lt"/>
+                <a:cs typeface="Segoe UI" panose="020B0502040204020203" pitchFamily="34" charset="0"/>
+              </a:defRPr>
+            </a:lvl1pPr>
+          </a:lstStyle>
+          <a:p>
+            <a:r>
+              <a:rPr lang="en-US" dirty="0"/>
+              <a:t>Event name or presentation title </a:t>
+            </a:r>
+          </a:p>
+        </p:txBody>
+      </p:sp>
+      <p:sp>
+        <p:nvSpPr>
+          <p:cNvPr id="5" name="Text Placeholder 4"/>
+          <p:cNvSpPr>
+            <a:spLocks noGrp="1"/>
+          </p:cNvSpPr>
+          <p:nvPr>
+            <p:ph type="body" sz="quarter" idx="12" hasCustomPrompt="1"/>
+          </p:nvPr>
+        </p:nvSpPr>
+        <p:spPr>
+          <a:xfrm>
+            <a:off x="584200" y="4113102"/>
+            <a:ext cx="4572000" cy="307777"/>
+          </a:xfrm>
+          <a:noFill/>
+        </p:spPr>
+        <p:txBody>
+          <a:bodyPr wrap="square" lIns="0" tIns="0" rIns="0" bIns="0">
+            <a:spAutoFit/>
+          </a:bodyPr>
+          <a:lstStyle>
+            <a:lvl1pPr marL="0" indent="0">
+              <a:spcBef>
+                <a:spcPts val="0"/>
+              </a:spcBef>
+              <a:buNone/>
+              <a:defRPr sz="2000" spc="0" baseline="0">
+                <a:gradFill>
+                  <a:gsLst>
+                    <a:gs pos="91000">
+                      <a:schemeClr val="tx1"/>
+                    </a:gs>
+                    <a:gs pos="0">
+                      <a:schemeClr val="tx1"/>
+                    </a:gs>
+                  </a:gsLst>
+                  <a:lin ang="5400000" scaled="0"/>
+                </a:gradFill>
+                <a:latin typeface="+mn-lt"/>
+                <a:cs typeface="Segoe UI" panose="020B0502040204020203" pitchFamily="34" charset="0"/>
+              </a:defRPr>
+            </a:lvl1pPr>
+          </a:lstStyle>
+          <a:p>
+            <a:pPr lvl="0"/>
+            <a:r>
+              <a:rPr lang="en-US" dirty="0"/>
+              <a:t>Date or subtitle text</a:t>
+            </a:r>
+          </a:p>
+        </p:txBody>
+      </p:sp>
+      <p:sp>
+        <p:nvSpPr>
+          <p:cNvPr id="7" name="Text Placeholder 4">
+            <a:extLst>
+              <a:ext uri="{FF2B5EF4-FFF2-40B4-BE49-F238E27FC236}">
+                <a16:creationId xmlns:a16="http://schemas.microsoft.com/office/drawing/2014/main" id="{FCAE32C9-8349-4DBF-AB2D-ED74AA8FF706}"/>
+              </a:ext>
+            </a:extLst>
+          </p:cNvPr>
+          <p:cNvSpPr>
+            <a:spLocks noGrp="1"/>
+          </p:cNvSpPr>
+          <p:nvPr>
+            <p:ph type="body" sz="quarter" idx="13" hasCustomPrompt="1"/>
+          </p:nvPr>
+        </p:nvSpPr>
+        <p:spPr>
+          <a:xfrm>
+            <a:off x="584200" y="3805325"/>
+            <a:ext cx="4572000" cy="307777"/>
+          </a:xfrm>
+          <a:noFill/>
+        </p:spPr>
+        <p:txBody>
+          <a:bodyPr wrap="square" lIns="0" tIns="0" rIns="0" bIns="0">
+            <a:spAutoFit/>
+          </a:bodyPr>
+          <a:lstStyle>
+            <a:lvl1pPr marL="0" indent="0">
+              <a:spcBef>
+                <a:spcPts val="0"/>
+              </a:spcBef>
+              <a:buNone/>
+              <a:defRPr sz="2000" spc="0" baseline="0">
+                <a:gradFill>
+                  <a:gsLst>
+                    <a:gs pos="91000">
+                      <a:schemeClr val="tx1"/>
+                    </a:gs>
+                    <a:gs pos="0">
+                      <a:schemeClr val="tx1"/>
+                    </a:gs>
+                  </a:gsLst>
+                  <a:lin ang="5400000" scaled="0"/>
+                </a:gradFill>
+                <a:latin typeface="+mn-lt"/>
+                <a:cs typeface="Segoe UI" panose="020B0502040204020203" pitchFamily="34" charset="0"/>
+              </a:defRPr>
+            </a:lvl1pPr>
+          </a:lstStyle>
+          <a:p>
+            <a:pPr lvl="0"/>
+            <a:r>
+              <a:rPr lang="en-US" dirty="0"/>
+              <a:t>Speaker name</a:t>
+            </a:r>
+          </a:p>
+        </p:txBody>
+      </p:sp>
+    </p:spTree>
+    <p:extLst>
+      <p:ext uri="{BB962C8B-B14F-4D97-AF65-F5344CB8AC3E}">
+        <p14:creationId xmlns:p14="http://schemas.microsoft.com/office/powerpoint/2010/main" val="3149816823"/>
+      </p:ext>
+    </p:extLst>
+  </p:cSld>
+  <p:clrMapOvr>
+    <a:overrideClrMapping bg1="lt1" tx1="dk1" bg2="lt2" tx2="dk2" accent1="accent1" accent2="accent2" accent3="accent3" accent4="accent4" accent5="accent5" accent6="accent6" hlink="hlink" folHlink="folHlink"/>
+  </p:clrMapOvr>
+  <mc:AlternateContent xmlns:mc="http://schemas.openxmlformats.org/markup-compatibility/2006" xmlns:p14="http://schemas.microsoft.com/office/powerpoint/2010/main">
+    <mc:Choice Requires="p14">
+      <p:transition spd="med" p14:dur="700">
+        <p:fade/>
+      </p:transition>
+    </mc:Choice>
+    <mc:Fallback xmlns="">
+      <p:transition spd="med">
+        <p:fade/>
+      </p:transition>
+    </mc:Fallback>
+  </mc:AlternateContent>
+  <p:extLst mod="1">
+    <p:ext uri="{DCECCB84-F9BA-43D5-87BE-67443E8EF086}">
+      <p15:sldGuideLst xmlns:p15="http://schemas.microsoft.com/office/powerpoint/2012/main">
+        <p15:guide id="1" orient="horz" pos="2228">
+          <p15:clr>
+            <a:srgbClr val="5ACBF0"/>
+          </p15:clr>
+        </p15:guide>
+        <p15:guide id="2" orient="horz" pos="2496">
+          <p15:clr>
+            <a:srgbClr val="5ACBF0"/>
+          </p15:clr>
+        </p15:guide>
+        <p15:guide id="3" pos="6132">
+          <p15:clr>
+            <a:srgbClr val="5ACBF0"/>
+          </p15:clr>
+        </p15:guide>
+        <p15:guide id="4" orient="horz" pos="2160">
+          <p15:clr>
+            <a:srgbClr val="FBAE40"/>
           </p15:clr>
         </p15:guide>
       </p15:sldGuideLst>
@@ -15576,6 +19054,2614 @@
 </p:sldMaster>
 </file>
 
+<file path=ppt/slideMasters/slideMaster3.xml><?xml version="1.0" encoding="utf-8"?>
+<p:sldMaster xmlns:a="http://schemas.openxmlformats.org/drawingml/2006/main" xmlns:r="http://schemas.openxmlformats.org/officeDocument/2006/relationships" xmlns:p="http://schemas.openxmlformats.org/presentationml/2006/main">
+  <p:cSld>
+    <p:bg>
+      <p:bgRef idx="1001">
+        <a:schemeClr val="bg1"/>
+      </p:bgRef>
+    </p:bg>
+    <p:spTree>
+      <p:nvGrpSpPr>
+        <p:cNvPr id="1" name=""/>
+        <p:cNvGrpSpPr/>
+        <p:nvPr/>
+      </p:nvGrpSpPr>
+      <p:grpSpPr>
+        <a:xfrm>
+          <a:off x="0" y="0"/>
+          <a:ext cx="0" cy="0"/>
+          <a:chOff x="0" y="0"/>
+          <a:chExt cx="0" cy="0"/>
+        </a:xfrm>
+      </p:grpSpPr>
+      <p:sp>
+        <p:nvSpPr>
+          <p:cNvPr id="2" name="Title Placeholder 1"/>
+          <p:cNvSpPr>
+            <a:spLocks noGrp="1"/>
+          </p:cNvSpPr>
+          <p:nvPr>
+            <p:ph type="title"/>
+          </p:nvPr>
+        </p:nvSpPr>
+        <p:spPr>
+          <a:xfrm>
+            <a:off x="1069848" y="484632"/>
+            <a:ext cx="10058400" cy="1609344"/>
+          </a:xfrm>
+          <a:prstGeom prst="rect">
+            <a:avLst/>
+          </a:prstGeom>
+        </p:spPr>
+        <p:txBody>
+          <a:bodyPr vert="horz" lIns="91440" tIns="45720" rIns="91440" bIns="45720" rtlCol="0" anchor="ctr">
+            <a:normAutofit/>
+          </a:bodyPr>
+          <a:lstStyle/>
+          <a:p>
+            <a:r>
+              <a:rPr lang="en-US"/>
+              <a:t>Click to edit Master title style</a:t>
+            </a:r>
+            <a:endParaRPr lang="en-US" dirty="0"/>
+          </a:p>
+        </p:txBody>
+      </p:sp>
+      <p:sp>
+        <p:nvSpPr>
+          <p:cNvPr id="3" name="Text Placeholder 2"/>
+          <p:cNvSpPr>
+            <a:spLocks noGrp="1"/>
+          </p:cNvSpPr>
+          <p:nvPr>
+            <p:ph type="body" idx="1"/>
+          </p:nvPr>
+        </p:nvSpPr>
+        <p:spPr>
+          <a:xfrm>
+            <a:off x="1069848" y="2121408"/>
+            <a:ext cx="10058400" cy="4050792"/>
+          </a:xfrm>
+          <a:prstGeom prst="rect">
+            <a:avLst/>
+          </a:prstGeom>
+        </p:spPr>
+        <p:txBody>
+          <a:bodyPr vert="horz" lIns="91440" tIns="45720" rIns="91440" bIns="45720" rtlCol="0">
+            <a:normAutofit/>
+          </a:bodyPr>
+          <a:lstStyle/>
+          <a:p>
+            <a:pPr lvl="0"/>
+            <a:r>
+              <a:rPr lang="en-US"/>
+              <a:t>Click to edit Master text styles</a:t>
+            </a:r>
+          </a:p>
+          <a:p>
+            <a:pPr lvl="1"/>
+            <a:r>
+              <a:rPr lang="en-US"/>
+              <a:t>Second level</a:t>
+            </a:r>
+          </a:p>
+          <a:p>
+            <a:pPr lvl="2"/>
+            <a:r>
+              <a:rPr lang="en-US"/>
+              <a:t>Third level</a:t>
+            </a:r>
+          </a:p>
+          <a:p>
+            <a:pPr lvl="3"/>
+            <a:r>
+              <a:rPr lang="en-US"/>
+              <a:t>Fourth level</a:t>
+            </a:r>
+          </a:p>
+          <a:p>
+            <a:pPr lvl="4"/>
+            <a:r>
+              <a:rPr lang="en-US"/>
+              <a:t>Fifth level</a:t>
+            </a:r>
+            <a:endParaRPr lang="en-US" dirty="0"/>
+          </a:p>
+        </p:txBody>
+      </p:sp>
+      <p:sp>
+        <p:nvSpPr>
+          <p:cNvPr id="4" name="Date Placeholder 3"/>
+          <p:cNvSpPr>
+            <a:spLocks noGrp="1"/>
+          </p:cNvSpPr>
+          <p:nvPr>
+            <p:ph type="dt" sz="half" idx="2"/>
+          </p:nvPr>
+        </p:nvSpPr>
+        <p:spPr>
+          <a:xfrm>
+            <a:off x="7964424" y="6272784"/>
+            <a:ext cx="3273552" cy="365125"/>
+          </a:xfrm>
+          <a:prstGeom prst="rect">
+            <a:avLst/>
+          </a:prstGeom>
+        </p:spPr>
+        <p:txBody>
+          <a:bodyPr vert="horz" lIns="91440" tIns="45720" rIns="91440" bIns="45720" rtlCol="0" anchor="ctr"/>
+          <a:lstStyle>
+            <a:lvl1pPr algn="r">
+              <a:defRPr sz="1100">
+                <a:solidFill>
+                  <a:schemeClr val="tx2"/>
+                </a:solidFill>
+              </a:defRPr>
+            </a:lvl1pPr>
+          </a:lstStyle>
+          <a:p>
+            <a:fld id="{8664C608-40B1-4030-A28D-5B74BC98ADCE}" type="datetimeFigureOut">
+              <a:rPr lang="en-US" dirty="0"/>
+              <a:t>3/16/2019</a:t>
+            </a:fld>
+            <a:endParaRPr lang="en-US" dirty="0"/>
+          </a:p>
+        </p:txBody>
+      </p:sp>
+      <p:sp>
+        <p:nvSpPr>
+          <p:cNvPr id="5" name="Footer Placeholder 4"/>
+          <p:cNvSpPr>
+            <a:spLocks noGrp="1"/>
+          </p:cNvSpPr>
+          <p:nvPr>
+            <p:ph type="ftr" sz="quarter" idx="3"/>
+          </p:nvPr>
+        </p:nvSpPr>
+        <p:spPr>
+          <a:xfrm>
+            <a:off x="1088136" y="6272784"/>
+            <a:ext cx="6327648" cy="365125"/>
+          </a:xfrm>
+          <a:prstGeom prst="rect">
+            <a:avLst/>
+          </a:prstGeom>
+        </p:spPr>
+        <p:txBody>
+          <a:bodyPr vert="horz" lIns="91440" tIns="45720" rIns="91440" bIns="45720" rtlCol="0" anchor="ctr"/>
+          <a:lstStyle>
+            <a:lvl1pPr algn="l">
+              <a:defRPr sz="1100">
+                <a:solidFill>
+                  <a:schemeClr val="tx2"/>
+                </a:solidFill>
+              </a:defRPr>
+            </a:lvl1pPr>
+          </a:lstStyle>
+          <a:p>
+            <a:endParaRPr lang="en-US" dirty="0"/>
+          </a:p>
+        </p:txBody>
+      </p:sp>
+      <p:grpSp>
+        <p:nvGrpSpPr>
+          <p:cNvPr id="7" name="Group 6"/>
+          <p:cNvGrpSpPr>
+            <a:grpSpLocks noChangeAspect="1"/>
+          </p:cNvGrpSpPr>
+          <p:nvPr/>
+        </p:nvGrpSpPr>
+        <p:grpSpPr>
+          <a:xfrm>
+            <a:off x="11401725" y="6229681"/>
+            <a:ext cx="457200" cy="457200"/>
+            <a:chOff x="11361456" y="6195813"/>
+            <a:chExt cx="548640" cy="548640"/>
+          </a:xfrm>
+        </p:grpSpPr>
+        <p:sp>
+          <p:nvSpPr>
+            <p:cNvPr id="8" name="Oval 7"/>
+            <p:cNvSpPr/>
+            <p:nvPr/>
+          </p:nvSpPr>
+          <p:spPr>
+            <a:xfrm>
+              <a:off x="11361456" y="6195813"/>
+              <a:ext cx="548640" cy="548640"/>
+            </a:xfrm>
+            <a:prstGeom prst="ellipse">
+              <a:avLst/>
+            </a:prstGeom>
+            <a:blipFill dpi="0" rotWithShape="1">
+              <a:blip r:embed="rId14">
+                <a:duotone>
+                  <a:schemeClr val="accent1">
+                    <a:shade val="45000"/>
+                    <a:satMod val="135000"/>
+                  </a:schemeClr>
+                  <a:prstClr val="white"/>
+                </a:duotone>
+                <a:extLst>
+                  <a:ext uri="{BEBA8EAE-BF5A-486C-A8C5-ECC9F3942E4B}">
+                    <a14:imgProps xmlns:a14="http://schemas.microsoft.com/office/drawing/2010/main">
+                      <a14:imgLayer r:embed="rId15">
+                        <a14:imgEffect>
+                          <a14:saturation sat="95000"/>
+                        </a14:imgEffect>
+                        <a14:imgEffect>
+                          <a14:brightnessContrast bright="-40000" contrast="20000"/>
+                        </a14:imgEffect>
+                      </a14:imgLayer>
+                    </a14:imgProps>
+                  </a:ext>
+                </a:extLst>
+              </a:blip>
+              <a:srcRect/>
+              <a:tile tx="50800" ty="0" sx="85000" sy="85000" flip="none" algn="tl"/>
+            </a:blipFill>
+            <a:ln w="25400" cap="flat" cmpd="sng" algn="ctr">
+              <a:noFill/>
+              <a:prstDash val="solid"/>
+            </a:ln>
+            <a:effectLst/>
+          </p:spPr>
+        </p:sp>
+        <p:sp>
+          <p:nvSpPr>
+            <p:cNvPr id="9" name="Oval 8"/>
+            <p:cNvSpPr/>
+            <p:nvPr/>
+          </p:nvSpPr>
+          <p:spPr>
+            <a:xfrm>
+              <a:off x="11396488" y="6230844"/>
+              <a:ext cx="478576" cy="478578"/>
+            </a:xfrm>
+            <a:prstGeom prst="ellipse">
+              <a:avLst/>
+            </a:prstGeom>
+            <a:noFill/>
+            <a:ln w="12700" cap="flat" cmpd="sng" algn="ctr">
+              <a:solidFill>
+                <a:srgbClr val="FFFFFF"/>
+              </a:solidFill>
+              <a:prstDash val="solid"/>
+            </a:ln>
+            <a:effectLst/>
+          </p:spPr>
+        </p:sp>
+      </p:grpSp>
+      <p:sp>
+        <p:nvSpPr>
+          <p:cNvPr id="6" name="Slide Number Placeholder 5"/>
+          <p:cNvSpPr>
+            <a:spLocks noGrp="1"/>
+          </p:cNvSpPr>
+          <p:nvPr>
+            <p:ph type="sldNum" sz="quarter" idx="4"/>
+          </p:nvPr>
+        </p:nvSpPr>
+        <p:spPr>
+          <a:xfrm>
+            <a:off x="11311128" y="6272784"/>
+            <a:ext cx="640080" cy="365125"/>
+          </a:xfrm>
+          <a:prstGeom prst="rect">
+            <a:avLst/>
+          </a:prstGeom>
+        </p:spPr>
+        <p:txBody>
+          <a:bodyPr vert="horz" lIns="91440" tIns="45720" rIns="91440" bIns="45720" rtlCol="0" anchor="ctr"/>
+          <a:lstStyle>
+            <a:lvl1pPr algn="ctr">
+              <a:defRPr sz="1400" b="1">
+                <a:solidFill>
+                  <a:srgbClr val="FFFFFF"/>
+                </a:solidFill>
+                <a:latin typeface="+mj-lt"/>
+              </a:defRPr>
+            </a:lvl1pPr>
+          </a:lstStyle>
+          <a:p>
+            <a:fld id="{4FAB73BC-B049-4115-A692-8D63A059BFB8}" type="slidenum">
+              <a:rPr lang="en-US" dirty="0"/>
+              <a:pPr/>
+              <a:t>‹#›</a:t>
+            </a:fld>
+            <a:endParaRPr lang="en-US" dirty="0"/>
+          </a:p>
+        </p:txBody>
+      </p:sp>
+      <p:sp>
+        <p:nvSpPr>
+          <p:cNvPr id="10" name="Title Placeholder 1">
+            <a:extLst>
+              <a:ext uri="{FF2B5EF4-FFF2-40B4-BE49-F238E27FC236}">
+                <a16:creationId xmlns:a16="http://schemas.microsoft.com/office/drawing/2014/main" id="{88A4F3CB-76BD-4CC9-8E23-C67667E78D94}"/>
+              </a:ext>
+            </a:extLst>
+          </p:cNvPr>
+          <p:cNvSpPr>
+            <a:spLocks noGrp="1"/>
+          </p:cNvSpPr>
+          <p:nvPr>
+            <p:ph type="title"/>
+          </p:nvPr>
+        </p:nvSpPr>
+        <p:spPr>
+          <a:xfrm>
+            <a:off x="588263" y="457200"/>
+            <a:ext cx="11018520" cy="553998"/>
+          </a:xfrm>
+          <a:prstGeom prst="rect">
+            <a:avLst/>
+          </a:prstGeom>
+        </p:spPr>
+        <p:txBody>
+          <a:bodyPr vert="horz" wrap="square" lIns="0" tIns="0" rIns="0" bIns="0" rtlCol="0" anchor="t">
+            <a:spAutoFit/>
+          </a:bodyPr>
+          <a:lstStyle/>
+          <a:p>
+            <a:r>
+              <a:rPr lang="en-US"/>
+              <a:t>Click to edit Master title style</a:t>
+            </a:r>
+            <a:endParaRPr lang="en-US" dirty="0"/>
+          </a:p>
+        </p:txBody>
+      </p:sp>
+      <p:sp>
+        <p:nvSpPr>
+          <p:cNvPr id="11" name="Text Placeholder 3">
+            <a:extLst>
+              <a:ext uri="{FF2B5EF4-FFF2-40B4-BE49-F238E27FC236}">
+                <a16:creationId xmlns:a16="http://schemas.microsoft.com/office/drawing/2014/main" id="{9281F0B0-C6D2-4EC2-AF44-612A89A431D9}"/>
+              </a:ext>
+            </a:extLst>
+          </p:cNvPr>
+          <p:cNvSpPr>
+            <a:spLocks noGrp="1"/>
+          </p:cNvSpPr>
+          <p:nvPr>
+            <p:ph type="body" idx="1"/>
+          </p:nvPr>
+        </p:nvSpPr>
+        <p:spPr>
+          <a:xfrm>
+            <a:off x="584200" y="1435503"/>
+            <a:ext cx="11018520" cy="1612749"/>
+          </a:xfrm>
+          <a:prstGeom prst="rect">
+            <a:avLst/>
+          </a:prstGeom>
+        </p:spPr>
+        <p:txBody>
+          <a:bodyPr vert="horz" wrap="square" lIns="0" tIns="0" rIns="0" bIns="0" rtlCol="0">
+            <a:spAutoFit/>
+          </a:bodyPr>
+          <a:lstStyle/>
+          <a:p>
+            <a:pPr lvl="0"/>
+            <a:r>
+              <a:rPr lang="en-US" dirty="0"/>
+              <a:t>Edit Master text styles</a:t>
+            </a:r>
+          </a:p>
+          <a:p>
+            <a:pPr lvl="1"/>
+            <a:r>
+              <a:rPr lang="en-US" dirty="0"/>
+              <a:t>Second level</a:t>
+            </a:r>
+          </a:p>
+          <a:p>
+            <a:pPr lvl="2"/>
+            <a:r>
+              <a:rPr lang="en-US" dirty="0"/>
+              <a:t>Third level</a:t>
+            </a:r>
+          </a:p>
+          <a:p>
+            <a:pPr lvl="3"/>
+            <a:r>
+              <a:rPr lang="en-US" dirty="0"/>
+              <a:t>Fourth level</a:t>
+            </a:r>
+          </a:p>
+          <a:p>
+            <a:pPr lvl="4"/>
+            <a:r>
+              <a:rPr lang="en-US" dirty="0"/>
+              <a:t>Fifth level</a:t>
+            </a:r>
+          </a:p>
+        </p:txBody>
+      </p:sp>
+      <p:pic>
+        <p:nvPicPr>
+          <p:cNvPr id="12" name="NEW Brand Colors 2018">
+            <a:extLst>
+              <a:ext uri="{FF2B5EF4-FFF2-40B4-BE49-F238E27FC236}">
+                <a16:creationId xmlns:a16="http://schemas.microsoft.com/office/drawing/2014/main" id="{A1C623EB-E9BD-437D-8353-E092EBB029D7}"/>
+              </a:ext>
+            </a:extLst>
+          </p:cNvPr>
+          <p:cNvPicPr>
+            <a:picLocks noChangeAspect="1"/>
+          </p:cNvPicPr>
+          <p:nvPr userDrawn="1"/>
+        </p:nvPicPr>
+        <p:blipFill>
+          <a:blip r:embed="rId16"/>
+          <a:stretch>
+            <a:fillRect/>
+          </a:stretch>
+        </p:blipFill>
+        <p:spPr>
+          <a:xfrm rot="5400000">
+            <a:off x="9288988" y="2942644"/>
+            <a:ext cx="6858000" cy="972712"/>
+          </a:xfrm>
+          <a:prstGeom prst="rect">
+            <a:avLst/>
+          </a:prstGeom>
+        </p:spPr>
+      </p:pic>
+      <p:grpSp>
+        <p:nvGrpSpPr>
+          <p:cNvPr id="13" name="GRID" hidden="1">
+            <a:extLst>
+              <a:ext uri="{FF2B5EF4-FFF2-40B4-BE49-F238E27FC236}">
+                <a16:creationId xmlns:a16="http://schemas.microsoft.com/office/drawing/2014/main" id="{B6FD65D1-E9C1-4B33-AA05-0291A954F99B}"/>
+              </a:ext>
+            </a:extLst>
+          </p:cNvPr>
+          <p:cNvGrpSpPr/>
+          <p:nvPr userDrawn="1"/>
+        </p:nvGrpSpPr>
+        <p:grpSpPr>
+          <a:xfrm>
+            <a:off x="0" y="0"/>
+            <a:ext cx="12192000" cy="6858000"/>
+            <a:chOff x="0" y="0"/>
+            <a:chExt cx="12192000" cy="6858000"/>
+          </a:xfrm>
+        </p:grpSpPr>
+        <p:cxnSp>
+          <p:nvCxnSpPr>
+            <p:cNvPr id="14" name="Straight Connector 13">
+              <a:extLst>
+                <a:ext uri="{FF2B5EF4-FFF2-40B4-BE49-F238E27FC236}">
+                  <a16:creationId xmlns:a16="http://schemas.microsoft.com/office/drawing/2014/main" id="{5511B568-8D90-4C5D-BA37-50847220F7E5}"/>
+                </a:ext>
+              </a:extLst>
+            </p:cNvPr>
+            <p:cNvCxnSpPr/>
+            <p:nvPr/>
+          </p:nvCxnSpPr>
+          <p:spPr>
+            <a:xfrm>
+              <a:off x="0" y="0"/>
+              <a:ext cx="12188952" cy="0"/>
+            </a:xfrm>
+            <a:prstGeom prst="line">
+              <a:avLst/>
+            </a:prstGeom>
+            <a:ln w="3175">
+              <a:solidFill>
+                <a:schemeClr val="tx1">
+                  <a:alpha val="20000"/>
+                </a:schemeClr>
+              </a:solidFill>
+              <a:headEnd type="none"/>
+              <a:tailEnd type="none"/>
+            </a:ln>
+          </p:spPr>
+          <p:style>
+            <a:lnRef idx="1">
+              <a:schemeClr val="accent1"/>
+            </a:lnRef>
+            <a:fillRef idx="0">
+              <a:schemeClr val="accent1"/>
+            </a:fillRef>
+            <a:effectRef idx="0">
+              <a:schemeClr val="accent1"/>
+            </a:effectRef>
+            <a:fontRef idx="minor">
+              <a:schemeClr val="tx1"/>
+            </a:fontRef>
+          </p:style>
+        </p:cxnSp>
+        <p:cxnSp>
+          <p:nvCxnSpPr>
+            <p:cNvPr id="15" name="Straight Connector 14">
+              <a:extLst>
+                <a:ext uri="{FF2B5EF4-FFF2-40B4-BE49-F238E27FC236}">
+                  <a16:creationId xmlns:a16="http://schemas.microsoft.com/office/drawing/2014/main" id="{203BFC9E-F8B0-44F7-B5CA-83A3844C446D}"/>
+                </a:ext>
+              </a:extLst>
+            </p:cNvPr>
+            <p:cNvCxnSpPr/>
+            <p:nvPr/>
+          </p:nvCxnSpPr>
+          <p:spPr>
+            <a:xfrm>
+              <a:off x="0" y="292608"/>
+              <a:ext cx="12188952" cy="0"/>
+            </a:xfrm>
+            <a:prstGeom prst="line">
+              <a:avLst/>
+            </a:prstGeom>
+            <a:ln w="3175">
+              <a:solidFill>
+                <a:schemeClr val="tx1">
+                  <a:alpha val="20000"/>
+                </a:schemeClr>
+              </a:solidFill>
+              <a:headEnd type="none"/>
+              <a:tailEnd type="none"/>
+            </a:ln>
+          </p:spPr>
+          <p:style>
+            <a:lnRef idx="1">
+              <a:schemeClr val="accent1"/>
+            </a:lnRef>
+            <a:fillRef idx="0">
+              <a:schemeClr val="accent1"/>
+            </a:fillRef>
+            <a:effectRef idx="0">
+              <a:schemeClr val="accent1"/>
+            </a:effectRef>
+            <a:fontRef idx="minor">
+              <a:schemeClr val="tx1"/>
+            </a:fontRef>
+          </p:style>
+        </p:cxnSp>
+        <p:cxnSp>
+          <p:nvCxnSpPr>
+            <p:cNvPr id="16" name="Straight Connector 15">
+              <a:extLst>
+                <a:ext uri="{FF2B5EF4-FFF2-40B4-BE49-F238E27FC236}">
+                  <a16:creationId xmlns:a16="http://schemas.microsoft.com/office/drawing/2014/main" id="{7C7AB647-D91A-45D0-AE57-3142A36F7639}"/>
+                </a:ext>
+              </a:extLst>
+            </p:cNvPr>
+            <p:cNvCxnSpPr/>
+            <p:nvPr/>
+          </p:nvCxnSpPr>
+          <p:spPr>
+            <a:xfrm>
+              <a:off x="0" y="585216"/>
+              <a:ext cx="12188952" cy="0"/>
+            </a:xfrm>
+            <a:prstGeom prst="line">
+              <a:avLst/>
+            </a:prstGeom>
+            <a:ln w="3175">
+              <a:solidFill>
+                <a:srgbClr val="DF45D4"/>
+              </a:solidFill>
+              <a:headEnd type="none"/>
+              <a:tailEnd type="none"/>
+            </a:ln>
+          </p:spPr>
+          <p:style>
+            <a:lnRef idx="1">
+              <a:schemeClr val="accent1"/>
+            </a:lnRef>
+            <a:fillRef idx="0">
+              <a:schemeClr val="accent1"/>
+            </a:fillRef>
+            <a:effectRef idx="0">
+              <a:schemeClr val="accent1"/>
+            </a:effectRef>
+            <a:fontRef idx="minor">
+              <a:schemeClr val="tx1"/>
+            </a:fontRef>
+          </p:style>
+        </p:cxnSp>
+        <p:cxnSp>
+          <p:nvCxnSpPr>
+            <p:cNvPr id="17" name="Straight Connector 16">
+              <a:extLst>
+                <a:ext uri="{FF2B5EF4-FFF2-40B4-BE49-F238E27FC236}">
+                  <a16:creationId xmlns:a16="http://schemas.microsoft.com/office/drawing/2014/main" id="{6E3A6100-E817-4B7C-9A84-999F61AB33BF}"/>
+                </a:ext>
+              </a:extLst>
+            </p:cNvPr>
+            <p:cNvCxnSpPr/>
+            <p:nvPr/>
+          </p:nvCxnSpPr>
+          <p:spPr>
+            <a:xfrm>
+              <a:off x="0" y="6272784"/>
+              <a:ext cx="12188952" cy="0"/>
+            </a:xfrm>
+            <a:prstGeom prst="line">
+              <a:avLst/>
+            </a:prstGeom>
+            <a:ln w="3175">
+              <a:solidFill>
+                <a:srgbClr val="DF45D4"/>
+              </a:solidFill>
+              <a:headEnd type="none"/>
+              <a:tailEnd type="none"/>
+            </a:ln>
+          </p:spPr>
+          <p:style>
+            <a:lnRef idx="1">
+              <a:schemeClr val="accent1"/>
+            </a:lnRef>
+            <a:fillRef idx="0">
+              <a:schemeClr val="accent1"/>
+            </a:fillRef>
+            <a:effectRef idx="0">
+              <a:schemeClr val="accent1"/>
+            </a:effectRef>
+            <a:fontRef idx="minor">
+              <a:schemeClr val="tx1"/>
+            </a:fontRef>
+          </p:style>
+        </p:cxnSp>
+        <p:cxnSp>
+          <p:nvCxnSpPr>
+            <p:cNvPr id="18" name="Straight Connector 17">
+              <a:extLst>
+                <a:ext uri="{FF2B5EF4-FFF2-40B4-BE49-F238E27FC236}">
+                  <a16:creationId xmlns:a16="http://schemas.microsoft.com/office/drawing/2014/main" id="{DC6C1B66-B681-40BF-AD90-92E9AEA61EFA}"/>
+                </a:ext>
+              </a:extLst>
+            </p:cNvPr>
+            <p:cNvCxnSpPr/>
+            <p:nvPr/>
+          </p:nvCxnSpPr>
+          <p:spPr>
+            <a:xfrm>
+              <a:off x="0" y="6565392"/>
+              <a:ext cx="12188952" cy="0"/>
+            </a:xfrm>
+            <a:prstGeom prst="line">
+              <a:avLst/>
+            </a:prstGeom>
+            <a:ln w="3175">
+              <a:solidFill>
+                <a:schemeClr val="tx1">
+                  <a:alpha val="20000"/>
+                </a:schemeClr>
+              </a:solidFill>
+              <a:headEnd type="none"/>
+              <a:tailEnd type="none"/>
+            </a:ln>
+          </p:spPr>
+          <p:style>
+            <a:lnRef idx="1">
+              <a:schemeClr val="accent1"/>
+            </a:lnRef>
+            <a:fillRef idx="0">
+              <a:schemeClr val="accent1"/>
+            </a:fillRef>
+            <a:effectRef idx="0">
+              <a:schemeClr val="accent1"/>
+            </a:effectRef>
+            <a:fontRef idx="minor">
+              <a:schemeClr val="tx1"/>
+            </a:fontRef>
+          </p:style>
+        </p:cxnSp>
+        <p:cxnSp>
+          <p:nvCxnSpPr>
+            <p:cNvPr id="19" name="Straight Connector 18">
+              <a:extLst>
+                <a:ext uri="{FF2B5EF4-FFF2-40B4-BE49-F238E27FC236}">
+                  <a16:creationId xmlns:a16="http://schemas.microsoft.com/office/drawing/2014/main" id="{2EFEEA3D-A468-4254-8923-4359EBF566BD}"/>
+                </a:ext>
+              </a:extLst>
+            </p:cNvPr>
+            <p:cNvCxnSpPr/>
+            <p:nvPr/>
+          </p:nvCxnSpPr>
+          <p:spPr>
+            <a:xfrm>
+              <a:off x="0" y="6858000"/>
+              <a:ext cx="12188952" cy="0"/>
+            </a:xfrm>
+            <a:prstGeom prst="line">
+              <a:avLst/>
+            </a:prstGeom>
+            <a:ln w="3175">
+              <a:solidFill>
+                <a:schemeClr val="tx1">
+                  <a:alpha val="20000"/>
+                </a:schemeClr>
+              </a:solidFill>
+              <a:headEnd type="none"/>
+              <a:tailEnd type="none"/>
+            </a:ln>
+          </p:spPr>
+          <p:style>
+            <a:lnRef idx="1">
+              <a:schemeClr val="accent1"/>
+            </a:lnRef>
+            <a:fillRef idx="0">
+              <a:schemeClr val="accent1"/>
+            </a:fillRef>
+            <a:effectRef idx="0">
+              <a:schemeClr val="accent1"/>
+            </a:effectRef>
+            <a:fontRef idx="minor">
+              <a:schemeClr val="tx1"/>
+            </a:fontRef>
+          </p:style>
+        </p:cxnSp>
+        <p:cxnSp>
+          <p:nvCxnSpPr>
+            <p:cNvPr id="20" name="Straight Connector 19">
+              <a:extLst>
+                <a:ext uri="{FF2B5EF4-FFF2-40B4-BE49-F238E27FC236}">
+                  <a16:creationId xmlns:a16="http://schemas.microsoft.com/office/drawing/2014/main" id="{984231E8-1456-4BCB-A66A-200539365370}"/>
+                </a:ext>
+              </a:extLst>
+            </p:cNvPr>
+            <p:cNvCxnSpPr/>
+            <p:nvPr/>
+          </p:nvCxnSpPr>
+          <p:spPr>
+            <a:xfrm>
+              <a:off x="0" y="877824"/>
+              <a:ext cx="12188952" cy="0"/>
+            </a:xfrm>
+            <a:prstGeom prst="line">
+              <a:avLst/>
+            </a:prstGeom>
+            <a:ln w="3175">
+              <a:solidFill>
+                <a:schemeClr val="tx1">
+                  <a:alpha val="20000"/>
+                </a:schemeClr>
+              </a:solidFill>
+              <a:headEnd type="none"/>
+              <a:tailEnd type="none"/>
+            </a:ln>
+          </p:spPr>
+          <p:style>
+            <a:lnRef idx="1">
+              <a:schemeClr val="accent1"/>
+            </a:lnRef>
+            <a:fillRef idx="0">
+              <a:schemeClr val="accent1"/>
+            </a:fillRef>
+            <a:effectRef idx="0">
+              <a:schemeClr val="accent1"/>
+            </a:effectRef>
+            <a:fontRef idx="minor">
+              <a:schemeClr val="tx1"/>
+            </a:fontRef>
+          </p:style>
+        </p:cxnSp>
+        <p:cxnSp>
+          <p:nvCxnSpPr>
+            <p:cNvPr id="21" name="Straight Connector 20">
+              <a:extLst>
+                <a:ext uri="{FF2B5EF4-FFF2-40B4-BE49-F238E27FC236}">
+                  <a16:creationId xmlns:a16="http://schemas.microsoft.com/office/drawing/2014/main" id="{634880D2-B13F-4964-8DEB-CE8330AF8BFE}"/>
+                </a:ext>
+              </a:extLst>
+            </p:cNvPr>
+            <p:cNvCxnSpPr/>
+            <p:nvPr/>
+          </p:nvCxnSpPr>
+          <p:spPr>
+            <a:xfrm>
+              <a:off x="0" y="1170432"/>
+              <a:ext cx="12188952" cy="0"/>
+            </a:xfrm>
+            <a:prstGeom prst="line">
+              <a:avLst/>
+            </a:prstGeom>
+            <a:ln w="3175">
+              <a:solidFill>
+                <a:schemeClr val="tx1">
+                  <a:alpha val="20000"/>
+                </a:schemeClr>
+              </a:solidFill>
+              <a:headEnd type="none"/>
+              <a:tailEnd type="none"/>
+            </a:ln>
+          </p:spPr>
+          <p:style>
+            <a:lnRef idx="1">
+              <a:schemeClr val="accent1"/>
+            </a:lnRef>
+            <a:fillRef idx="0">
+              <a:schemeClr val="accent1"/>
+            </a:fillRef>
+            <a:effectRef idx="0">
+              <a:schemeClr val="accent1"/>
+            </a:effectRef>
+            <a:fontRef idx="minor">
+              <a:schemeClr val="tx1"/>
+            </a:fontRef>
+          </p:style>
+        </p:cxnSp>
+        <p:cxnSp>
+          <p:nvCxnSpPr>
+            <p:cNvPr id="22" name="Straight Connector 21">
+              <a:extLst>
+                <a:ext uri="{FF2B5EF4-FFF2-40B4-BE49-F238E27FC236}">
+                  <a16:creationId xmlns:a16="http://schemas.microsoft.com/office/drawing/2014/main" id="{36AE62FB-7095-4520-BBF8-341421E52843}"/>
+                </a:ext>
+              </a:extLst>
+            </p:cNvPr>
+            <p:cNvCxnSpPr/>
+            <p:nvPr/>
+          </p:nvCxnSpPr>
+          <p:spPr>
+            <a:xfrm>
+              <a:off x="0" y="1463040"/>
+              <a:ext cx="12188952" cy="0"/>
+            </a:xfrm>
+            <a:prstGeom prst="line">
+              <a:avLst/>
+            </a:prstGeom>
+            <a:ln w="3175">
+              <a:solidFill>
+                <a:schemeClr val="tx1">
+                  <a:alpha val="20000"/>
+                </a:schemeClr>
+              </a:solidFill>
+              <a:headEnd type="none"/>
+              <a:tailEnd type="none"/>
+            </a:ln>
+          </p:spPr>
+          <p:style>
+            <a:lnRef idx="1">
+              <a:schemeClr val="accent1"/>
+            </a:lnRef>
+            <a:fillRef idx="0">
+              <a:schemeClr val="accent1"/>
+            </a:fillRef>
+            <a:effectRef idx="0">
+              <a:schemeClr val="accent1"/>
+            </a:effectRef>
+            <a:fontRef idx="minor">
+              <a:schemeClr val="tx1"/>
+            </a:fontRef>
+          </p:style>
+        </p:cxnSp>
+        <p:cxnSp>
+          <p:nvCxnSpPr>
+            <p:cNvPr id="23" name="Straight Connector 22">
+              <a:extLst>
+                <a:ext uri="{FF2B5EF4-FFF2-40B4-BE49-F238E27FC236}">
+                  <a16:creationId xmlns:a16="http://schemas.microsoft.com/office/drawing/2014/main" id="{546B45CD-F4F3-448B-A998-0D73FAEEBFE4}"/>
+                </a:ext>
+              </a:extLst>
+            </p:cNvPr>
+            <p:cNvCxnSpPr/>
+            <p:nvPr/>
+          </p:nvCxnSpPr>
+          <p:spPr>
+            <a:xfrm>
+              <a:off x="0" y="0"/>
+              <a:ext cx="0" cy="6858000"/>
+            </a:xfrm>
+            <a:prstGeom prst="line">
+              <a:avLst/>
+            </a:prstGeom>
+            <a:ln w="3175">
+              <a:solidFill>
+                <a:schemeClr val="tx1">
+                  <a:alpha val="20000"/>
+                </a:schemeClr>
+              </a:solidFill>
+              <a:headEnd type="none"/>
+              <a:tailEnd type="none"/>
+            </a:ln>
+          </p:spPr>
+          <p:style>
+            <a:lnRef idx="1">
+              <a:schemeClr val="accent1"/>
+            </a:lnRef>
+            <a:fillRef idx="0">
+              <a:schemeClr val="accent1"/>
+            </a:fillRef>
+            <a:effectRef idx="0">
+              <a:schemeClr val="accent1"/>
+            </a:effectRef>
+            <a:fontRef idx="minor">
+              <a:schemeClr val="tx1"/>
+            </a:fontRef>
+          </p:style>
+        </p:cxnSp>
+        <p:cxnSp>
+          <p:nvCxnSpPr>
+            <p:cNvPr id="24" name="Straight Connector 23">
+              <a:extLst>
+                <a:ext uri="{FF2B5EF4-FFF2-40B4-BE49-F238E27FC236}">
+                  <a16:creationId xmlns:a16="http://schemas.microsoft.com/office/drawing/2014/main" id="{E8A3184F-0729-4770-A12B-FDCFC933CFDA}"/>
+                </a:ext>
+              </a:extLst>
+            </p:cNvPr>
+            <p:cNvCxnSpPr/>
+            <p:nvPr/>
+          </p:nvCxnSpPr>
+          <p:spPr>
+            <a:xfrm>
+              <a:off x="585216" y="0"/>
+              <a:ext cx="0" cy="6858000"/>
+            </a:xfrm>
+            <a:prstGeom prst="line">
+              <a:avLst/>
+            </a:prstGeom>
+            <a:ln w="3175">
+              <a:solidFill>
+                <a:srgbClr val="DF45D4"/>
+              </a:solidFill>
+              <a:headEnd type="none"/>
+              <a:tailEnd type="none"/>
+            </a:ln>
+          </p:spPr>
+          <p:style>
+            <a:lnRef idx="1">
+              <a:schemeClr val="accent1"/>
+            </a:lnRef>
+            <a:fillRef idx="0">
+              <a:schemeClr val="accent1"/>
+            </a:fillRef>
+            <a:effectRef idx="0">
+              <a:schemeClr val="accent1"/>
+            </a:effectRef>
+            <a:fontRef idx="minor">
+              <a:schemeClr val="tx1"/>
+            </a:fontRef>
+          </p:style>
+        </p:cxnSp>
+        <p:cxnSp>
+          <p:nvCxnSpPr>
+            <p:cNvPr id="25" name="Straight Connector 24">
+              <a:extLst>
+                <a:ext uri="{FF2B5EF4-FFF2-40B4-BE49-F238E27FC236}">
+                  <a16:creationId xmlns:a16="http://schemas.microsoft.com/office/drawing/2014/main" id="{23BFA124-29EE-4EC6-9C31-FAFF464B6789}"/>
+                </a:ext>
+              </a:extLst>
+            </p:cNvPr>
+            <p:cNvCxnSpPr/>
+            <p:nvPr/>
+          </p:nvCxnSpPr>
+          <p:spPr>
+            <a:xfrm>
+              <a:off x="292608" y="0"/>
+              <a:ext cx="0" cy="6858000"/>
+            </a:xfrm>
+            <a:prstGeom prst="line">
+              <a:avLst/>
+            </a:prstGeom>
+            <a:ln w="3175">
+              <a:solidFill>
+                <a:schemeClr val="tx1">
+                  <a:alpha val="20000"/>
+                </a:schemeClr>
+              </a:solidFill>
+              <a:headEnd type="none"/>
+              <a:tailEnd type="none"/>
+            </a:ln>
+          </p:spPr>
+          <p:style>
+            <a:lnRef idx="1">
+              <a:schemeClr val="accent1"/>
+            </a:lnRef>
+            <a:fillRef idx="0">
+              <a:schemeClr val="accent1"/>
+            </a:fillRef>
+            <a:effectRef idx="0">
+              <a:schemeClr val="accent1"/>
+            </a:effectRef>
+            <a:fontRef idx="minor">
+              <a:schemeClr val="tx1"/>
+            </a:fontRef>
+          </p:style>
+        </p:cxnSp>
+        <p:cxnSp>
+          <p:nvCxnSpPr>
+            <p:cNvPr id="26" name="Straight Connector 25">
+              <a:extLst>
+                <a:ext uri="{FF2B5EF4-FFF2-40B4-BE49-F238E27FC236}">
+                  <a16:creationId xmlns:a16="http://schemas.microsoft.com/office/drawing/2014/main" id="{22CCE49D-9D46-4B32-A904-7CAB1893E7AC}"/>
+                </a:ext>
+              </a:extLst>
+            </p:cNvPr>
+            <p:cNvCxnSpPr/>
+            <p:nvPr/>
+          </p:nvCxnSpPr>
+          <p:spPr>
+            <a:xfrm>
+              <a:off x="877824" y="0"/>
+              <a:ext cx="0" cy="6858000"/>
+            </a:xfrm>
+            <a:prstGeom prst="line">
+              <a:avLst/>
+            </a:prstGeom>
+            <a:ln w="3175">
+              <a:solidFill>
+                <a:schemeClr val="tx1">
+                  <a:alpha val="20000"/>
+                </a:schemeClr>
+              </a:solidFill>
+              <a:headEnd type="none"/>
+              <a:tailEnd type="none"/>
+            </a:ln>
+          </p:spPr>
+          <p:style>
+            <a:lnRef idx="1">
+              <a:schemeClr val="accent1"/>
+            </a:lnRef>
+            <a:fillRef idx="0">
+              <a:schemeClr val="accent1"/>
+            </a:fillRef>
+            <a:effectRef idx="0">
+              <a:schemeClr val="accent1"/>
+            </a:effectRef>
+            <a:fontRef idx="minor">
+              <a:schemeClr val="tx1"/>
+            </a:fontRef>
+          </p:style>
+        </p:cxnSp>
+        <p:cxnSp>
+          <p:nvCxnSpPr>
+            <p:cNvPr id="27" name="Straight Connector 26">
+              <a:extLst>
+                <a:ext uri="{FF2B5EF4-FFF2-40B4-BE49-F238E27FC236}">
+                  <a16:creationId xmlns:a16="http://schemas.microsoft.com/office/drawing/2014/main" id="{AAB7C6F5-BD39-4CEE-AD8D-922D5A432A0E}"/>
+                </a:ext>
+              </a:extLst>
+            </p:cNvPr>
+            <p:cNvCxnSpPr/>
+            <p:nvPr/>
+          </p:nvCxnSpPr>
+          <p:spPr>
+            <a:xfrm>
+              <a:off x="1170432" y="0"/>
+              <a:ext cx="0" cy="6858000"/>
+            </a:xfrm>
+            <a:prstGeom prst="line">
+              <a:avLst/>
+            </a:prstGeom>
+            <a:ln w="3175">
+              <a:solidFill>
+                <a:schemeClr val="tx1">
+                  <a:alpha val="20000"/>
+                </a:schemeClr>
+              </a:solidFill>
+              <a:headEnd type="none"/>
+              <a:tailEnd type="none"/>
+            </a:ln>
+          </p:spPr>
+          <p:style>
+            <a:lnRef idx="1">
+              <a:schemeClr val="accent1"/>
+            </a:lnRef>
+            <a:fillRef idx="0">
+              <a:schemeClr val="accent1"/>
+            </a:fillRef>
+            <a:effectRef idx="0">
+              <a:schemeClr val="accent1"/>
+            </a:effectRef>
+            <a:fontRef idx="minor">
+              <a:schemeClr val="tx1"/>
+            </a:fontRef>
+          </p:style>
+        </p:cxnSp>
+        <p:cxnSp>
+          <p:nvCxnSpPr>
+            <p:cNvPr id="28" name="Straight Connector 27">
+              <a:extLst>
+                <a:ext uri="{FF2B5EF4-FFF2-40B4-BE49-F238E27FC236}">
+                  <a16:creationId xmlns:a16="http://schemas.microsoft.com/office/drawing/2014/main" id="{6444F346-7AC0-435E-AFCD-2B2993F1625F}"/>
+                </a:ext>
+              </a:extLst>
+            </p:cNvPr>
+            <p:cNvCxnSpPr/>
+            <p:nvPr/>
+          </p:nvCxnSpPr>
+          <p:spPr>
+            <a:xfrm>
+              <a:off x="11021568" y="0"/>
+              <a:ext cx="0" cy="6858000"/>
+            </a:xfrm>
+            <a:prstGeom prst="line">
+              <a:avLst/>
+            </a:prstGeom>
+            <a:ln w="3175">
+              <a:solidFill>
+                <a:schemeClr val="tx1">
+                  <a:alpha val="20000"/>
+                </a:schemeClr>
+              </a:solidFill>
+              <a:headEnd type="none"/>
+              <a:tailEnd type="none"/>
+            </a:ln>
+          </p:spPr>
+          <p:style>
+            <a:lnRef idx="1">
+              <a:schemeClr val="accent1"/>
+            </a:lnRef>
+            <a:fillRef idx="0">
+              <a:schemeClr val="accent1"/>
+            </a:fillRef>
+            <a:effectRef idx="0">
+              <a:schemeClr val="accent1"/>
+            </a:effectRef>
+            <a:fontRef idx="minor">
+              <a:schemeClr val="tx1"/>
+            </a:fontRef>
+          </p:style>
+        </p:cxnSp>
+        <p:cxnSp>
+          <p:nvCxnSpPr>
+            <p:cNvPr id="29" name="Straight Connector 28">
+              <a:extLst>
+                <a:ext uri="{FF2B5EF4-FFF2-40B4-BE49-F238E27FC236}">
+                  <a16:creationId xmlns:a16="http://schemas.microsoft.com/office/drawing/2014/main" id="{BAE765AC-CF08-4557-82D6-518B254E091B}"/>
+                </a:ext>
+              </a:extLst>
+            </p:cNvPr>
+            <p:cNvCxnSpPr/>
+            <p:nvPr/>
+          </p:nvCxnSpPr>
+          <p:spPr>
+            <a:xfrm>
+              <a:off x="11606784" y="0"/>
+              <a:ext cx="0" cy="6858000"/>
+            </a:xfrm>
+            <a:prstGeom prst="line">
+              <a:avLst/>
+            </a:prstGeom>
+            <a:ln w="3175">
+              <a:solidFill>
+                <a:srgbClr val="DF45D4"/>
+              </a:solidFill>
+              <a:headEnd type="none"/>
+              <a:tailEnd type="none"/>
+            </a:ln>
+          </p:spPr>
+          <p:style>
+            <a:lnRef idx="1">
+              <a:schemeClr val="accent1"/>
+            </a:lnRef>
+            <a:fillRef idx="0">
+              <a:schemeClr val="accent1"/>
+            </a:fillRef>
+            <a:effectRef idx="0">
+              <a:schemeClr val="accent1"/>
+            </a:effectRef>
+            <a:fontRef idx="minor">
+              <a:schemeClr val="tx1"/>
+            </a:fontRef>
+          </p:style>
+        </p:cxnSp>
+        <p:cxnSp>
+          <p:nvCxnSpPr>
+            <p:cNvPr id="30" name="Straight Connector 29">
+              <a:extLst>
+                <a:ext uri="{FF2B5EF4-FFF2-40B4-BE49-F238E27FC236}">
+                  <a16:creationId xmlns:a16="http://schemas.microsoft.com/office/drawing/2014/main" id="{CA00CCC2-7A4C-4922-BE6F-053C98B273EF}"/>
+                </a:ext>
+              </a:extLst>
+            </p:cNvPr>
+            <p:cNvCxnSpPr/>
+            <p:nvPr/>
+          </p:nvCxnSpPr>
+          <p:spPr>
+            <a:xfrm>
+              <a:off x="11314176" y="0"/>
+              <a:ext cx="0" cy="6858000"/>
+            </a:xfrm>
+            <a:prstGeom prst="line">
+              <a:avLst/>
+            </a:prstGeom>
+            <a:ln w="3175">
+              <a:solidFill>
+                <a:schemeClr val="tx1">
+                  <a:alpha val="20000"/>
+                </a:schemeClr>
+              </a:solidFill>
+              <a:headEnd type="none"/>
+              <a:tailEnd type="none"/>
+            </a:ln>
+          </p:spPr>
+          <p:style>
+            <a:lnRef idx="1">
+              <a:schemeClr val="accent1"/>
+            </a:lnRef>
+            <a:fillRef idx="0">
+              <a:schemeClr val="accent1"/>
+            </a:fillRef>
+            <a:effectRef idx="0">
+              <a:schemeClr val="accent1"/>
+            </a:effectRef>
+            <a:fontRef idx="minor">
+              <a:schemeClr val="tx1"/>
+            </a:fontRef>
+          </p:style>
+        </p:cxnSp>
+        <p:cxnSp>
+          <p:nvCxnSpPr>
+            <p:cNvPr id="31" name="Straight Connector 30">
+              <a:extLst>
+                <a:ext uri="{FF2B5EF4-FFF2-40B4-BE49-F238E27FC236}">
+                  <a16:creationId xmlns:a16="http://schemas.microsoft.com/office/drawing/2014/main" id="{3063E26D-F247-4D87-A1A9-284CADE6DACD}"/>
+                </a:ext>
+              </a:extLst>
+            </p:cNvPr>
+            <p:cNvCxnSpPr/>
+            <p:nvPr/>
+          </p:nvCxnSpPr>
+          <p:spPr>
+            <a:xfrm>
+              <a:off x="11899392" y="0"/>
+              <a:ext cx="0" cy="6858000"/>
+            </a:xfrm>
+            <a:prstGeom prst="line">
+              <a:avLst/>
+            </a:prstGeom>
+            <a:ln w="3175">
+              <a:solidFill>
+                <a:schemeClr val="tx1">
+                  <a:alpha val="20000"/>
+                </a:schemeClr>
+              </a:solidFill>
+              <a:headEnd type="none"/>
+              <a:tailEnd type="none"/>
+            </a:ln>
+          </p:spPr>
+          <p:style>
+            <a:lnRef idx="1">
+              <a:schemeClr val="accent1"/>
+            </a:lnRef>
+            <a:fillRef idx="0">
+              <a:schemeClr val="accent1"/>
+            </a:fillRef>
+            <a:effectRef idx="0">
+              <a:schemeClr val="accent1"/>
+            </a:effectRef>
+            <a:fontRef idx="minor">
+              <a:schemeClr val="tx1"/>
+            </a:fontRef>
+          </p:style>
+        </p:cxnSp>
+        <p:cxnSp>
+          <p:nvCxnSpPr>
+            <p:cNvPr id="32" name="Straight Connector 31">
+              <a:extLst>
+                <a:ext uri="{FF2B5EF4-FFF2-40B4-BE49-F238E27FC236}">
+                  <a16:creationId xmlns:a16="http://schemas.microsoft.com/office/drawing/2014/main" id="{BA81F1F8-757B-4A8C-8437-C4E70798FF94}"/>
+                </a:ext>
+              </a:extLst>
+            </p:cNvPr>
+            <p:cNvCxnSpPr/>
+            <p:nvPr/>
+          </p:nvCxnSpPr>
+          <p:spPr>
+            <a:xfrm>
+              <a:off x="12192000" y="0"/>
+              <a:ext cx="0" cy="6858000"/>
+            </a:xfrm>
+            <a:prstGeom prst="line">
+              <a:avLst/>
+            </a:prstGeom>
+            <a:ln w="3175">
+              <a:solidFill>
+                <a:schemeClr val="tx1">
+                  <a:alpha val="20000"/>
+                </a:schemeClr>
+              </a:solidFill>
+              <a:headEnd type="none"/>
+              <a:tailEnd type="none"/>
+            </a:ln>
+          </p:spPr>
+          <p:style>
+            <a:lnRef idx="1">
+              <a:schemeClr val="accent1"/>
+            </a:lnRef>
+            <a:fillRef idx="0">
+              <a:schemeClr val="accent1"/>
+            </a:fillRef>
+            <a:effectRef idx="0">
+              <a:schemeClr val="accent1"/>
+            </a:effectRef>
+            <a:fontRef idx="minor">
+              <a:schemeClr val="tx1"/>
+            </a:fontRef>
+          </p:style>
+        </p:cxnSp>
+        <p:cxnSp>
+          <p:nvCxnSpPr>
+            <p:cNvPr id="33" name="Straight Connector 32">
+              <a:extLst>
+                <a:ext uri="{FF2B5EF4-FFF2-40B4-BE49-F238E27FC236}">
+                  <a16:creationId xmlns:a16="http://schemas.microsoft.com/office/drawing/2014/main" id="{D0C0F9CF-E1DF-4E01-91B1-D144CEA345B1}"/>
+                </a:ext>
+              </a:extLst>
+            </p:cNvPr>
+            <p:cNvCxnSpPr/>
+            <p:nvPr/>
+          </p:nvCxnSpPr>
+          <p:spPr>
+            <a:xfrm>
+              <a:off x="0" y="1755648"/>
+              <a:ext cx="12188952" cy="0"/>
+            </a:xfrm>
+            <a:prstGeom prst="line">
+              <a:avLst/>
+            </a:prstGeom>
+            <a:ln w="3175">
+              <a:solidFill>
+                <a:schemeClr val="tx1">
+                  <a:alpha val="20000"/>
+                </a:schemeClr>
+              </a:solidFill>
+              <a:headEnd type="none"/>
+              <a:tailEnd type="none"/>
+            </a:ln>
+          </p:spPr>
+          <p:style>
+            <a:lnRef idx="1">
+              <a:schemeClr val="accent1"/>
+            </a:lnRef>
+            <a:fillRef idx="0">
+              <a:schemeClr val="accent1"/>
+            </a:fillRef>
+            <a:effectRef idx="0">
+              <a:schemeClr val="accent1"/>
+            </a:effectRef>
+            <a:fontRef idx="minor">
+              <a:schemeClr val="tx1"/>
+            </a:fontRef>
+          </p:style>
+        </p:cxnSp>
+        <p:cxnSp>
+          <p:nvCxnSpPr>
+            <p:cNvPr id="34" name="Straight Connector 33">
+              <a:extLst>
+                <a:ext uri="{FF2B5EF4-FFF2-40B4-BE49-F238E27FC236}">
+                  <a16:creationId xmlns:a16="http://schemas.microsoft.com/office/drawing/2014/main" id="{CA8509B6-C370-4E01-A9E3-CDEB073775A6}"/>
+                </a:ext>
+              </a:extLst>
+            </p:cNvPr>
+            <p:cNvCxnSpPr/>
+            <p:nvPr/>
+          </p:nvCxnSpPr>
+          <p:spPr>
+            <a:xfrm>
+              <a:off x="0" y="2048256"/>
+              <a:ext cx="12188952" cy="0"/>
+            </a:xfrm>
+            <a:prstGeom prst="line">
+              <a:avLst/>
+            </a:prstGeom>
+            <a:ln w="3175">
+              <a:solidFill>
+                <a:schemeClr val="tx1">
+                  <a:alpha val="20000"/>
+                </a:schemeClr>
+              </a:solidFill>
+              <a:headEnd type="none"/>
+              <a:tailEnd type="none"/>
+            </a:ln>
+          </p:spPr>
+          <p:style>
+            <a:lnRef idx="1">
+              <a:schemeClr val="accent1"/>
+            </a:lnRef>
+            <a:fillRef idx="0">
+              <a:schemeClr val="accent1"/>
+            </a:fillRef>
+            <a:effectRef idx="0">
+              <a:schemeClr val="accent1"/>
+            </a:effectRef>
+            <a:fontRef idx="minor">
+              <a:schemeClr val="tx1"/>
+            </a:fontRef>
+          </p:style>
+        </p:cxnSp>
+        <p:cxnSp>
+          <p:nvCxnSpPr>
+            <p:cNvPr id="35" name="Straight Connector 34">
+              <a:extLst>
+                <a:ext uri="{FF2B5EF4-FFF2-40B4-BE49-F238E27FC236}">
+                  <a16:creationId xmlns:a16="http://schemas.microsoft.com/office/drawing/2014/main" id="{66FDDCED-7DDA-43A8-9EE7-B0CF8D8DD9F7}"/>
+                </a:ext>
+              </a:extLst>
+            </p:cNvPr>
+            <p:cNvCxnSpPr/>
+            <p:nvPr/>
+          </p:nvCxnSpPr>
+          <p:spPr>
+            <a:xfrm>
+              <a:off x="0" y="2340864"/>
+              <a:ext cx="12188952" cy="0"/>
+            </a:xfrm>
+            <a:prstGeom prst="line">
+              <a:avLst/>
+            </a:prstGeom>
+            <a:ln w="3175">
+              <a:solidFill>
+                <a:schemeClr val="tx1">
+                  <a:alpha val="20000"/>
+                </a:schemeClr>
+              </a:solidFill>
+              <a:headEnd type="none"/>
+              <a:tailEnd type="none"/>
+            </a:ln>
+          </p:spPr>
+          <p:style>
+            <a:lnRef idx="1">
+              <a:schemeClr val="accent1"/>
+            </a:lnRef>
+            <a:fillRef idx="0">
+              <a:schemeClr val="accent1"/>
+            </a:fillRef>
+            <a:effectRef idx="0">
+              <a:schemeClr val="accent1"/>
+            </a:effectRef>
+            <a:fontRef idx="minor">
+              <a:schemeClr val="tx1"/>
+            </a:fontRef>
+          </p:style>
+        </p:cxnSp>
+        <p:cxnSp>
+          <p:nvCxnSpPr>
+            <p:cNvPr id="36" name="Straight Connector 35">
+              <a:extLst>
+                <a:ext uri="{FF2B5EF4-FFF2-40B4-BE49-F238E27FC236}">
+                  <a16:creationId xmlns:a16="http://schemas.microsoft.com/office/drawing/2014/main" id="{BE27A86D-627A-45DC-8063-1D8F2230E614}"/>
+                </a:ext>
+              </a:extLst>
+            </p:cNvPr>
+            <p:cNvCxnSpPr/>
+            <p:nvPr/>
+          </p:nvCxnSpPr>
+          <p:spPr>
+            <a:xfrm>
+              <a:off x="0" y="2633472"/>
+              <a:ext cx="12188952" cy="0"/>
+            </a:xfrm>
+            <a:prstGeom prst="line">
+              <a:avLst/>
+            </a:prstGeom>
+            <a:ln w="3175">
+              <a:solidFill>
+                <a:schemeClr val="tx1">
+                  <a:alpha val="20000"/>
+                </a:schemeClr>
+              </a:solidFill>
+              <a:headEnd type="none"/>
+              <a:tailEnd type="none"/>
+            </a:ln>
+          </p:spPr>
+          <p:style>
+            <a:lnRef idx="1">
+              <a:schemeClr val="accent1"/>
+            </a:lnRef>
+            <a:fillRef idx="0">
+              <a:schemeClr val="accent1"/>
+            </a:fillRef>
+            <a:effectRef idx="0">
+              <a:schemeClr val="accent1"/>
+            </a:effectRef>
+            <a:fontRef idx="minor">
+              <a:schemeClr val="tx1"/>
+            </a:fontRef>
+          </p:style>
+        </p:cxnSp>
+        <p:cxnSp>
+          <p:nvCxnSpPr>
+            <p:cNvPr id="37" name="Straight Connector 36">
+              <a:extLst>
+                <a:ext uri="{FF2B5EF4-FFF2-40B4-BE49-F238E27FC236}">
+                  <a16:creationId xmlns:a16="http://schemas.microsoft.com/office/drawing/2014/main" id="{ADEA63AD-AAE8-4876-A221-02FC82012402}"/>
+                </a:ext>
+              </a:extLst>
+            </p:cNvPr>
+            <p:cNvCxnSpPr/>
+            <p:nvPr/>
+          </p:nvCxnSpPr>
+          <p:spPr>
+            <a:xfrm>
+              <a:off x="0" y="2926080"/>
+              <a:ext cx="12188952" cy="0"/>
+            </a:xfrm>
+            <a:prstGeom prst="line">
+              <a:avLst/>
+            </a:prstGeom>
+            <a:ln w="3175">
+              <a:solidFill>
+                <a:schemeClr val="tx1">
+                  <a:alpha val="20000"/>
+                </a:schemeClr>
+              </a:solidFill>
+              <a:headEnd type="none"/>
+              <a:tailEnd type="none"/>
+            </a:ln>
+          </p:spPr>
+          <p:style>
+            <a:lnRef idx="1">
+              <a:schemeClr val="accent1"/>
+            </a:lnRef>
+            <a:fillRef idx="0">
+              <a:schemeClr val="accent1"/>
+            </a:fillRef>
+            <a:effectRef idx="0">
+              <a:schemeClr val="accent1"/>
+            </a:effectRef>
+            <a:fontRef idx="minor">
+              <a:schemeClr val="tx1"/>
+            </a:fontRef>
+          </p:style>
+        </p:cxnSp>
+        <p:cxnSp>
+          <p:nvCxnSpPr>
+            <p:cNvPr id="38" name="Straight Connector 37">
+              <a:extLst>
+                <a:ext uri="{FF2B5EF4-FFF2-40B4-BE49-F238E27FC236}">
+                  <a16:creationId xmlns:a16="http://schemas.microsoft.com/office/drawing/2014/main" id="{FCC6B99B-66CA-4993-9C6A-9C90531F3E0A}"/>
+                </a:ext>
+              </a:extLst>
+            </p:cNvPr>
+            <p:cNvCxnSpPr/>
+            <p:nvPr/>
+          </p:nvCxnSpPr>
+          <p:spPr>
+            <a:xfrm>
+              <a:off x="0" y="3218688"/>
+              <a:ext cx="12188952" cy="0"/>
+            </a:xfrm>
+            <a:prstGeom prst="line">
+              <a:avLst/>
+            </a:prstGeom>
+            <a:ln w="3175">
+              <a:solidFill>
+                <a:schemeClr val="tx1">
+                  <a:alpha val="20000"/>
+                </a:schemeClr>
+              </a:solidFill>
+              <a:headEnd type="none"/>
+              <a:tailEnd type="none"/>
+            </a:ln>
+          </p:spPr>
+          <p:style>
+            <a:lnRef idx="1">
+              <a:schemeClr val="accent1"/>
+            </a:lnRef>
+            <a:fillRef idx="0">
+              <a:schemeClr val="accent1"/>
+            </a:fillRef>
+            <a:effectRef idx="0">
+              <a:schemeClr val="accent1"/>
+            </a:effectRef>
+            <a:fontRef idx="minor">
+              <a:schemeClr val="tx1"/>
+            </a:fontRef>
+          </p:style>
+        </p:cxnSp>
+        <p:cxnSp>
+          <p:nvCxnSpPr>
+            <p:cNvPr id="39" name="Straight Connector 38">
+              <a:extLst>
+                <a:ext uri="{FF2B5EF4-FFF2-40B4-BE49-F238E27FC236}">
+                  <a16:creationId xmlns:a16="http://schemas.microsoft.com/office/drawing/2014/main" id="{A92D0C8E-42BD-4198-B439-74D5A7E9B9CC}"/>
+                </a:ext>
+              </a:extLst>
+            </p:cNvPr>
+            <p:cNvCxnSpPr/>
+            <p:nvPr/>
+          </p:nvCxnSpPr>
+          <p:spPr>
+            <a:xfrm>
+              <a:off x="0" y="3511296"/>
+              <a:ext cx="12188952" cy="0"/>
+            </a:xfrm>
+            <a:prstGeom prst="line">
+              <a:avLst/>
+            </a:prstGeom>
+            <a:ln w="3175">
+              <a:solidFill>
+                <a:schemeClr val="tx1">
+                  <a:alpha val="20000"/>
+                </a:schemeClr>
+              </a:solidFill>
+              <a:headEnd type="none"/>
+              <a:tailEnd type="none"/>
+            </a:ln>
+          </p:spPr>
+          <p:style>
+            <a:lnRef idx="1">
+              <a:schemeClr val="accent1"/>
+            </a:lnRef>
+            <a:fillRef idx="0">
+              <a:schemeClr val="accent1"/>
+            </a:fillRef>
+            <a:effectRef idx="0">
+              <a:schemeClr val="accent1"/>
+            </a:effectRef>
+            <a:fontRef idx="minor">
+              <a:schemeClr val="tx1"/>
+            </a:fontRef>
+          </p:style>
+        </p:cxnSp>
+        <p:cxnSp>
+          <p:nvCxnSpPr>
+            <p:cNvPr id="40" name="Straight Connector 39">
+              <a:extLst>
+                <a:ext uri="{FF2B5EF4-FFF2-40B4-BE49-F238E27FC236}">
+                  <a16:creationId xmlns:a16="http://schemas.microsoft.com/office/drawing/2014/main" id="{4681285B-C667-43A5-B017-5076C68FAD67}"/>
+                </a:ext>
+              </a:extLst>
+            </p:cNvPr>
+            <p:cNvCxnSpPr/>
+            <p:nvPr userDrawn="1"/>
+          </p:nvCxnSpPr>
+          <p:spPr>
+            <a:xfrm>
+              <a:off x="0" y="3803904"/>
+              <a:ext cx="12188952" cy="0"/>
+            </a:xfrm>
+            <a:prstGeom prst="line">
+              <a:avLst/>
+            </a:prstGeom>
+            <a:ln w="3175">
+              <a:solidFill>
+                <a:schemeClr val="tx1">
+                  <a:alpha val="20000"/>
+                </a:schemeClr>
+              </a:solidFill>
+              <a:headEnd type="none"/>
+              <a:tailEnd type="none"/>
+            </a:ln>
+          </p:spPr>
+          <p:style>
+            <a:lnRef idx="1">
+              <a:schemeClr val="accent1"/>
+            </a:lnRef>
+            <a:fillRef idx="0">
+              <a:schemeClr val="accent1"/>
+            </a:fillRef>
+            <a:effectRef idx="0">
+              <a:schemeClr val="accent1"/>
+            </a:effectRef>
+            <a:fontRef idx="minor">
+              <a:schemeClr val="tx1"/>
+            </a:fontRef>
+          </p:style>
+        </p:cxnSp>
+        <p:cxnSp>
+          <p:nvCxnSpPr>
+            <p:cNvPr id="41" name="Straight Connector 40">
+              <a:extLst>
+                <a:ext uri="{FF2B5EF4-FFF2-40B4-BE49-F238E27FC236}">
+                  <a16:creationId xmlns:a16="http://schemas.microsoft.com/office/drawing/2014/main" id="{2D433CF5-7836-40E1-941F-5F19D515D1FB}"/>
+                </a:ext>
+              </a:extLst>
+            </p:cNvPr>
+            <p:cNvCxnSpPr/>
+            <p:nvPr userDrawn="1"/>
+          </p:nvCxnSpPr>
+          <p:spPr>
+            <a:xfrm>
+              <a:off x="0" y="4096512"/>
+              <a:ext cx="12188952" cy="0"/>
+            </a:xfrm>
+            <a:prstGeom prst="line">
+              <a:avLst/>
+            </a:prstGeom>
+            <a:ln w="3175">
+              <a:solidFill>
+                <a:schemeClr val="tx1">
+                  <a:alpha val="20000"/>
+                </a:schemeClr>
+              </a:solidFill>
+              <a:headEnd type="none"/>
+              <a:tailEnd type="none"/>
+            </a:ln>
+          </p:spPr>
+          <p:style>
+            <a:lnRef idx="1">
+              <a:schemeClr val="accent1"/>
+            </a:lnRef>
+            <a:fillRef idx="0">
+              <a:schemeClr val="accent1"/>
+            </a:fillRef>
+            <a:effectRef idx="0">
+              <a:schemeClr val="accent1"/>
+            </a:effectRef>
+            <a:fontRef idx="minor">
+              <a:schemeClr val="tx1"/>
+            </a:fontRef>
+          </p:style>
+        </p:cxnSp>
+        <p:cxnSp>
+          <p:nvCxnSpPr>
+            <p:cNvPr id="42" name="Straight Connector 41">
+              <a:extLst>
+                <a:ext uri="{FF2B5EF4-FFF2-40B4-BE49-F238E27FC236}">
+                  <a16:creationId xmlns:a16="http://schemas.microsoft.com/office/drawing/2014/main" id="{4E7F899E-CCE4-4BA8-A76C-4C24FFFBB260}"/>
+                </a:ext>
+              </a:extLst>
+            </p:cNvPr>
+            <p:cNvCxnSpPr/>
+            <p:nvPr userDrawn="1"/>
+          </p:nvCxnSpPr>
+          <p:spPr>
+            <a:xfrm>
+              <a:off x="0" y="4389120"/>
+              <a:ext cx="12188952" cy="0"/>
+            </a:xfrm>
+            <a:prstGeom prst="line">
+              <a:avLst/>
+            </a:prstGeom>
+            <a:ln w="3175">
+              <a:solidFill>
+                <a:schemeClr val="tx1">
+                  <a:alpha val="20000"/>
+                </a:schemeClr>
+              </a:solidFill>
+              <a:headEnd type="none"/>
+              <a:tailEnd type="none"/>
+            </a:ln>
+          </p:spPr>
+          <p:style>
+            <a:lnRef idx="1">
+              <a:schemeClr val="accent1"/>
+            </a:lnRef>
+            <a:fillRef idx="0">
+              <a:schemeClr val="accent1"/>
+            </a:fillRef>
+            <a:effectRef idx="0">
+              <a:schemeClr val="accent1"/>
+            </a:effectRef>
+            <a:fontRef idx="minor">
+              <a:schemeClr val="tx1"/>
+            </a:fontRef>
+          </p:style>
+        </p:cxnSp>
+        <p:cxnSp>
+          <p:nvCxnSpPr>
+            <p:cNvPr id="43" name="Straight Connector 42">
+              <a:extLst>
+                <a:ext uri="{FF2B5EF4-FFF2-40B4-BE49-F238E27FC236}">
+                  <a16:creationId xmlns:a16="http://schemas.microsoft.com/office/drawing/2014/main" id="{AF654A93-6274-4935-9C49-D5D98D9D9270}"/>
+                </a:ext>
+              </a:extLst>
+            </p:cNvPr>
+            <p:cNvCxnSpPr/>
+            <p:nvPr userDrawn="1"/>
+          </p:nvCxnSpPr>
+          <p:spPr>
+            <a:xfrm>
+              <a:off x="0" y="4681728"/>
+              <a:ext cx="12188952" cy="0"/>
+            </a:xfrm>
+            <a:prstGeom prst="line">
+              <a:avLst/>
+            </a:prstGeom>
+            <a:ln w="3175">
+              <a:solidFill>
+                <a:schemeClr val="tx1">
+                  <a:alpha val="20000"/>
+                </a:schemeClr>
+              </a:solidFill>
+              <a:headEnd type="none"/>
+              <a:tailEnd type="none"/>
+            </a:ln>
+          </p:spPr>
+          <p:style>
+            <a:lnRef idx="1">
+              <a:schemeClr val="accent1"/>
+            </a:lnRef>
+            <a:fillRef idx="0">
+              <a:schemeClr val="accent1"/>
+            </a:fillRef>
+            <a:effectRef idx="0">
+              <a:schemeClr val="accent1"/>
+            </a:effectRef>
+            <a:fontRef idx="minor">
+              <a:schemeClr val="tx1"/>
+            </a:fontRef>
+          </p:style>
+        </p:cxnSp>
+        <p:cxnSp>
+          <p:nvCxnSpPr>
+            <p:cNvPr id="44" name="Straight Connector 43">
+              <a:extLst>
+                <a:ext uri="{FF2B5EF4-FFF2-40B4-BE49-F238E27FC236}">
+                  <a16:creationId xmlns:a16="http://schemas.microsoft.com/office/drawing/2014/main" id="{2966861A-5BE3-4CC8-8FFE-FBEF06506EB3}"/>
+                </a:ext>
+              </a:extLst>
+            </p:cNvPr>
+            <p:cNvCxnSpPr/>
+            <p:nvPr userDrawn="1"/>
+          </p:nvCxnSpPr>
+          <p:spPr>
+            <a:xfrm>
+              <a:off x="0" y="4974336"/>
+              <a:ext cx="12188952" cy="0"/>
+            </a:xfrm>
+            <a:prstGeom prst="line">
+              <a:avLst/>
+            </a:prstGeom>
+            <a:ln w="3175">
+              <a:solidFill>
+                <a:schemeClr val="tx1">
+                  <a:alpha val="20000"/>
+                </a:schemeClr>
+              </a:solidFill>
+              <a:headEnd type="none"/>
+              <a:tailEnd type="none"/>
+            </a:ln>
+          </p:spPr>
+          <p:style>
+            <a:lnRef idx="1">
+              <a:schemeClr val="accent1"/>
+            </a:lnRef>
+            <a:fillRef idx="0">
+              <a:schemeClr val="accent1"/>
+            </a:fillRef>
+            <a:effectRef idx="0">
+              <a:schemeClr val="accent1"/>
+            </a:effectRef>
+            <a:fontRef idx="minor">
+              <a:schemeClr val="tx1"/>
+            </a:fontRef>
+          </p:style>
+        </p:cxnSp>
+        <p:cxnSp>
+          <p:nvCxnSpPr>
+            <p:cNvPr id="45" name="Straight Connector 44">
+              <a:extLst>
+                <a:ext uri="{FF2B5EF4-FFF2-40B4-BE49-F238E27FC236}">
+                  <a16:creationId xmlns:a16="http://schemas.microsoft.com/office/drawing/2014/main" id="{8BCD11C8-209E-4BAA-9673-24FC9FFCFE7E}"/>
+                </a:ext>
+              </a:extLst>
+            </p:cNvPr>
+            <p:cNvCxnSpPr/>
+            <p:nvPr userDrawn="1"/>
+          </p:nvCxnSpPr>
+          <p:spPr>
+            <a:xfrm>
+              <a:off x="0" y="5266944"/>
+              <a:ext cx="12188952" cy="0"/>
+            </a:xfrm>
+            <a:prstGeom prst="line">
+              <a:avLst/>
+            </a:prstGeom>
+            <a:ln w="3175">
+              <a:solidFill>
+                <a:schemeClr val="tx1">
+                  <a:alpha val="20000"/>
+                </a:schemeClr>
+              </a:solidFill>
+              <a:headEnd type="none"/>
+              <a:tailEnd type="none"/>
+            </a:ln>
+          </p:spPr>
+          <p:style>
+            <a:lnRef idx="1">
+              <a:schemeClr val="accent1"/>
+            </a:lnRef>
+            <a:fillRef idx="0">
+              <a:schemeClr val="accent1"/>
+            </a:fillRef>
+            <a:effectRef idx="0">
+              <a:schemeClr val="accent1"/>
+            </a:effectRef>
+            <a:fontRef idx="minor">
+              <a:schemeClr val="tx1"/>
+            </a:fontRef>
+          </p:style>
+        </p:cxnSp>
+        <p:cxnSp>
+          <p:nvCxnSpPr>
+            <p:cNvPr id="46" name="Straight Connector 45">
+              <a:extLst>
+                <a:ext uri="{FF2B5EF4-FFF2-40B4-BE49-F238E27FC236}">
+                  <a16:creationId xmlns:a16="http://schemas.microsoft.com/office/drawing/2014/main" id="{FBE8D8F0-D013-47C5-B53B-550A9DD35A90}"/>
+                </a:ext>
+              </a:extLst>
+            </p:cNvPr>
+            <p:cNvCxnSpPr/>
+            <p:nvPr userDrawn="1"/>
+          </p:nvCxnSpPr>
+          <p:spPr>
+            <a:xfrm>
+              <a:off x="0" y="5559552"/>
+              <a:ext cx="12188952" cy="0"/>
+            </a:xfrm>
+            <a:prstGeom prst="line">
+              <a:avLst/>
+            </a:prstGeom>
+            <a:ln w="3175">
+              <a:solidFill>
+                <a:schemeClr val="tx1">
+                  <a:alpha val="20000"/>
+                </a:schemeClr>
+              </a:solidFill>
+              <a:headEnd type="none"/>
+              <a:tailEnd type="none"/>
+            </a:ln>
+          </p:spPr>
+          <p:style>
+            <a:lnRef idx="1">
+              <a:schemeClr val="accent1"/>
+            </a:lnRef>
+            <a:fillRef idx="0">
+              <a:schemeClr val="accent1"/>
+            </a:fillRef>
+            <a:effectRef idx="0">
+              <a:schemeClr val="accent1"/>
+            </a:effectRef>
+            <a:fontRef idx="minor">
+              <a:schemeClr val="tx1"/>
+            </a:fontRef>
+          </p:style>
+        </p:cxnSp>
+        <p:cxnSp>
+          <p:nvCxnSpPr>
+            <p:cNvPr id="47" name="Straight Connector 46">
+              <a:extLst>
+                <a:ext uri="{FF2B5EF4-FFF2-40B4-BE49-F238E27FC236}">
+                  <a16:creationId xmlns:a16="http://schemas.microsoft.com/office/drawing/2014/main" id="{AE777AA7-4809-4153-8A5F-EB69A89C78EC}"/>
+                </a:ext>
+              </a:extLst>
+            </p:cNvPr>
+            <p:cNvCxnSpPr/>
+            <p:nvPr userDrawn="1"/>
+          </p:nvCxnSpPr>
+          <p:spPr>
+            <a:xfrm>
+              <a:off x="0" y="5852160"/>
+              <a:ext cx="12188952" cy="0"/>
+            </a:xfrm>
+            <a:prstGeom prst="line">
+              <a:avLst/>
+            </a:prstGeom>
+            <a:ln w="3175">
+              <a:solidFill>
+                <a:schemeClr val="tx1">
+                  <a:alpha val="20000"/>
+                </a:schemeClr>
+              </a:solidFill>
+              <a:headEnd type="none"/>
+              <a:tailEnd type="none"/>
+            </a:ln>
+          </p:spPr>
+          <p:style>
+            <a:lnRef idx="1">
+              <a:schemeClr val="accent1"/>
+            </a:lnRef>
+            <a:fillRef idx="0">
+              <a:schemeClr val="accent1"/>
+            </a:fillRef>
+            <a:effectRef idx="0">
+              <a:schemeClr val="accent1"/>
+            </a:effectRef>
+            <a:fontRef idx="minor">
+              <a:schemeClr val="tx1"/>
+            </a:fontRef>
+          </p:style>
+        </p:cxnSp>
+      </p:grpSp>
+      <p:sp>
+        <p:nvSpPr>
+          <p:cNvPr id="48" name=".64 square" hidden="1">
+            <a:extLst>
+              <a:ext uri="{FF2B5EF4-FFF2-40B4-BE49-F238E27FC236}">
+                <a16:creationId xmlns:a16="http://schemas.microsoft.com/office/drawing/2014/main" id="{B3579D07-8B06-436A-9696-54F73F4CD15D}"/>
+              </a:ext>
+            </a:extLst>
+          </p:cNvPr>
+          <p:cNvSpPr/>
+          <p:nvPr userDrawn="1"/>
+        </p:nvSpPr>
+        <p:spPr bwMode="auto">
+          <a:xfrm>
+            <a:off x="0" y="0"/>
+            <a:ext cx="585216" cy="585216"/>
+          </a:xfrm>
+          <a:prstGeom prst="rect">
+            <a:avLst/>
+          </a:prstGeom>
+          <a:solidFill>
+            <a:schemeClr val="tx1">
+              <a:alpha val="17000"/>
+            </a:schemeClr>
+          </a:solidFill>
+          <a:ln>
+            <a:noFill/>
+            <a:headEnd type="none" w="med" len="med"/>
+            <a:tailEnd type="none" w="med" len="med"/>
+          </a:ln>
+          <a:effectLst/>
+        </p:spPr>
+        <p:style>
+          <a:lnRef idx="1">
+            <a:schemeClr val="accent2"/>
+          </a:lnRef>
+          <a:fillRef idx="3">
+            <a:schemeClr val="accent2"/>
+          </a:fillRef>
+          <a:effectRef idx="2">
+            <a:schemeClr val="accent2"/>
+          </a:effectRef>
+          <a:fontRef idx="minor">
+            <a:schemeClr val="lt1"/>
+          </a:fontRef>
+        </p:style>
+        <p:txBody>
+          <a:bodyPr rot="0" spcFirstLastPara="0" vertOverflow="overflow" horzOverflow="overflow" vert="horz" wrap="square" lIns="182880" tIns="146304" rIns="182880" bIns="146304" numCol="1" spcCol="0" rtlCol="0" fromWordArt="0" anchor="t" anchorCtr="0" forceAA="0" compatLnSpc="1">
+            <a:prstTxWarp prst="textNoShape">
+              <a:avLst/>
+            </a:prstTxWarp>
+            <a:noAutofit/>
+          </a:bodyPr>
+          <a:lstStyle/>
+          <a:p>
+            <a:pPr algn="ctr" defTabSz="932472" fontAlgn="base">
+              <a:lnSpc>
+                <a:spcPct val="90000"/>
+              </a:lnSpc>
+              <a:spcBef>
+                <a:spcPct val="0"/>
+              </a:spcBef>
+              <a:spcAft>
+                <a:spcPct val="0"/>
+              </a:spcAft>
+            </a:pPr>
+            <a:endParaRPr lang="en-US" sz="2400" dirty="0">
+              <a:gradFill>
+                <a:gsLst>
+                  <a:gs pos="0">
+                    <a:srgbClr val="FFFFFF"/>
+                  </a:gs>
+                  <a:gs pos="100000">
+                    <a:srgbClr val="FFFFFF"/>
+                  </a:gs>
+                </a:gsLst>
+                <a:lin ang="5400000" scaled="0"/>
+              </a:gradFill>
+              <a:ea typeface="Segoe UI" pitchFamily="34" charset="0"/>
+              <a:cs typeface="Segoe UI" pitchFamily="34" charset="0"/>
+            </a:endParaRPr>
+          </a:p>
+        </p:txBody>
+      </p:sp>
+      <p:sp>
+        <p:nvSpPr>
+          <p:cNvPr id="49" name=".32 square" hidden="1">
+            <a:extLst>
+              <a:ext uri="{FF2B5EF4-FFF2-40B4-BE49-F238E27FC236}">
+                <a16:creationId xmlns:a16="http://schemas.microsoft.com/office/drawing/2014/main" id="{D90F487C-4344-4E84-BB5E-ED81B897A12E}"/>
+              </a:ext>
+            </a:extLst>
+          </p:cNvPr>
+          <p:cNvSpPr/>
+          <p:nvPr userDrawn="1"/>
+        </p:nvSpPr>
+        <p:spPr bwMode="auto">
+          <a:xfrm>
+            <a:off x="0" y="0"/>
+            <a:ext cx="292608" cy="292608"/>
+          </a:xfrm>
+          <a:prstGeom prst="rect">
+            <a:avLst/>
+          </a:prstGeom>
+          <a:solidFill>
+            <a:schemeClr val="tx1">
+              <a:alpha val="17000"/>
+            </a:schemeClr>
+          </a:solidFill>
+          <a:ln>
+            <a:noFill/>
+            <a:headEnd type="none" w="med" len="med"/>
+            <a:tailEnd type="none" w="med" len="med"/>
+          </a:ln>
+          <a:effectLst/>
+        </p:spPr>
+        <p:style>
+          <a:lnRef idx="1">
+            <a:schemeClr val="accent2"/>
+          </a:lnRef>
+          <a:fillRef idx="3">
+            <a:schemeClr val="accent2"/>
+          </a:fillRef>
+          <a:effectRef idx="2">
+            <a:schemeClr val="accent2"/>
+          </a:effectRef>
+          <a:fontRef idx="minor">
+            <a:schemeClr val="lt1"/>
+          </a:fontRef>
+        </p:style>
+        <p:txBody>
+          <a:bodyPr rot="0" spcFirstLastPara="0" vertOverflow="overflow" horzOverflow="overflow" vert="horz" wrap="square" lIns="182880" tIns="146304" rIns="182880" bIns="146304" numCol="1" spcCol="0" rtlCol="0" fromWordArt="0" anchor="t" anchorCtr="0" forceAA="0" compatLnSpc="1">
+            <a:prstTxWarp prst="textNoShape">
+              <a:avLst/>
+            </a:prstTxWarp>
+            <a:noAutofit/>
+          </a:bodyPr>
+          <a:lstStyle/>
+          <a:p>
+            <a:pPr algn="ctr" defTabSz="932472" fontAlgn="base">
+              <a:lnSpc>
+                <a:spcPct val="90000"/>
+              </a:lnSpc>
+              <a:spcBef>
+                <a:spcPct val="0"/>
+              </a:spcBef>
+              <a:spcAft>
+                <a:spcPct val="0"/>
+              </a:spcAft>
+            </a:pPr>
+            <a:endParaRPr lang="en-US" sz="2400" dirty="0">
+              <a:gradFill>
+                <a:gsLst>
+                  <a:gs pos="0">
+                    <a:srgbClr val="FFFFFF"/>
+                  </a:gs>
+                  <a:gs pos="100000">
+                    <a:srgbClr val="FFFFFF"/>
+                  </a:gs>
+                </a:gsLst>
+                <a:lin ang="5400000" scaled="0"/>
+              </a:gradFill>
+              <a:ea typeface="Segoe UI" pitchFamily="34" charset="0"/>
+              <a:cs typeface="Segoe UI" pitchFamily="34" charset="0"/>
+            </a:endParaRPr>
+          </a:p>
+        </p:txBody>
+      </p:sp>
+    </p:spTree>
+    <p:extLst>
+      <p:ext uri="{BB962C8B-B14F-4D97-AF65-F5344CB8AC3E}">
+        <p14:creationId xmlns:p14="http://schemas.microsoft.com/office/powerpoint/2010/main" val="2628630313"/>
+      </p:ext>
+    </p:extLst>
+  </p:cSld>
+  <p:clrMap bg1="lt1" tx1="dk1" bg2="lt2" tx2="dk2" accent1="accent1" accent2="accent2" accent3="accent3" accent4="accent4" accent5="accent5" accent6="accent6" hlink="hlink" folHlink="folHlink"/>
+  <p:sldLayoutIdLst>
+    <p:sldLayoutId id="2147484743" r:id="rId1"/>
+    <p:sldLayoutId id="2147484744" r:id="rId2"/>
+    <p:sldLayoutId id="2147484745" r:id="rId3"/>
+    <p:sldLayoutId id="2147484746" r:id="rId4"/>
+    <p:sldLayoutId id="2147484747" r:id="rId5"/>
+    <p:sldLayoutId id="2147484748" r:id="rId6"/>
+    <p:sldLayoutId id="2147484749" r:id="rId7"/>
+    <p:sldLayoutId id="2147484750" r:id="rId8"/>
+    <p:sldLayoutId id="2147484751" r:id="rId9"/>
+    <p:sldLayoutId id="2147484752" r:id="rId10"/>
+    <p:sldLayoutId id="2147484753" r:id="rId11"/>
+    <p:sldLayoutId id="2147484754" r:id="rId12"/>
+  </p:sldLayoutIdLst>
+  <p:transition>
+    <p:fade/>
+  </p:transition>
+  <p:hf sldNum="0" hdr="0" ftr="0" dt="0"/>
+  <p:txStyles>
+    <p:titleStyle>
+      <a:lvl1pPr algn="l" defTabSz="914400" rtl="0" eaLnBrk="1" latinLnBrk="0" hangingPunct="1">
+        <a:lnSpc>
+          <a:spcPct val="90000"/>
+        </a:lnSpc>
+        <a:spcBef>
+          <a:spcPct val="0"/>
+        </a:spcBef>
+        <a:buNone/>
+        <a:defRPr sz="5400" kern="1200" cap="all" baseline="0">
+          <a:blipFill>
+            <a:blip r:embed="rId17">
+              <a:extLst>
+                <a:ext uri="{28A0092B-C50C-407E-A947-70E740481C1C}">
+                  <a14:useLocalDpi xmlns:a14="http://schemas.microsoft.com/office/drawing/2010/main" val="0"/>
+                </a:ext>
+              </a:extLst>
+            </a:blip>
+            <a:tile tx="6350" ty="-127000" sx="65000" sy="64000" flip="none" algn="tl"/>
+          </a:blipFill>
+          <a:latin typeface="+mj-lt"/>
+          <a:ea typeface="+mj-ea"/>
+          <a:cs typeface="+mj-cs"/>
+        </a:defRPr>
+      </a:lvl1pPr>
+    </p:titleStyle>
+    <p:bodyStyle>
+      <a:lvl1pPr marL="182880" indent="-182880" algn="l" defTabSz="914400" rtl="0" eaLnBrk="1" latinLnBrk="0" hangingPunct="1">
+        <a:lnSpc>
+          <a:spcPct val="90000"/>
+        </a:lnSpc>
+        <a:spcBef>
+          <a:spcPts val="1200"/>
+        </a:spcBef>
+        <a:buClr>
+          <a:schemeClr val="accent1">
+            <a:lumMod val="75000"/>
+          </a:schemeClr>
+        </a:buClr>
+        <a:buSzPct val="85000"/>
+        <a:buFont typeface="Wingdings" pitchFamily="2" charset="2"/>
+        <a:buChar char="§"/>
+        <a:defRPr sz="2000" kern="1200">
+          <a:solidFill>
+            <a:schemeClr val="tx1"/>
+          </a:solidFill>
+          <a:latin typeface="+mn-lt"/>
+          <a:ea typeface="+mn-ea"/>
+          <a:cs typeface="+mn-cs"/>
+        </a:defRPr>
+      </a:lvl1pPr>
+      <a:lvl2pPr marL="457200" indent="-182880" algn="l" defTabSz="914400" rtl="0" eaLnBrk="1" latinLnBrk="0" hangingPunct="1">
+        <a:lnSpc>
+          <a:spcPct val="90000"/>
+        </a:lnSpc>
+        <a:spcBef>
+          <a:spcPts val="400"/>
+        </a:spcBef>
+        <a:spcAft>
+          <a:spcPts val="200"/>
+        </a:spcAft>
+        <a:buClr>
+          <a:schemeClr val="accent1">
+            <a:lumMod val="75000"/>
+          </a:schemeClr>
+        </a:buClr>
+        <a:buSzPct val="85000"/>
+        <a:buFont typeface="Wingdings" pitchFamily="2" charset="2"/>
+        <a:buChar char="§"/>
+        <a:defRPr sz="1800" kern="1200">
+          <a:solidFill>
+            <a:schemeClr val="tx1"/>
+          </a:solidFill>
+          <a:latin typeface="+mn-lt"/>
+          <a:ea typeface="+mn-ea"/>
+          <a:cs typeface="+mn-cs"/>
+        </a:defRPr>
+      </a:lvl2pPr>
+      <a:lvl3pPr marL="731520" indent="-182880" algn="l" defTabSz="914400" rtl="0" eaLnBrk="1" latinLnBrk="0" hangingPunct="1">
+        <a:lnSpc>
+          <a:spcPct val="90000"/>
+        </a:lnSpc>
+        <a:spcBef>
+          <a:spcPts val="400"/>
+        </a:spcBef>
+        <a:spcAft>
+          <a:spcPts val="200"/>
+        </a:spcAft>
+        <a:buClr>
+          <a:schemeClr val="accent1">
+            <a:lumMod val="75000"/>
+          </a:schemeClr>
+        </a:buClr>
+        <a:buSzPct val="85000"/>
+        <a:buFont typeface="Wingdings" pitchFamily="2" charset="2"/>
+        <a:buChar char="§"/>
+        <a:defRPr sz="1600" kern="1200">
+          <a:solidFill>
+            <a:schemeClr val="tx1"/>
+          </a:solidFill>
+          <a:latin typeface="+mn-lt"/>
+          <a:ea typeface="+mn-ea"/>
+          <a:cs typeface="+mn-cs"/>
+        </a:defRPr>
+      </a:lvl3pPr>
+      <a:lvl4pPr marL="1005840" indent="-182880" algn="l" defTabSz="914400" rtl="0" eaLnBrk="1" latinLnBrk="0" hangingPunct="1">
+        <a:lnSpc>
+          <a:spcPct val="90000"/>
+        </a:lnSpc>
+        <a:spcBef>
+          <a:spcPts val="400"/>
+        </a:spcBef>
+        <a:spcAft>
+          <a:spcPts val="200"/>
+        </a:spcAft>
+        <a:buClr>
+          <a:schemeClr val="accent1">
+            <a:lumMod val="75000"/>
+          </a:schemeClr>
+        </a:buClr>
+        <a:buSzPct val="85000"/>
+        <a:buFont typeface="Wingdings" pitchFamily="2" charset="2"/>
+        <a:buChar char="§"/>
+        <a:defRPr sz="1600" kern="1200">
+          <a:solidFill>
+            <a:schemeClr val="tx1"/>
+          </a:solidFill>
+          <a:latin typeface="+mn-lt"/>
+          <a:ea typeface="+mn-ea"/>
+          <a:cs typeface="+mn-cs"/>
+        </a:defRPr>
+      </a:lvl4pPr>
+      <a:lvl5pPr marL="1280160" indent="-182880" algn="l" defTabSz="914400" rtl="0" eaLnBrk="1" latinLnBrk="0" hangingPunct="1">
+        <a:lnSpc>
+          <a:spcPct val="90000"/>
+        </a:lnSpc>
+        <a:spcBef>
+          <a:spcPts val="400"/>
+        </a:spcBef>
+        <a:spcAft>
+          <a:spcPts val="200"/>
+        </a:spcAft>
+        <a:buClr>
+          <a:schemeClr val="accent1">
+            <a:lumMod val="75000"/>
+          </a:schemeClr>
+        </a:buClr>
+        <a:buSzPct val="85000"/>
+        <a:buFont typeface="Wingdings" pitchFamily="2" charset="2"/>
+        <a:buChar char="§"/>
+        <a:defRPr sz="1600" kern="1200">
+          <a:solidFill>
+            <a:schemeClr val="tx1"/>
+          </a:solidFill>
+          <a:latin typeface="+mn-lt"/>
+          <a:ea typeface="+mn-ea"/>
+          <a:cs typeface="+mn-cs"/>
+        </a:defRPr>
+      </a:lvl5pPr>
+      <a:lvl6pPr marL="1600000" indent="-228600" algn="l" defTabSz="914400" rtl="0" eaLnBrk="1" latinLnBrk="0" hangingPunct="1">
+        <a:lnSpc>
+          <a:spcPct val="90000"/>
+        </a:lnSpc>
+        <a:spcBef>
+          <a:spcPts val="400"/>
+        </a:spcBef>
+        <a:spcAft>
+          <a:spcPts val="200"/>
+        </a:spcAft>
+        <a:buClr>
+          <a:schemeClr val="accent1">
+            <a:lumMod val="75000"/>
+          </a:schemeClr>
+        </a:buClr>
+        <a:buSzPct val="85000"/>
+        <a:buFont typeface="Wingdings" pitchFamily="2" charset="2"/>
+        <a:buChar char="§"/>
+        <a:defRPr sz="1600" kern="1200">
+          <a:solidFill>
+            <a:schemeClr val="tx1"/>
+          </a:solidFill>
+          <a:latin typeface="+mn-lt"/>
+          <a:ea typeface="+mn-ea"/>
+          <a:cs typeface="+mn-cs"/>
+        </a:defRPr>
+      </a:lvl6pPr>
+      <a:lvl7pPr marL="1900000" indent="-228600" algn="l" defTabSz="914400" rtl="0" eaLnBrk="1" latinLnBrk="0" hangingPunct="1">
+        <a:lnSpc>
+          <a:spcPct val="90000"/>
+        </a:lnSpc>
+        <a:spcBef>
+          <a:spcPts val="400"/>
+        </a:spcBef>
+        <a:spcAft>
+          <a:spcPts val="200"/>
+        </a:spcAft>
+        <a:buClr>
+          <a:schemeClr val="accent1">
+            <a:lumMod val="75000"/>
+          </a:schemeClr>
+        </a:buClr>
+        <a:buSzPct val="85000"/>
+        <a:buFont typeface="Wingdings" pitchFamily="2" charset="2"/>
+        <a:buChar char="§"/>
+        <a:defRPr sz="1600" kern="1200">
+          <a:solidFill>
+            <a:schemeClr val="tx1"/>
+          </a:solidFill>
+          <a:latin typeface="+mn-lt"/>
+          <a:ea typeface="+mn-ea"/>
+          <a:cs typeface="+mn-cs"/>
+        </a:defRPr>
+      </a:lvl7pPr>
+      <a:lvl8pPr marL="2200000" indent="-228600" algn="l" defTabSz="914400" rtl="0" eaLnBrk="1" latinLnBrk="0" hangingPunct="1">
+        <a:lnSpc>
+          <a:spcPct val="90000"/>
+        </a:lnSpc>
+        <a:spcBef>
+          <a:spcPts val="400"/>
+        </a:spcBef>
+        <a:spcAft>
+          <a:spcPts val="200"/>
+        </a:spcAft>
+        <a:buClr>
+          <a:schemeClr val="accent1">
+            <a:lumMod val="75000"/>
+          </a:schemeClr>
+        </a:buClr>
+        <a:buSzPct val="85000"/>
+        <a:buFont typeface="Wingdings" pitchFamily="2" charset="2"/>
+        <a:buChar char="§"/>
+        <a:defRPr sz="1600" kern="1200">
+          <a:solidFill>
+            <a:schemeClr val="tx1"/>
+          </a:solidFill>
+          <a:latin typeface="+mn-lt"/>
+          <a:ea typeface="+mn-ea"/>
+          <a:cs typeface="+mn-cs"/>
+        </a:defRPr>
+      </a:lvl8pPr>
+      <a:lvl9pPr marL="2500000" indent="-228600" algn="l" defTabSz="914400" rtl="0" eaLnBrk="1" latinLnBrk="0" hangingPunct="1">
+        <a:lnSpc>
+          <a:spcPct val="90000"/>
+        </a:lnSpc>
+        <a:spcBef>
+          <a:spcPts val="400"/>
+        </a:spcBef>
+        <a:spcAft>
+          <a:spcPts val="200"/>
+        </a:spcAft>
+        <a:buClr>
+          <a:schemeClr val="accent1">
+            <a:lumMod val="75000"/>
+          </a:schemeClr>
+        </a:buClr>
+        <a:buSzPct val="85000"/>
+        <a:buFont typeface="Wingdings" pitchFamily="2" charset="2"/>
+        <a:buChar char="§"/>
+        <a:defRPr sz="1600" kern="1200">
+          <a:solidFill>
+            <a:schemeClr val="tx1"/>
+          </a:solidFill>
+          <a:latin typeface="+mn-lt"/>
+          <a:ea typeface="+mn-ea"/>
+          <a:cs typeface="+mn-cs"/>
+        </a:defRPr>
+      </a:lvl9pPr>
+    </p:bodyStyle>
+    <p:otherStyle>
+      <a:defPPr>
+        <a:defRPr lang="en-US"/>
+      </a:defPPr>
+      <a:lvl1pPr marL="0" algn="l" defTabSz="914400" rtl="0" eaLnBrk="1" latinLnBrk="0" hangingPunct="1">
+        <a:defRPr sz="1800" kern="1200">
+          <a:solidFill>
+            <a:schemeClr val="tx1"/>
+          </a:solidFill>
+          <a:latin typeface="+mn-lt"/>
+          <a:ea typeface="+mn-ea"/>
+          <a:cs typeface="+mn-cs"/>
+        </a:defRPr>
+      </a:lvl1pPr>
+      <a:lvl2pPr marL="457200" algn="l" defTabSz="914400" rtl="0" eaLnBrk="1" latinLnBrk="0" hangingPunct="1">
+        <a:defRPr sz="1800" kern="1200">
+          <a:solidFill>
+            <a:schemeClr val="tx1"/>
+          </a:solidFill>
+          <a:latin typeface="+mn-lt"/>
+          <a:ea typeface="+mn-ea"/>
+          <a:cs typeface="+mn-cs"/>
+        </a:defRPr>
+      </a:lvl2pPr>
+      <a:lvl3pPr marL="914400" algn="l" defTabSz="914400" rtl="0" eaLnBrk="1" latinLnBrk="0" hangingPunct="1">
+        <a:defRPr sz="1800" kern="1200">
+          <a:solidFill>
+            <a:schemeClr val="tx1"/>
+          </a:solidFill>
+          <a:latin typeface="+mn-lt"/>
+          <a:ea typeface="+mn-ea"/>
+          <a:cs typeface="+mn-cs"/>
+        </a:defRPr>
+      </a:lvl3pPr>
+      <a:lvl4pPr marL="1371600" algn="l" defTabSz="914400" rtl="0" eaLnBrk="1" latinLnBrk="0" hangingPunct="1">
+        <a:defRPr sz="1800" kern="1200">
+          <a:solidFill>
+            <a:schemeClr val="tx1"/>
+          </a:solidFill>
+          <a:latin typeface="+mn-lt"/>
+          <a:ea typeface="+mn-ea"/>
+          <a:cs typeface="+mn-cs"/>
+        </a:defRPr>
+      </a:lvl4pPr>
+      <a:lvl5pPr marL="1828800" algn="l" defTabSz="914400" rtl="0" eaLnBrk="1" latinLnBrk="0" hangingPunct="1">
+        <a:defRPr sz="1800" kern="1200">
+          <a:solidFill>
+            <a:schemeClr val="tx1"/>
+          </a:solidFill>
+          <a:latin typeface="+mn-lt"/>
+          <a:ea typeface="+mn-ea"/>
+          <a:cs typeface="+mn-cs"/>
+        </a:defRPr>
+      </a:lvl5pPr>
+      <a:lvl6pPr marL="2286000" algn="l" defTabSz="914400" rtl="0" eaLnBrk="1" latinLnBrk="0" hangingPunct="1">
+        <a:defRPr sz="1800" kern="1200">
+          <a:solidFill>
+            <a:schemeClr val="tx1"/>
+          </a:solidFill>
+          <a:latin typeface="+mn-lt"/>
+          <a:ea typeface="+mn-ea"/>
+          <a:cs typeface="+mn-cs"/>
+        </a:defRPr>
+      </a:lvl6pPr>
+      <a:lvl7pPr marL="2743200" algn="l" defTabSz="914400" rtl="0" eaLnBrk="1" latinLnBrk="0" hangingPunct="1">
+        <a:defRPr sz="1800" kern="1200">
+          <a:solidFill>
+            <a:schemeClr val="tx1"/>
+          </a:solidFill>
+          <a:latin typeface="+mn-lt"/>
+          <a:ea typeface="+mn-ea"/>
+          <a:cs typeface="+mn-cs"/>
+        </a:defRPr>
+      </a:lvl7pPr>
+      <a:lvl8pPr marL="3200400" algn="l" defTabSz="914400" rtl="0" eaLnBrk="1" latinLnBrk="0" hangingPunct="1">
+        <a:defRPr sz="1800" kern="1200">
+          <a:solidFill>
+            <a:schemeClr val="tx1"/>
+          </a:solidFill>
+          <a:latin typeface="+mn-lt"/>
+          <a:ea typeface="+mn-ea"/>
+          <a:cs typeface="+mn-cs"/>
+        </a:defRPr>
+      </a:lvl8pPr>
+      <a:lvl9pPr marL="3657600" algn="l" defTabSz="914400" rtl="0" eaLnBrk="1" latinLnBrk="0" hangingPunct="1">
+        <a:defRPr sz="1800" kern="1200">
+          <a:solidFill>
+            <a:schemeClr val="tx1"/>
+          </a:solidFill>
+          <a:latin typeface="+mn-lt"/>
+          <a:ea typeface="+mn-ea"/>
+          <a:cs typeface="+mn-cs"/>
+        </a:defRPr>
+      </a:lvl9pPr>
+    </p:otherStyle>
+  </p:txStyles>
+  <p:extLst>
+    <p:ext uri="{27BBF7A9-308A-43DC-89C8-2F10F3537804}">
+      <p15:sldGuideLst xmlns:p15="http://schemas.microsoft.com/office/powerpoint/2012/main">
+        <p15:guide id="1" pos="368" userDrawn="1">
+          <p15:clr>
+            <a:srgbClr val="C35EA4"/>
+          </p15:clr>
+        </p15:guide>
+        <p15:guide id="2" pos="7313" userDrawn="1">
+          <p15:clr>
+            <a:srgbClr val="C35EA4"/>
+          </p15:clr>
+        </p15:guide>
+        <p15:guide id="3" orient="horz" pos="369" userDrawn="1">
+          <p15:clr>
+            <a:srgbClr val="C35EA4"/>
+          </p15:clr>
+        </p15:guide>
+        <p15:guide id="4" orient="horz" pos="3949" userDrawn="1">
+          <p15:clr>
+            <a:srgbClr val="C35EA4"/>
+          </p15:clr>
+        </p15:guide>
+        <p15:guide id="5" orient="horz" pos="184" userDrawn="1">
+          <p15:clr>
+            <a:srgbClr val="A4A3A4"/>
+          </p15:clr>
+        </p15:guide>
+        <p15:guide id="6" pos="185" userDrawn="1">
+          <p15:clr>
+            <a:srgbClr val="A4A3A4"/>
+          </p15:clr>
+        </p15:guide>
+        <p15:guide id="7" orient="horz" pos="4135" userDrawn="1">
+          <p15:clr>
+            <a:srgbClr val="A4A3A4"/>
+          </p15:clr>
+        </p15:guide>
+        <p15:guide id="8" pos="7495" userDrawn="1">
+          <p15:clr>
+            <a:srgbClr val="A4A3A4"/>
+          </p15:clr>
+        </p15:guide>
+      </p15:sldGuideLst>
+    </p:ext>
+  </p:extLst>
+</p:sldMaster>
+</file>
+
 <file path=ppt/slides/slide1.xml><?xml version="1.0" encoding="utf-8"?>
 <p:sld xmlns:a="http://schemas.openxmlformats.org/drawingml/2006/main" xmlns:r="http://schemas.openxmlformats.org/officeDocument/2006/relationships" xmlns:p="http://schemas.openxmlformats.org/presentationml/2006/main">
   <p:cSld>
@@ -15606,15 +21692,10 @@
             <a:spLocks noGrp="1"/>
           </p:cNvSpPr>
           <p:nvPr>
-            <p:ph type="title"/>
+            <p:ph type="ctrTitle"/>
           </p:nvPr>
         </p:nvSpPr>
-        <p:spPr>
-          <a:xfrm>
-            <a:off x="584200" y="2425780"/>
-            <a:ext cx="6796314" cy="1107996"/>
-          </a:xfrm>
-        </p:spPr>
+        <p:spPr/>
         <p:txBody>
           <a:bodyPr/>
           <a:lstStyle/>
@@ -15639,18 +21720,26 @@
             <a:spLocks noGrp="1"/>
           </p:cNvSpPr>
           <p:nvPr>
-            <p:ph type="body" sz="quarter" idx="12"/>
+            <p:ph type="subTitle" idx="1"/>
           </p:nvPr>
         </p:nvSpPr>
         <p:spPr>
           <a:xfrm>
-            <a:off x="584199" y="4113102"/>
-            <a:ext cx="4948249" cy="1538883"/>
+            <a:off x="1069848" y="4389119"/>
+            <a:ext cx="7891272" cy="1998801"/>
           </a:xfrm>
         </p:spPr>
         <p:txBody>
-          <a:bodyPr/>
+          <a:bodyPr>
+            <a:normAutofit fontScale="92500" lnSpcReduction="10000"/>
+          </a:bodyPr>
           <a:lstStyle/>
+          <a:p>
+            <a:r>
+              <a:rPr lang="en-US" dirty="0"/>
+              <a:t>Thomas Rayner</a:t>
+            </a:r>
+          </a:p>
           <a:p>
             <a:r>
               <a:rPr lang="en-US" dirty="0"/>
@@ -15674,34 +21763,6 @@
             <a:r>
               <a:rPr lang="en-US" dirty="0"/>
               <a:t>PowerShell &amp; DevOps Global Summit 2019</a:t>
-            </a:r>
-          </a:p>
-        </p:txBody>
-      </p:sp>
-      <p:sp>
-        <p:nvSpPr>
-          <p:cNvPr id="3" name="Text Placeholder 2">
-            <a:extLst>
-              <a:ext uri="{FF2B5EF4-FFF2-40B4-BE49-F238E27FC236}">
-                <a16:creationId xmlns:a16="http://schemas.microsoft.com/office/drawing/2014/main" id="{1C326EB5-0CAA-4AC1-ADAD-9E889A0F2647}"/>
-              </a:ext>
-            </a:extLst>
-          </p:cNvPr>
-          <p:cNvSpPr>
-            <a:spLocks noGrp="1"/>
-          </p:cNvSpPr>
-          <p:nvPr>
-            <p:ph type="body" sz="quarter" idx="13"/>
-          </p:nvPr>
-        </p:nvSpPr>
-        <p:spPr/>
-        <p:txBody>
-          <a:bodyPr/>
-          <a:lstStyle/>
-          <a:p>
-            <a:r>
-              <a:rPr lang="en-US" dirty="0"/>
-              <a:t>Thomas Rayner</a:t>
             </a:r>
           </a:p>
         </p:txBody>
@@ -15716,18 +21777,9 @@
   <p:clrMapOvr>
     <a:masterClrMapping/>
   </p:clrMapOvr>
-  <mc:AlternateContent xmlns:mc="http://schemas.openxmlformats.org/markup-compatibility/2006" xmlns:p14="http://schemas.microsoft.com/office/powerpoint/2010/main">
-    <mc:Choice Requires="p14">
-      <p:transition spd="med" p14:dur="700">
-        <p:fade/>
-      </p:transition>
-    </mc:Choice>
-    <mc:Fallback xmlns="">
-      <p:transition spd="med">
-        <p:fade/>
-      </p:transition>
-    </mc:Fallback>
-  </mc:AlternateContent>
+  <p:transition>
+    <p:fade/>
+  </p:transition>
 </p:sld>
 </file>
 
@@ -16562,39 +22614,6 @@
 </p:sld>
 </file>
 
-<file path=ppt/slides/slide16.xml><?xml version="1.0" encoding="utf-8"?>
-<p:sld xmlns:a="http://schemas.openxmlformats.org/drawingml/2006/main" xmlns:r="http://schemas.openxmlformats.org/officeDocument/2006/relationships" xmlns:p="http://schemas.openxmlformats.org/presentationml/2006/main">
-  <p:cSld>
-    <p:spTree>
-      <p:nvGrpSpPr>
-        <p:cNvPr id="1" name=""/>
-        <p:cNvGrpSpPr/>
-        <p:nvPr/>
-      </p:nvGrpSpPr>
-      <p:grpSpPr>
-        <a:xfrm>
-          <a:off x="0" y="0"/>
-          <a:ext cx="0" cy="0"/>
-          <a:chOff x="0" y="0"/>
-          <a:chExt cx="0" cy="0"/>
-        </a:xfrm>
-      </p:grpSpPr>
-    </p:spTree>
-    <p:extLst>
-      <p:ext uri="{BB962C8B-B14F-4D97-AF65-F5344CB8AC3E}">
-        <p14:creationId xmlns:p14="http://schemas.microsoft.com/office/powerpoint/2010/main" val="1691844207"/>
-      </p:ext>
-    </p:extLst>
-  </p:cSld>
-  <p:clrMapOvr>
-    <a:masterClrMapping/>
-  </p:clrMapOvr>
-  <p:transition>
-    <p:fade/>
-  </p:transition>
-</p:sld>
-</file>
-
 <file path=ppt/slides/slide2.xml><?xml version="1.0" encoding="utf-8"?>
 <p:sld xmlns:a="http://schemas.openxmlformats.org/drawingml/2006/main" xmlns:r="http://schemas.openxmlformats.org/officeDocument/2006/relationships" xmlns:p="http://schemas.openxmlformats.org/presentationml/2006/main">
   <p:cSld>
@@ -16951,454 +22970,6 @@
   <p:transition>
     <p:fade/>
   </p:transition>
-  <p:timing>
-    <p:tnLst>
-      <p:par>
-        <p:cTn id="1" dur="indefinite" restart="never" nodeType="tmRoot">
-          <p:childTnLst>
-            <p:seq concurrent="1" nextAc="seek">
-              <p:cTn id="2" dur="indefinite" nodeType="mainSeq">
-                <p:childTnLst>
-                  <p:par>
-                    <p:cTn id="3" fill="hold">
-                      <p:stCondLst>
-                        <p:cond delay="indefinite"/>
-                      </p:stCondLst>
-                      <p:childTnLst>
-                        <p:par>
-                          <p:cTn id="4" fill="hold">
-                            <p:stCondLst>
-                              <p:cond delay="0"/>
-                            </p:stCondLst>
-                            <p:childTnLst>
-                              <p:par>
-                                <p:cTn id="5" presetID="10" presetClass="entr" presetSubtype="0" fill="hold" nodeType="clickEffect">
-                                  <p:stCondLst>
-                                    <p:cond delay="0"/>
-                                  </p:stCondLst>
-                                  <p:childTnLst>
-                                    <p:set>
-                                      <p:cBhvr>
-                                        <p:cTn id="6" dur="1" fill="hold">
-                                          <p:stCondLst>
-                                            <p:cond delay="0"/>
-                                          </p:stCondLst>
-                                        </p:cTn>
-                                        <p:tgtEl>
-                                          <p:spTgt spid="3">
-                                            <p:txEl>
-                                              <p:pRg st="5" end="5"/>
-                                            </p:txEl>
-                                          </p:spTgt>
-                                        </p:tgtEl>
-                                        <p:attrNameLst>
-                                          <p:attrName>style.visibility</p:attrName>
-                                        </p:attrNameLst>
-                                      </p:cBhvr>
-                                      <p:to>
-                                        <p:strVal val="visible"/>
-                                      </p:to>
-                                    </p:set>
-                                    <p:animEffect transition="in" filter="fade">
-                                      <p:cBhvr>
-                                        <p:cTn id="7" dur="500"/>
-                                        <p:tgtEl>
-                                          <p:spTgt spid="3">
-                                            <p:txEl>
-                                              <p:pRg st="5" end="5"/>
-                                            </p:txEl>
-                                          </p:spTgt>
-                                        </p:tgtEl>
-                                      </p:cBhvr>
-                                    </p:animEffect>
-                                  </p:childTnLst>
-                                </p:cTn>
-                              </p:par>
-                            </p:childTnLst>
-                          </p:cTn>
-                        </p:par>
-                      </p:childTnLst>
-                    </p:cTn>
-                  </p:par>
-                  <p:par>
-                    <p:cTn id="8" fill="hold">
-                      <p:stCondLst>
-                        <p:cond delay="indefinite"/>
-                      </p:stCondLst>
-                      <p:childTnLst>
-                        <p:par>
-                          <p:cTn id="9" fill="hold">
-                            <p:stCondLst>
-                              <p:cond delay="0"/>
-                            </p:stCondLst>
-                            <p:childTnLst>
-                              <p:par>
-                                <p:cTn id="10" presetID="10" presetClass="entr" presetSubtype="0" fill="hold" nodeType="clickEffect">
-                                  <p:stCondLst>
-                                    <p:cond delay="0"/>
-                                  </p:stCondLst>
-                                  <p:childTnLst>
-                                    <p:set>
-                                      <p:cBhvr>
-                                        <p:cTn id="11" dur="1" fill="hold">
-                                          <p:stCondLst>
-                                            <p:cond delay="0"/>
-                                          </p:stCondLst>
-                                        </p:cTn>
-                                        <p:tgtEl>
-                                          <p:spTgt spid="3">
-                                            <p:txEl>
-                                              <p:pRg st="6" end="6"/>
-                                            </p:txEl>
-                                          </p:spTgt>
-                                        </p:tgtEl>
-                                        <p:attrNameLst>
-                                          <p:attrName>style.visibility</p:attrName>
-                                        </p:attrNameLst>
-                                      </p:cBhvr>
-                                      <p:to>
-                                        <p:strVal val="visible"/>
-                                      </p:to>
-                                    </p:set>
-                                    <p:animEffect transition="in" filter="fade">
-                                      <p:cBhvr>
-                                        <p:cTn id="12" dur="500"/>
-                                        <p:tgtEl>
-                                          <p:spTgt spid="3">
-                                            <p:txEl>
-                                              <p:pRg st="6" end="6"/>
-                                            </p:txEl>
-                                          </p:spTgt>
-                                        </p:tgtEl>
-                                      </p:cBhvr>
-                                    </p:animEffect>
-                                  </p:childTnLst>
-                                </p:cTn>
-                              </p:par>
-                            </p:childTnLst>
-                          </p:cTn>
-                        </p:par>
-                      </p:childTnLst>
-                    </p:cTn>
-                  </p:par>
-                  <p:par>
-                    <p:cTn id="13" fill="hold">
-                      <p:stCondLst>
-                        <p:cond delay="indefinite"/>
-                      </p:stCondLst>
-                      <p:childTnLst>
-                        <p:par>
-                          <p:cTn id="14" fill="hold">
-                            <p:stCondLst>
-                              <p:cond delay="0"/>
-                            </p:stCondLst>
-                            <p:childTnLst>
-                              <p:par>
-                                <p:cTn id="15" presetID="10" presetClass="entr" presetSubtype="0" fill="hold" nodeType="clickEffect">
-                                  <p:stCondLst>
-                                    <p:cond delay="0"/>
-                                  </p:stCondLst>
-                                  <p:childTnLst>
-                                    <p:set>
-                                      <p:cBhvr>
-                                        <p:cTn id="16" dur="1" fill="hold">
-                                          <p:stCondLst>
-                                            <p:cond delay="0"/>
-                                          </p:stCondLst>
-                                        </p:cTn>
-                                        <p:tgtEl>
-                                          <p:spTgt spid="3">
-                                            <p:txEl>
-                                              <p:pRg st="7" end="7"/>
-                                            </p:txEl>
-                                          </p:spTgt>
-                                        </p:tgtEl>
-                                        <p:attrNameLst>
-                                          <p:attrName>style.visibility</p:attrName>
-                                        </p:attrNameLst>
-                                      </p:cBhvr>
-                                      <p:to>
-                                        <p:strVal val="visible"/>
-                                      </p:to>
-                                    </p:set>
-                                    <p:animEffect transition="in" filter="fade">
-                                      <p:cBhvr>
-                                        <p:cTn id="17" dur="500"/>
-                                        <p:tgtEl>
-                                          <p:spTgt spid="3">
-                                            <p:txEl>
-                                              <p:pRg st="7" end="7"/>
-                                            </p:txEl>
-                                          </p:spTgt>
-                                        </p:tgtEl>
-                                      </p:cBhvr>
-                                    </p:animEffect>
-                                  </p:childTnLst>
-                                </p:cTn>
-                              </p:par>
-                            </p:childTnLst>
-                          </p:cTn>
-                        </p:par>
-                      </p:childTnLst>
-                    </p:cTn>
-                  </p:par>
-                  <p:par>
-                    <p:cTn id="18" fill="hold">
-                      <p:stCondLst>
-                        <p:cond delay="indefinite"/>
-                      </p:stCondLst>
-                      <p:childTnLst>
-                        <p:par>
-                          <p:cTn id="19" fill="hold">
-                            <p:stCondLst>
-                              <p:cond delay="0"/>
-                            </p:stCondLst>
-                            <p:childTnLst>
-                              <p:par>
-                                <p:cTn id="20" presetID="10" presetClass="entr" presetSubtype="0" fill="hold" nodeType="clickEffect">
-                                  <p:stCondLst>
-                                    <p:cond delay="0"/>
-                                  </p:stCondLst>
-                                  <p:childTnLst>
-                                    <p:set>
-                                      <p:cBhvr>
-                                        <p:cTn id="21" dur="1" fill="hold">
-                                          <p:stCondLst>
-                                            <p:cond delay="0"/>
-                                          </p:stCondLst>
-                                        </p:cTn>
-                                        <p:tgtEl>
-                                          <p:spTgt spid="3">
-                                            <p:txEl>
-                                              <p:pRg st="8" end="8"/>
-                                            </p:txEl>
-                                          </p:spTgt>
-                                        </p:tgtEl>
-                                        <p:attrNameLst>
-                                          <p:attrName>style.visibility</p:attrName>
-                                        </p:attrNameLst>
-                                      </p:cBhvr>
-                                      <p:to>
-                                        <p:strVal val="visible"/>
-                                      </p:to>
-                                    </p:set>
-                                    <p:animEffect transition="in" filter="fade">
-                                      <p:cBhvr>
-                                        <p:cTn id="22" dur="500"/>
-                                        <p:tgtEl>
-                                          <p:spTgt spid="3">
-                                            <p:txEl>
-                                              <p:pRg st="8" end="8"/>
-                                            </p:txEl>
-                                          </p:spTgt>
-                                        </p:tgtEl>
-                                      </p:cBhvr>
-                                    </p:animEffect>
-                                  </p:childTnLst>
-                                </p:cTn>
-                              </p:par>
-                            </p:childTnLst>
-                          </p:cTn>
-                        </p:par>
-                        <p:par>
-                          <p:cTn id="23" fill="hold">
-                            <p:stCondLst>
-                              <p:cond delay="500"/>
-                            </p:stCondLst>
-                            <p:childTnLst>
-                              <p:par>
-                                <p:cTn id="24" presetID="10" presetClass="entr" presetSubtype="0" fill="hold" nodeType="afterEffect">
-                                  <p:stCondLst>
-                                    <p:cond delay="0"/>
-                                  </p:stCondLst>
-                                  <p:childTnLst>
-                                    <p:set>
-                                      <p:cBhvr>
-                                        <p:cTn id="25" dur="1" fill="hold">
-                                          <p:stCondLst>
-                                            <p:cond delay="0"/>
-                                          </p:stCondLst>
-                                        </p:cTn>
-                                        <p:tgtEl>
-                                          <p:spTgt spid="3">
-                                            <p:txEl>
-                                              <p:pRg st="9" end="9"/>
-                                            </p:txEl>
-                                          </p:spTgt>
-                                        </p:tgtEl>
-                                        <p:attrNameLst>
-                                          <p:attrName>style.visibility</p:attrName>
-                                        </p:attrNameLst>
-                                      </p:cBhvr>
-                                      <p:to>
-                                        <p:strVal val="visible"/>
-                                      </p:to>
-                                    </p:set>
-                                    <p:animEffect transition="in" filter="fade">
-                                      <p:cBhvr>
-                                        <p:cTn id="26" dur="500"/>
-                                        <p:tgtEl>
-                                          <p:spTgt spid="3">
-                                            <p:txEl>
-                                              <p:pRg st="9" end="9"/>
-                                            </p:txEl>
-                                          </p:spTgt>
-                                        </p:tgtEl>
-                                      </p:cBhvr>
-                                    </p:animEffect>
-                                  </p:childTnLst>
-                                </p:cTn>
-                              </p:par>
-                            </p:childTnLst>
-                          </p:cTn>
-                        </p:par>
-                      </p:childTnLst>
-                    </p:cTn>
-                  </p:par>
-                  <p:par>
-                    <p:cTn id="27" fill="hold">
-                      <p:stCondLst>
-                        <p:cond delay="indefinite"/>
-                      </p:stCondLst>
-                      <p:childTnLst>
-                        <p:par>
-                          <p:cTn id="28" fill="hold">
-                            <p:stCondLst>
-                              <p:cond delay="0"/>
-                            </p:stCondLst>
-                            <p:childTnLst>
-                              <p:par>
-                                <p:cTn id="29" presetID="10" presetClass="entr" presetSubtype="0" fill="hold" nodeType="clickEffect">
-                                  <p:stCondLst>
-                                    <p:cond delay="0"/>
-                                  </p:stCondLst>
-                                  <p:childTnLst>
-                                    <p:set>
-                                      <p:cBhvr>
-                                        <p:cTn id="30" dur="1" fill="hold">
-                                          <p:stCondLst>
-                                            <p:cond delay="0"/>
-                                          </p:stCondLst>
-                                        </p:cTn>
-                                        <p:tgtEl>
-                                          <p:spTgt spid="3">
-                                            <p:txEl>
-                                              <p:pRg st="10" end="10"/>
-                                            </p:txEl>
-                                          </p:spTgt>
-                                        </p:tgtEl>
-                                        <p:attrNameLst>
-                                          <p:attrName>style.visibility</p:attrName>
-                                        </p:attrNameLst>
-                                      </p:cBhvr>
-                                      <p:to>
-                                        <p:strVal val="visible"/>
-                                      </p:to>
-                                    </p:set>
-                                    <p:animEffect transition="in" filter="fade">
-                                      <p:cBhvr>
-                                        <p:cTn id="31" dur="500"/>
-                                        <p:tgtEl>
-                                          <p:spTgt spid="3">
-                                            <p:txEl>
-                                              <p:pRg st="10" end="10"/>
-                                            </p:txEl>
-                                          </p:spTgt>
-                                        </p:tgtEl>
-                                      </p:cBhvr>
-                                    </p:animEffect>
-                                  </p:childTnLst>
-                                </p:cTn>
-                              </p:par>
-                            </p:childTnLst>
-                          </p:cTn>
-                        </p:par>
-                      </p:childTnLst>
-                    </p:cTn>
-                  </p:par>
-                  <p:par>
-                    <p:cTn id="32" fill="hold">
-                      <p:stCondLst>
-                        <p:cond delay="indefinite"/>
-                      </p:stCondLst>
-                      <p:childTnLst>
-                        <p:par>
-                          <p:cTn id="33" fill="hold">
-                            <p:stCondLst>
-                              <p:cond delay="0"/>
-                            </p:stCondLst>
-                            <p:childTnLst>
-                              <p:par>
-                                <p:cTn id="34" presetID="10" presetClass="entr" presetSubtype="0" fill="hold" nodeType="clickEffect">
-                                  <p:stCondLst>
-                                    <p:cond delay="0"/>
-                                  </p:stCondLst>
-                                  <p:childTnLst>
-                                    <p:set>
-                                      <p:cBhvr>
-                                        <p:cTn id="35" dur="1" fill="hold">
-                                          <p:stCondLst>
-                                            <p:cond delay="0"/>
-                                          </p:stCondLst>
-                                        </p:cTn>
-                                        <p:tgtEl>
-                                          <p:spTgt spid="3">
-                                            <p:txEl>
-                                              <p:pRg st="11" end="11"/>
-                                            </p:txEl>
-                                          </p:spTgt>
-                                        </p:tgtEl>
-                                        <p:attrNameLst>
-                                          <p:attrName>style.visibility</p:attrName>
-                                        </p:attrNameLst>
-                                      </p:cBhvr>
-                                      <p:to>
-                                        <p:strVal val="visible"/>
-                                      </p:to>
-                                    </p:set>
-                                    <p:animEffect transition="in" filter="fade">
-                                      <p:cBhvr>
-                                        <p:cTn id="36" dur="500"/>
-                                        <p:tgtEl>
-                                          <p:spTgt spid="3">
-                                            <p:txEl>
-                                              <p:pRg st="11" end="11"/>
-                                            </p:txEl>
-                                          </p:spTgt>
-                                        </p:tgtEl>
-                                      </p:cBhvr>
-                                    </p:animEffect>
-                                  </p:childTnLst>
-                                </p:cTn>
-                              </p:par>
-                            </p:childTnLst>
-                          </p:cTn>
-                        </p:par>
-                      </p:childTnLst>
-                    </p:cTn>
-                  </p:par>
-                </p:childTnLst>
-              </p:cTn>
-              <p:prevCondLst>
-                <p:cond evt="onPrev" delay="0">
-                  <p:tgtEl>
-                    <p:sldTgt/>
-                  </p:tgtEl>
-                </p:cond>
-              </p:prevCondLst>
-              <p:nextCondLst>
-                <p:cond evt="onNext" delay="0">
-                  <p:tgtEl>
-                    <p:sldTgt/>
-                  </p:tgtEl>
-                </p:cond>
-              </p:nextCondLst>
-            </p:seq>
-          </p:childTnLst>
-        </p:cTn>
-      </p:par>
-    </p:tnLst>
-  </p:timing>
 </p:sld>
 </file>
 
@@ -20817,9 +26388,9 @@
 </file>
 
 <file path=ppt/theme/theme3.xml><?xml version="1.0" encoding="utf-8"?>
-<a:theme xmlns:a="http://schemas.openxmlformats.org/drawingml/2006/main" name="Office Theme">
+<a:theme xmlns:a="http://schemas.openxmlformats.org/drawingml/2006/main" name="Wood Type">
   <a:themeElements>
-    <a:clrScheme name="Office">
+    <a:clrScheme name="Wood Type">
       <a:dk1>
         <a:sysClr val="windowText" lastClr="000000"/>
       </a:dk1>
@@ -20827,48 +26398,86 @@
         <a:sysClr val="window" lastClr="FFFFFF"/>
       </a:lt1>
       <a:dk2>
-        <a:srgbClr val="1F497D"/>
+        <a:srgbClr val="696464"/>
       </a:dk2>
       <a:lt2>
-        <a:srgbClr val="EEECE1"/>
+        <a:srgbClr val="E9E5DC"/>
       </a:lt2>
       <a:accent1>
-        <a:srgbClr val="4F81BD"/>
+        <a:srgbClr val="D34817"/>
       </a:accent1>
       <a:accent2>
-        <a:srgbClr val="C0504D"/>
+        <a:srgbClr val="9B2D1F"/>
       </a:accent2>
       <a:accent3>
-        <a:srgbClr val="9BBB59"/>
+        <a:srgbClr val="A28E6A"/>
       </a:accent3>
       <a:accent4>
-        <a:srgbClr val="8064A2"/>
+        <a:srgbClr val="956251"/>
       </a:accent4>
       <a:accent5>
-        <a:srgbClr val="4BACC6"/>
+        <a:srgbClr val="918485"/>
       </a:accent5>
       <a:accent6>
-        <a:srgbClr val="F79646"/>
+        <a:srgbClr val="855D5D"/>
       </a:accent6>
       <a:hlink>
-        <a:srgbClr val="0000FF"/>
+        <a:srgbClr val="CC9900"/>
       </a:hlink>
       <a:folHlink>
-        <a:srgbClr val="800080"/>
+        <a:srgbClr val="96A9A9"/>
       </a:folHlink>
     </a:clrScheme>
-    <a:fontScheme name="Office">
+    <a:fontScheme name="Wood Type">
       <a:majorFont>
-        <a:latin typeface="Calibri"/>
+        <a:latin typeface="Rockwell Condensed" panose="02060603050405020104"/>
         <a:ea typeface=""/>
         <a:cs typeface=""/>
-        <a:font script="Jpan" typeface="ＭＳ Ｐゴシック"/>
-        <a:font script="Hang" typeface="맑은 고딕"/>
-        <a:font script="Hans" typeface="宋体"/>
-        <a:font script="Hant" typeface="新細明體"/>
+        <a:font script="Grek" typeface="Cambria"/>
+        <a:font script="Cyrl" typeface="Cambria"/>
+        <a:font script="Jpan" typeface="HG明朝B"/>
+        <a:font script="Hang" typeface="바탕"/>
+        <a:font script="Hans" typeface="方正姚体"/>
+        <a:font script="Hant" typeface="微軟正黑體"/>
         <a:font script="Arab" typeface="Times New Roman"/>
-        <a:font script="Hebr" typeface="Times New Roman"/>
-        <a:font script="Thai" typeface="Angsana New"/>
+        <a:font script="Hebr" typeface="David"/>
+        <a:font script="Thai" typeface="JasmineUPC"/>
+        <a:font script="Ethi" typeface="Nyala"/>
+        <a:font script="Beng" typeface="Vrinda"/>
+        <a:font script="Gujr" typeface="Shruti"/>
+        <a:font script="Khmr" typeface="MoolBoran"/>
+        <a:font script="Knda" typeface="Tunga"/>
+        <a:font script="Guru" typeface="Raavi"/>
+        <a:font script="Cans" typeface="Euphemia"/>
+        <a:font script="Cher" typeface="Plantagenet Cherokee"/>
+        <a:font script="Yiii" typeface="Microsoft Yi Baiti"/>
+        <a:font script="Tibt" typeface="Microsoft Himalaya"/>
+        <a:font script="Thaa" typeface="MV Boli"/>
+        <a:font script="Deva" typeface="Mangal"/>
+        <a:font script="Telu" typeface="Gautami"/>
+        <a:font script="Taml" typeface="Latha"/>
+        <a:font script="Syrc" typeface="Estrangelo Edessa"/>
+        <a:font script="Orya" typeface="Kalinga"/>
+        <a:font script="Mlym" typeface="Kartika"/>
+        <a:font script="Laoo" typeface="DokChampa"/>
+        <a:font script="Sinh" typeface="Iskoola Pota"/>
+        <a:font script="Mong" typeface="Mongolian Baiti"/>
+        <a:font script="Viet" typeface="Arial"/>
+        <a:font script="Uigh" typeface="Microsoft Uighur"/>
+      </a:majorFont>
+      <a:minorFont>
+        <a:latin typeface="Rockwell" panose="02060603020205020403"/>
+        <a:ea typeface=""/>
+        <a:cs typeface=""/>
+        <a:font script="Grek" typeface="Cambria"/>
+        <a:font script="Cyrl" typeface="Cambria"/>
+        <a:font script="Jpan" typeface="HG明朝B"/>
+        <a:font script="Hang" typeface="바탕"/>
+        <a:font script="Hans" typeface="方正姚体"/>
+        <a:font script="Hant" typeface="標楷體"/>
+        <a:font script="Arab" typeface="Times New Roman"/>
+        <a:font script="Hebr" typeface="David"/>
+        <a:font script="Thai" typeface="JasmineUPC"/>
         <a:font script="Ethi" typeface="Nyala"/>
         <a:font script="Beng" typeface="Vrinda"/>
         <a:font script="Gujr" typeface="Shruti"/>
@@ -20891,111 +26500,57 @@
         <a:font script="Mong" typeface="Mongolian Baiti"/>
         <a:font script="Viet" typeface="Times New Roman"/>
         <a:font script="Uigh" typeface="Microsoft Uighur"/>
-      </a:majorFont>
-      <a:minorFont>
-        <a:latin typeface="Calibri"/>
-        <a:ea typeface=""/>
-        <a:cs typeface=""/>
-        <a:font script="Jpan" typeface="ＭＳ Ｐゴシック"/>
-        <a:font script="Hang" typeface="맑은 고딕"/>
-        <a:font script="Hans" typeface="宋体"/>
-        <a:font script="Hant" typeface="新細明體"/>
-        <a:font script="Arab" typeface="Arial"/>
-        <a:font script="Hebr" typeface="Arial"/>
-        <a:font script="Thai" typeface="Cordia New"/>
-        <a:font script="Ethi" typeface="Nyala"/>
-        <a:font script="Beng" typeface="Vrinda"/>
-        <a:font script="Gujr" typeface="Shruti"/>
-        <a:font script="Khmr" typeface="DaunPenh"/>
-        <a:font script="Knda" typeface="Tunga"/>
-        <a:font script="Guru" typeface="Raavi"/>
-        <a:font script="Cans" typeface="Euphemia"/>
-        <a:font script="Cher" typeface="Plantagenet Cherokee"/>
-        <a:font script="Yiii" typeface="Microsoft Yi Baiti"/>
-        <a:font script="Tibt" typeface="Microsoft Himalaya"/>
-        <a:font script="Thaa" typeface="MV Boli"/>
-        <a:font script="Deva" typeface="Mangal"/>
-        <a:font script="Telu" typeface="Gautami"/>
-        <a:font script="Taml" typeface="Latha"/>
-        <a:font script="Syrc" typeface="Estrangelo Edessa"/>
-        <a:font script="Orya" typeface="Kalinga"/>
-        <a:font script="Mlym" typeface="Kartika"/>
-        <a:font script="Laoo" typeface="DokChampa"/>
-        <a:font script="Sinh" typeface="Iskoola Pota"/>
-        <a:font script="Mong" typeface="Mongolian Baiti"/>
-        <a:font script="Viet" typeface="Arial"/>
-        <a:font script="Uigh" typeface="Microsoft Uighur"/>
       </a:minorFont>
     </a:fontScheme>
-    <a:fmtScheme name="Office">
+    <a:fmtScheme name="Wood Type">
       <a:fillStyleLst>
         <a:solidFill>
           <a:schemeClr val="phClr"/>
         </a:solidFill>
-        <a:gradFill rotWithShape="1">
-          <a:gsLst>
-            <a:gs pos="0">
+        <a:blipFill rotWithShape="1">
+          <a:blip xmlns:r="http://schemas.openxmlformats.org/officeDocument/2006/relationships" r:embed="rId1">
+            <a:duotone>
               <a:schemeClr val="phClr">
-                <a:tint val="50000"/>
-                <a:satMod val="300000"/>
+                <a:tint val="70000"/>
+                <a:shade val="63000"/>
               </a:schemeClr>
-            </a:gs>
-            <a:gs pos="35000">
               <a:schemeClr val="phClr">
-                <a:tint val="37000"/>
-                <a:satMod val="300000"/>
+                <a:tint val="10000"/>
+                <a:satMod val="150000"/>
               </a:schemeClr>
-            </a:gs>
-            <a:gs pos="100000">
+            </a:duotone>
+          </a:blip>
+          <a:tile tx="0" ty="0" sx="60000" sy="59000" flip="none" algn="tl"/>
+        </a:blipFill>
+        <a:blipFill rotWithShape="1">
+          <a:blip xmlns:r="http://schemas.openxmlformats.org/officeDocument/2006/relationships" r:embed="rId1">
+            <a:duotone>
               <a:schemeClr val="phClr">
-                <a:tint val="15000"/>
-                <a:satMod val="350000"/>
+                <a:shade val="36000"/>
+                <a:satMod val="120000"/>
               </a:schemeClr>
-            </a:gs>
-          </a:gsLst>
-          <a:lin ang="16200000" scaled="1"/>
-        </a:gradFill>
-        <a:gradFill rotWithShape="1">
-          <a:gsLst>
-            <a:gs pos="0">
               <a:schemeClr val="phClr">
-                <a:shade val="51000"/>
-                <a:satMod val="130000"/>
+                <a:tint val="40000"/>
               </a:schemeClr>
-            </a:gs>
-            <a:gs pos="80000">
-              <a:schemeClr val="phClr">
-                <a:shade val="93000"/>
-                <a:satMod val="130000"/>
-              </a:schemeClr>
-            </a:gs>
-            <a:gs pos="100000">
-              <a:schemeClr val="phClr">
-                <a:shade val="94000"/>
-                <a:satMod val="135000"/>
-              </a:schemeClr>
-            </a:gs>
-          </a:gsLst>
-          <a:lin ang="16200000" scaled="0"/>
-        </a:gradFill>
+            </a:duotone>
+          </a:blip>
+          <a:tile tx="0" ty="0" sx="60000" sy="59000" flip="none" algn="tl"/>
+        </a:blipFill>
       </a:fillStyleLst>
       <a:lnStyleLst>
-        <a:ln w="9525" cap="flat" cmpd="sng" algn="ctr">
-          <a:solidFill>
-            <a:schemeClr val="phClr">
-              <a:shade val="95000"/>
-              <a:satMod val="105000"/>
-            </a:schemeClr>
-          </a:solidFill>
-          <a:prstDash val="solid"/>
-        </a:ln>
-        <a:ln w="25400" cap="flat" cmpd="sng" algn="ctr">
+        <a:ln w="6350" cap="flat" cmpd="sng" algn="ctr">
           <a:solidFill>
             <a:schemeClr val="phClr"/>
           </a:solidFill>
           <a:prstDash val="solid"/>
         </a:ln>
-        <a:ln w="38100" cap="flat" cmpd="sng" algn="ctr">
+        <a:ln w="12700" cap="flat" cmpd="sng" algn="ctr">
+          <a:solidFill>
+            <a:schemeClr val="phClr"/>
+          </a:solidFill>
+          <a:prstDash val="solid"/>
+        </a:ln>
+        <a:ln w="19050" cap="flat" cmpd="sng" algn="ctr">
           <a:solidFill>
             <a:schemeClr val="phClr"/>
           </a:solidFill>
@@ -21004,98 +26559,60 @@
       </a:lnStyleLst>
       <a:effectStyleLst>
         <a:effectStyle>
+          <a:effectLst/>
+        </a:effectStyle>
+        <a:effectStyle>
           <a:effectLst>
-            <a:outerShdw blurRad="40000" dist="20000" dir="5400000" rotWithShape="0">
-              <a:srgbClr val="000000">
-                <a:alpha val="38000"/>
-              </a:srgbClr>
-            </a:outerShdw>
+            <a:softEdge rad="12700"/>
           </a:effectLst>
         </a:effectStyle>
         <a:effectStyle>
           <a:effectLst>
-            <a:outerShdw blurRad="40000" dist="23000" dir="5400000" rotWithShape="0">
+            <a:outerShdw blurRad="50800" dist="19050" dir="5400000" algn="tl" rotWithShape="0">
               <a:srgbClr val="000000">
-                <a:alpha val="35000"/>
+                <a:alpha val="60000"/>
               </a:srgbClr>
             </a:outerShdw>
+            <a:softEdge rad="12700"/>
           </a:effectLst>
-        </a:effectStyle>
-        <a:effectStyle>
-          <a:effectLst>
-            <a:outerShdw blurRad="40000" dist="23000" dir="5400000" rotWithShape="0">
-              <a:srgbClr val="000000">
-                <a:alpha val="35000"/>
-              </a:srgbClr>
-            </a:outerShdw>
-          </a:effectLst>
-          <a:scene3d>
-            <a:camera prst="orthographicFront">
-              <a:rot lat="0" lon="0" rev="0"/>
-            </a:camera>
-            <a:lightRig rig="threePt" dir="t">
-              <a:rot lat="0" lon="0" rev="1200000"/>
-            </a:lightRig>
-          </a:scene3d>
-          <a:sp3d>
-            <a:bevelT w="63500" h="25400"/>
-          </a:sp3d>
         </a:effectStyle>
       </a:effectStyleLst>
       <a:bgFillStyleLst>
         <a:solidFill>
           <a:schemeClr val="phClr"/>
         </a:solidFill>
-        <a:gradFill rotWithShape="1">
-          <a:gsLst>
-            <a:gs pos="0">
+        <a:solidFill>
+          <a:schemeClr val="phClr">
+            <a:shade val="97000"/>
+            <a:satMod val="150000"/>
+          </a:schemeClr>
+        </a:solidFill>
+        <a:blipFill rotWithShape="1">
+          <a:blip xmlns:r="http://schemas.openxmlformats.org/officeDocument/2006/relationships" r:embed="rId1">
+            <a:duotone>
               <a:schemeClr val="phClr">
-                <a:tint val="40000"/>
-                <a:satMod val="350000"/>
+                <a:tint val="75000"/>
+                <a:shade val="58000"/>
+                <a:satMod val="120000"/>
               </a:schemeClr>
-            </a:gs>
-            <a:gs pos="40000">
               <a:schemeClr val="phClr">
-                <a:tint val="45000"/>
-                <a:shade val="99000"/>
-                <a:satMod val="350000"/>
+                <a:tint val="50000"/>
+                <a:shade val="96000"/>
               </a:schemeClr>
-            </a:gs>
-            <a:gs pos="100000">
-              <a:schemeClr val="phClr">
-                <a:shade val="20000"/>
-                <a:satMod val="255000"/>
-              </a:schemeClr>
-            </a:gs>
-          </a:gsLst>
-          <a:path path="circle">
-            <a:fillToRect l="50000" t="-80000" r="50000" b="180000"/>
-          </a:path>
-        </a:gradFill>
-        <a:gradFill rotWithShape="1">
-          <a:gsLst>
-            <a:gs pos="0">
-              <a:schemeClr val="phClr">
-                <a:tint val="80000"/>
-                <a:satMod val="300000"/>
-              </a:schemeClr>
-            </a:gs>
-            <a:gs pos="100000">
-              <a:schemeClr val="phClr">
-                <a:shade val="30000"/>
-                <a:satMod val="200000"/>
-              </a:schemeClr>
-            </a:gs>
-          </a:gsLst>
-          <a:path path="circle">
-            <a:fillToRect l="50000" t="50000" r="50000" b="50000"/>
-          </a:path>
-        </a:gradFill>
+            </a:duotone>
+          </a:blip>
+          <a:tile tx="0" ty="0" sx="100000" sy="100000" flip="none" algn="tl"/>
+        </a:blipFill>
       </a:bgFillStyleLst>
     </a:fmtScheme>
   </a:themeElements>
   <a:objectDefaults/>
   <a:extraClrSchemeLst/>
+  <a:extLst>
+    <a:ext uri="{05A4C25C-085E-4340-85A3-A5531E510DB2}">
+      <thm15:themeFamily xmlns:thm15="http://schemas.microsoft.com/office/thememl/2012/main" name="Wood Type" id="{7ACABC62-BF99-48CF-A9DC-4DB89C7B13DC}" vid="{142A1326-48AB-42A9-8428-CB14AA30176D}"/>
+    </a:ext>
+  </a:extLst>
 </a:theme>
 </file>
 
@@ -21382,21 +26899,304 @@
 </a:theme>
 </file>
 
+<file path=ppt/theme/theme5.xml><?xml version="1.0" encoding="utf-8"?>
+<a:theme xmlns:a="http://schemas.openxmlformats.org/drawingml/2006/main" name="Office Theme">
+  <a:themeElements>
+    <a:clrScheme name="Office">
+      <a:dk1>
+        <a:sysClr val="windowText" lastClr="000000"/>
+      </a:dk1>
+      <a:lt1>
+        <a:sysClr val="window" lastClr="FFFFFF"/>
+      </a:lt1>
+      <a:dk2>
+        <a:srgbClr val="1F497D"/>
+      </a:dk2>
+      <a:lt2>
+        <a:srgbClr val="EEECE1"/>
+      </a:lt2>
+      <a:accent1>
+        <a:srgbClr val="4F81BD"/>
+      </a:accent1>
+      <a:accent2>
+        <a:srgbClr val="C0504D"/>
+      </a:accent2>
+      <a:accent3>
+        <a:srgbClr val="9BBB59"/>
+      </a:accent3>
+      <a:accent4>
+        <a:srgbClr val="8064A2"/>
+      </a:accent4>
+      <a:accent5>
+        <a:srgbClr val="4BACC6"/>
+      </a:accent5>
+      <a:accent6>
+        <a:srgbClr val="F79646"/>
+      </a:accent6>
+      <a:hlink>
+        <a:srgbClr val="0000FF"/>
+      </a:hlink>
+      <a:folHlink>
+        <a:srgbClr val="800080"/>
+      </a:folHlink>
+    </a:clrScheme>
+    <a:fontScheme name="Office">
+      <a:majorFont>
+        <a:latin typeface="Calibri"/>
+        <a:ea typeface=""/>
+        <a:cs typeface=""/>
+        <a:font script="Jpan" typeface="ＭＳ Ｐゴシック"/>
+        <a:font script="Hang" typeface="맑은 고딕"/>
+        <a:font script="Hans" typeface="宋体"/>
+        <a:font script="Hant" typeface="新細明體"/>
+        <a:font script="Arab" typeface="Times New Roman"/>
+        <a:font script="Hebr" typeface="Times New Roman"/>
+        <a:font script="Thai" typeface="Angsana New"/>
+        <a:font script="Ethi" typeface="Nyala"/>
+        <a:font script="Beng" typeface="Vrinda"/>
+        <a:font script="Gujr" typeface="Shruti"/>
+        <a:font script="Khmr" typeface="MoolBoran"/>
+        <a:font script="Knda" typeface="Tunga"/>
+        <a:font script="Guru" typeface="Raavi"/>
+        <a:font script="Cans" typeface="Euphemia"/>
+        <a:font script="Cher" typeface="Plantagenet Cherokee"/>
+        <a:font script="Yiii" typeface="Microsoft Yi Baiti"/>
+        <a:font script="Tibt" typeface="Microsoft Himalaya"/>
+        <a:font script="Thaa" typeface="MV Boli"/>
+        <a:font script="Deva" typeface="Mangal"/>
+        <a:font script="Telu" typeface="Gautami"/>
+        <a:font script="Taml" typeface="Latha"/>
+        <a:font script="Syrc" typeface="Estrangelo Edessa"/>
+        <a:font script="Orya" typeface="Kalinga"/>
+        <a:font script="Mlym" typeface="Kartika"/>
+        <a:font script="Laoo" typeface="DokChampa"/>
+        <a:font script="Sinh" typeface="Iskoola Pota"/>
+        <a:font script="Mong" typeface="Mongolian Baiti"/>
+        <a:font script="Viet" typeface="Times New Roman"/>
+        <a:font script="Uigh" typeface="Microsoft Uighur"/>
+      </a:majorFont>
+      <a:minorFont>
+        <a:latin typeface="Calibri"/>
+        <a:ea typeface=""/>
+        <a:cs typeface=""/>
+        <a:font script="Jpan" typeface="ＭＳ Ｐゴシック"/>
+        <a:font script="Hang" typeface="맑은 고딕"/>
+        <a:font script="Hans" typeface="宋体"/>
+        <a:font script="Hant" typeface="新細明體"/>
+        <a:font script="Arab" typeface="Arial"/>
+        <a:font script="Hebr" typeface="Arial"/>
+        <a:font script="Thai" typeface="Cordia New"/>
+        <a:font script="Ethi" typeface="Nyala"/>
+        <a:font script="Beng" typeface="Vrinda"/>
+        <a:font script="Gujr" typeface="Shruti"/>
+        <a:font script="Khmr" typeface="DaunPenh"/>
+        <a:font script="Knda" typeface="Tunga"/>
+        <a:font script="Guru" typeface="Raavi"/>
+        <a:font script="Cans" typeface="Euphemia"/>
+        <a:font script="Cher" typeface="Plantagenet Cherokee"/>
+        <a:font script="Yiii" typeface="Microsoft Yi Baiti"/>
+        <a:font script="Tibt" typeface="Microsoft Himalaya"/>
+        <a:font script="Thaa" typeface="MV Boli"/>
+        <a:font script="Deva" typeface="Mangal"/>
+        <a:font script="Telu" typeface="Gautami"/>
+        <a:font script="Taml" typeface="Latha"/>
+        <a:font script="Syrc" typeface="Estrangelo Edessa"/>
+        <a:font script="Orya" typeface="Kalinga"/>
+        <a:font script="Mlym" typeface="Kartika"/>
+        <a:font script="Laoo" typeface="DokChampa"/>
+        <a:font script="Sinh" typeface="Iskoola Pota"/>
+        <a:font script="Mong" typeface="Mongolian Baiti"/>
+        <a:font script="Viet" typeface="Arial"/>
+        <a:font script="Uigh" typeface="Microsoft Uighur"/>
+      </a:minorFont>
+    </a:fontScheme>
+    <a:fmtScheme name="Office">
+      <a:fillStyleLst>
+        <a:solidFill>
+          <a:schemeClr val="phClr"/>
+        </a:solidFill>
+        <a:gradFill rotWithShape="1">
+          <a:gsLst>
+            <a:gs pos="0">
+              <a:schemeClr val="phClr">
+                <a:tint val="50000"/>
+                <a:satMod val="300000"/>
+              </a:schemeClr>
+            </a:gs>
+            <a:gs pos="35000">
+              <a:schemeClr val="phClr">
+                <a:tint val="37000"/>
+                <a:satMod val="300000"/>
+              </a:schemeClr>
+            </a:gs>
+            <a:gs pos="100000">
+              <a:schemeClr val="phClr">
+                <a:tint val="15000"/>
+                <a:satMod val="350000"/>
+              </a:schemeClr>
+            </a:gs>
+          </a:gsLst>
+          <a:lin ang="16200000" scaled="1"/>
+        </a:gradFill>
+        <a:gradFill rotWithShape="1">
+          <a:gsLst>
+            <a:gs pos="0">
+              <a:schemeClr val="phClr">
+                <a:shade val="51000"/>
+                <a:satMod val="130000"/>
+              </a:schemeClr>
+            </a:gs>
+            <a:gs pos="80000">
+              <a:schemeClr val="phClr">
+                <a:shade val="93000"/>
+                <a:satMod val="130000"/>
+              </a:schemeClr>
+            </a:gs>
+            <a:gs pos="100000">
+              <a:schemeClr val="phClr">
+                <a:shade val="94000"/>
+                <a:satMod val="135000"/>
+              </a:schemeClr>
+            </a:gs>
+          </a:gsLst>
+          <a:lin ang="16200000" scaled="0"/>
+        </a:gradFill>
+      </a:fillStyleLst>
+      <a:lnStyleLst>
+        <a:ln w="9525" cap="flat" cmpd="sng" algn="ctr">
+          <a:solidFill>
+            <a:schemeClr val="phClr">
+              <a:shade val="95000"/>
+              <a:satMod val="105000"/>
+            </a:schemeClr>
+          </a:solidFill>
+          <a:prstDash val="solid"/>
+        </a:ln>
+        <a:ln w="25400" cap="flat" cmpd="sng" algn="ctr">
+          <a:solidFill>
+            <a:schemeClr val="phClr"/>
+          </a:solidFill>
+          <a:prstDash val="solid"/>
+        </a:ln>
+        <a:ln w="38100" cap="flat" cmpd="sng" algn="ctr">
+          <a:solidFill>
+            <a:schemeClr val="phClr"/>
+          </a:solidFill>
+          <a:prstDash val="solid"/>
+        </a:ln>
+      </a:lnStyleLst>
+      <a:effectStyleLst>
+        <a:effectStyle>
+          <a:effectLst>
+            <a:outerShdw blurRad="40000" dist="20000" dir="5400000" rotWithShape="0">
+              <a:srgbClr val="000000">
+                <a:alpha val="38000"/>
+              </a:srgbClr>
+            </a:outerShdw>
+          </a:effectLst>
+        </a:effectStyle>
+        <a:effectStyle>
+          <a:effectLst>
+            <a:outerShdw blurRad="40000" dist="23000" dir="5400000" rotWithShape="0">
+              <a:srgbClr val="000000">
+                <a:alpha val="35000"/>
+              </a:srgbClr>
+            </a:outerShdw>
+          </a:effectLst>
+        </a:effectStyle>
+        <a:effectStyle>
+          <a:effectLst>
+            <a:outerShdw blurRad="40000" dist="23000" dir="5400000" rotWithShape="0">
+              <a:srgbClr val="000000">
+                <a:alpha val="35000"/>
+              </a:srgbClr>
+            </a:outerShdw>
+          </a:effectLst>
+          <a:scene3d>
+            <a:camera prst="orthographicFront">
+              <a:rot lat="0" lon="0" rev="0"/>
+            </a:camera>
+            <a:lightRig rig="threePt" dir="t">
+              <a:rot lat="0" lon="0" rev="1200000"/>
+            </a:lightRig>
+          </a:scene3d>
+          <a:sp3d>
+            <a:bevelT w="63500" h="25400"/>
+          </a:sp3d>
+        </a:effectStyle>
+      </a:effectStyleLst>
+      <a:bgFillStyleLst>
+        <a:solidFill>
+          <a:schemeClr val="phClr"/>
+        </a:solidFill>
+        <a:gradFill rotWithShape="1">
+          <a:gsLst>
+            <a:gs pos="0">
+              <a:schemeClr val="phClr">
+                <a:tint val="40000"/>
+                <a:satMod val="350000"/>
+              </a:schemeClr>
+            </a:gs>
+            <a:gs pos="40000">
+              <a:schemeClr val="phClr">
+                <a:tint val="45000"/>
+                <a:shade val="99000"/>
+                <a:satMod val="350000"/>
+              </a:schemeClr>
+            </a:gs>
+            <a:gs pos="100000">
+              <a:schemeClr val="phClr">
+                <a:shade val="20000"/>
+                <a:satMod val="255000"/>
+              </a:schemeClr>
+            </a:gs>
+          </a:gsLst>
+          <a:path path="circle">
+            <a:fillToRect l="50000" t="-80000" r="50000" b="180000"/>
+          </a:path>
+        </a:gradFill>
+        <a:gradFill rotWithShape="1">
+          <a:gsLst>
+            <a:gs pos="0">
+              <a:schemeClr val="phClr">
+                <a:tint val="80000"/>
+                <a:satMod val="300000"/>
+              </a:schemeClr>
+            </a:gs>
+            <a:gs pos="100000">
+              <a:schemeClr val="phClr">
+                <a:shade val="30000"/>
+                <a:satMod val="200000"/>
+              </a:schemeClr>
+            </a:gs>
+          </a:gsLst>
+          <a:path path="circle">
+            <a:fillToRect l="50000" t="50000" r="50000" b="50000"/>
+          </a:path>
+        </a:gradFill>
+      </a:bgFillStyleLst>
+    </a:fmtScheme>
+  </a:themeElements>
+  <a:objectDefaults/>
+  <a:extraClrSchemeLst/>
+</a:theme>
+</file>
+
 <file path=customXml/item1.xml><?xml version="1.0" encoding="utf-8"?>
+<p:properties xmlns:p="http://schemas.microsoft.com/office/2006/metadata/properties" xmlns:xsi="http://www.w3.org/2001/XMLSchema-instance" xmlns:pc="http://schemas.microsoft.com/office/infopath/2007/PartnerControls">
+  <documentManagement>
+    <MetaData xmlns="a666da93-78c4-4b7e-aa17-0268193e6a1c" xsi:nil="true"/>
+  </documentManagement>
+</p:properties>
+</file>
+
+<file path=customXml/item2.xml><?xml version="1.0" encoding="utf-8"?>
 <?mso-contentType ?>
 <FormTemplates xmlns="http://schemas.microsoft.com/sharepoint/v3/contenttype/forms">
   <Display>DocumentLibraryForm</Display>
   <Edit>DocumentLibraryForm</Edit>
   <New>DocumentLibraryForm</New>
 </FormTemplates>
-</file>
-
-<file path=customXml/item2.xml><?xml version="1.0" encoding="utf-8"?>
-<p:properties xmlns:p="http://schemas.microsoft.com/office/2006/metadata/properties" xmlns:xsi="http://www.w3.org/2001/XMLSchema-instance" xmlns:pc="http://schemas.microsoft.com/office/infopath/2007/PartnerControls">
-  <documentManagement>
-    <MetaData xmlns="a666da93-78c4-4b7e-aa17-0268193e6a1c" xsi:nil="true"/>
-  </documentManagement>
-</p:properties>
 </file>
 
 <file path=customXml/item3.xml><?xml version="1.0" encoding="utf-8"?>
@@ -21558,14 +27358,6 @@
 </file>
 
 <file path=customXml/itemProps1.xml><?xml version="1.0" encoding="utf-8"?>
-<ds:datastoreItem xmlns:ds="http://schemas.openxmlformats.org/officeDocument/2006/customXml" ds:itemID="{758FDAC0-319D-4A54-8D8E-1D42CB1F8004}">
-  <ds:schemaRefs>
-    <ds:schemaRef ds:uri="http://schemas.microsoft.com/sharepoint/v3/contenttype/forms"/>
-  </ds:schemaRefs>
-</ds:datastoreItem>
-</file>
-
-<file path=customXml/itemProps2.xml><?xml version="1.0" encoding="utf-8"?>
 <ds:datastoreItem xmlns:ds="http://schemas.openxmlformats.org/officeDocument/2006/customXml" ds:itemID="{F990F116-B58F-4255-B05B-DA3808E0E5C6}">
   <ds:schemaRefs>
     <ds:schemaRef ds:uri="a666da93-78c4-4b7e-aa17-0268193e6a1c"/>
@@ -21577,6 +27369,14 @@
     <ds:schemaRef ds:uri="http://purl.org/dc/dcmitype/"/>
     <ds:schemaRef ds:uri="http://purl.org/dc/elements/1.1/"/>
     <ds:schemaRef ds:uri="http://schemas.openxmlformats.org/package/2006/metadata/core-properties"/>
+  </ds:schemaRefs>
+</ds:datastoreItem>
+</file>
+
+<file path=customXml/itemProps2.xml><?xml version="1.0" encoding="utf-8"?>
+<ds:datastoreItem xmlns:ds="http://schemas.openxmlformats.org/officeDocument/2006/customXml" ds:itemID="{758FDAC0-319D-4A54-8D8E-1D42CB1F8004}">
+  <ds:schemaRefs>
+    <ds:schemaRef ds:uri="http://schemas.microsoft.com/sharepoint/v3/contenttype/forms"/>
   </ds:schemaRefs>
 </ds:datastoreItem>
 </file>
